--- a/material/06_CSharp_개발환경.pptx
+++ b/material/06_CSharp_개발환경.pptx
@@ -50,35 +50,35 @@
       <p:bold r:id="rId36"/>
     </p:embeddedFont>
     <p:embeddedFont>
-      <p:font typeface="Pretendard GOV" panose="020B0600000101010101" charset="-127"/>
+      <p:font typeface="AppleSDGothicNeoB00" panose="020B0600000101010101" charset="-127"/>
       <p:regular r:id="rId37"/>
-      <p:bold r:id="rId38"/>
+    </p:embeddedFont>
+    <p:embeddedFont>
+      <p:font typeface="Malgun Gothic Semilight" panose="020B0502040204020203" pitchFamily="50" charset="-127"/>
+      <p:regular r:id="rId38"/>
+    </p:embeddedFont>
+    <p:embeddedFont>
+      <p:font typeface="맑은 고딕" panose="020B0503020000020004" pitchFamily="50" charset="-127"/>
+      <p:regular r:id="rId39"/>
+      <p:bold r:id="rId40"/>
+    </p:embeddedFont>
+    <p:embeddedFont>
+      <p:font typeface="AppleSDGothicNeoH00" panose="020B0600000101010101" charset="-127"/>
+      <p:regular r:id="rId41"/>
+    </p:embeddedFont>
+    <p:embeddedFont>
+      <p:font typeface="맑은 고딕" panose="020B0503020000020004" pitchFamily="50" charset="-127"/>
+      <p:regular r:id="rId39"/>
+      <p:bold r:id="rId40"/>
     </p:embeddedFont>
     <p:embeddedFont>
       <p:font typeface="Pretendard GOV Black" panose="020B0600000101010101" charset="-127"/>
-      <p:bold r:id="rId39"/>
-    </p:embeddedFont>
-    <p:embeddedFont>
-      <p:font typeface="Malgun Gothic Semilight" panose="020B0502040204020203" pitchFamily="50" charset="-127"/>
-      <p:regular r:id="rId40"/>
-    </p:embeddedFont>
-    <p:embeddedFont>
-      <p:font typeface="맑은 고딕" panose="020B0503020000020004" pitchFamily="50" charset="-127"/>
-      <p:regular r:id="rId41"/>
       <p:bold r:id="rId42"/>
     </p:embeddedFont>
     <p:embeddedFont>
-      <p:font typeface="AppleSDGothicNeoH00" panose="020B0600000101010101" charset="-127"/>
+      <p:font typeface="Pretendard GOV" panose="020B0600000101010101" charset="-127"/>
       <p:regular r:id="rId43"/>
-    </p:embeddedFont>
-    <p:embeddedFont>
-      <p:font typeface="맑은 고딕" panose="020B0503020000020004" pitchFamily="50" charset="-127"/>
-      <p:regular r:id="rId41"/>
-      <p:bold r:id="rId42"/>
-    </p:embeddedFont>
-    <p:embeddedFont>
-      <p:font typeface="AppleSDGothicNeoB00" panose="020B0600000101010101" charset="-127"/>
-      <p:regular r:id="rId44"/>
+      <p:bold r:id="rId44"/>
     </p:embeddedFont>
   </p:embeddedFontLst>
   <p:defaultTextStyle>
@@ -269,7 +269,7 @@
           <a:p>
             <a:fld id="{2EF3F159-7250-4DD4-91C2-13B35D56E1AF}" type="datetimeFigureOut">
               <a:rPr lang="ko-KR" altLang="en-US" smtClean="0"/>
-              <a:t>2025-04-23</a:t>
+              <a:t>2025-04-25</a:t>
             </a:fld>
             <a:endParaRPr lang="ko-KR" altLang="en-US"/>
           </a:p>
@@ -2008,16 +2008,26 @@
               <a:t>들을 하나로 묶어주는 </a:t>
             </a:r>
             <a:r>
-              <a:rPr lang="en-US" altLang="ko-KR" b="1" dirty="0"/>
+              <a:rPr lang="en-US" altLang="ko-KR" b="1" dirty="0" smtClean="0"/>
               <a:t>"</a:t>
             </a:r>
             <a:r>
-              <a:rPr lang="ko-KR" altLang="en-US" b="1" dirty="0"/>
-              <a:t>큰 단위</a:t>
-            </a:r>
-            <a:r>
-              <a:rPr lang="en-US" altLang="ko-KR" b="1" dirty="0"/>
-              <a:t>"</a:t>
+              <a:rPr lang="ko-KR" altLang="en-US" b="1" dirty="0" smtClean="0"/>
+              <a:t>최상위 단위</a:t>
+            </a:r>
+            <a:r>
+              <a:rPr lang="en-US" altLang="ko-KR" b="1" dirty="0" smtClean="0"/>
+              <a:t>“</a:t>
+            </a:r>
+          </a:p>
+          <a:p>
+            <a:r>
+              <a:rPr lang="en-US" altLang="ko-KR" dirty="0" smtClean="0"/>
+              <a:t>- </a:t>
+            </a:r>
+            <a:r>
+              <a:rPr lang="ko-KR" altLang="en-US" dirty="0" smtClean="0"/>
+              <a:t>하나의 솔루션은 여러 개의 프로젝트를 포함</a:t>
             </a:r>
             <a:r>
               <a:rPr lang="ko-KR" altLang="en-US" dirty="0"/>
@@ -2111,20 +2121,32 @@
               <a:t>실제로 </a:t>
             </a:r>
             <a:r>
+              <a:rPr lang="ko-KR" altLang="en-US" b="1" dirty="0" smtClean="0"/>
+              <a:t>실행 가능한 단위</a:t>
+            </a:r>
+            <a:r>
+              <a:rPr lang="en-US" altLang="ko-KR" b="1" dirty="0" smtClean="0"/>
+              <a:t>,</a:t>
+            </a:r>
+            <a:r>
+              <a:rPr lang="ko-KR" altLang="en-US" b="1" dirty="0" smtClean="0"/>
+              <a:t> 즉 빌드할 </a:t>
+            </a:r>
+            <a:r>
               <a:rPr lang="ko-KR" altLang="en-US" b="1" dirty="0"/>
-              <a:t>실행하거나 빌드할 대상</a:t>
+              <a:t>대상</a:t>
             </a:r>
             <a:r>
               <a:rPr lang="en-US" altLang="ko-KR" dirty="0"/>
               <a:t>, </a:t>
             </a:r>
             <a:r>
-              <a:rPr lang="ko-KR" altLang="en-US" dirty="0"/>
-              <a:t>즉 </a:t>
+              <a:rPr lang="ko-KR" altLang="en-US" b="1" dirty="0" smtClean="0"/>
+              <a:t>작품의 </a:t>
             </a:r>
             <a:r>
               <a:rPr lang="ko-KR" altLang="en-US" b="1" dirty="0"/>
-              <a:t>작품의 본체</a:t>
+              <a:t>본체</a:t>
             </a:r>
             <a:r>
               <a:rPr lang="ko-KR" altLang="en-US" dirty="0"/>
@@ -2179,8 +2201,8 @@
               <a:t>프로젝트 안에 들어있는 실제 </a:t>
             </a:r>
             <a:r>
-              <a:rPr lang="ko-KR" altLang="en-US" b="1" dirty="0"/>
-              <a:t>코드</a:t>
+              <a:rPr lang="ko-KR" altLang="en-US" b="1" dirty="0" smtClean="0"/>
+              <a:t>소스코드</a:t>
             </a:r>
             <a:r>
               <a:rPr lang="en-US" altLang="ko-KR" b="1" dirty="0"/>
@@ -2201,6 +2223,9 @@
             <a:endParaRPr lang="ko-KR" altLang="en-US" dirty="0"/>
           </a:p>
           <a:p>
+            <a:endParaRPr lang="en-US" altLang="ko-KR" dirty="0" smtClean="0"/>
+          </a:p>
+          <a:p>
             <a:endParaRPr lang="en-US" altLang="ko-KR" dirty="0"/>
           </a:p>
           <a:p>
@@ -2213,14 +2238,9 @@
               <a:t>그림 </a:t>
             </a:r>
             <a:r>
-              <a:rPr lang="en-US" altLang="ko-KR" dirty="0"/>
+              <a:rPr lang="en-US" altLang="ko-KR" dirty="0" smtClean="0"/>
               <a:t>&gt;</a:t>
             </a:r>
-          </a:p>
-          <a:p>
-            <a:endParaRPr lang="en-US" altLang="ko-KR" dirty="0"/>
-          </a:p>
-          <a:p>
             <a:endParaRPr lang="en-US" altLang="ko-KR" dirty="0"/>
           </a:p>
           <a:p>
@@ -2234,8 +2254,13 @@
             </a:r>
             <a:r>
               <a:rPr lang="ko-KR" altLang="en-US" dirty="0"/>
-              <a:t>솔루션 전체</a:t>
-            </a:r>
+              <a:t>솔루션 </a:t>
+            </a:r>
+            <a:r>
+              <a:rPr lang="ko-KR" altLang="en-US" dirty="0" smtClean="0"/>
+              <a:t>이름</a:t>
+            </a:r>
+            <a:endParaRPr lang="ko-KR" altLang="en-US" dirty="0"/>
           </a:p>
           <a:p>
             <a:pPr>
@@ -2247,9 +2272,10 @@
               <a:t>WindowsFormsApp1: </a:t>
             </a:r>
             <a:r>
-              <a:rPr lang="ko-KR" altLang="en-US" dirty="0"/>
-              <a:t>프로젝트</a:t>
-            </a:r>
+              <a:rPr lang="ko-KR" altLang="en-US" dirty="0" smtClean="0"/>
+              <a:t>프로젝트 이름</a:t>
+            </a:r>
+            <a:endParaRPr lang="ko-KR" altLang="en-US" dirty="0"/>
           </a:p>
           <a:p>
             <a:pPr marL="742950" lvl="1" indent="-285750">
@@ -2262,8 +2288,121 @@
             </a:r>
             <a:r>
               <a:rPr lang="ko-KR" altLang="en-US" dirty="0"/>
-              <a:t>프로젝트 정보 및 설정</a:t>
-            </a:r>
+              <a:t>프로젝트 정보 및 </a:t>
+            </a:r>
+            <a:r>
+              <a:rPr lang="ko-KR" altLang="en-US" dirty="0" smtClean="0"/>
+              <a:t>설정</a:t>
+            </a:r>
+            <a:endParaRPr lang="en-US" altLang="ko-KR" dirty="0" smtClean="0"/>
+          </a:p>
+          <a:p>
+            <a:pPr marL="1200150" lvl="2" indent="-285750">
+              <a:buFont typeface="Arial" panose="020B0604020202020204" pitchFamily="34" charset="0"/>
+              <a:buChar char="•"/>
+            </a:pPr>
+            <a:r>
+              <a:rPr lang="en-US" altLang="ko-KR" dirty="0" err="1" smtClean="0"/>
+              <a:t>AssemblyInfo.cs</a:t>
+            </a:r>
+            <a:r>
+              <a:rPr lang="en-US" altLang="ko-KR" dirty="0" smtClean="0"/>
+              <a:t>: </a:t>
+            </a:r>
+            <a:r>
+              <a:rPr lang="ko-KR" altLang="en-US" dirty="0" smtClean="0"/>
+              <a:t>어셈블리 정보 </a:t>
+            </a:r>
+            <a:r>
+              <a:rPr lang="en-US" altLang="ko-KR" dirty="0" smtClean="0"/>
+              <a:t>(</a:t>
+            </a:r>
+            <a:r>
+              <a:rPr lang="ko-KR" altLang="en-US" dirty="0" smtClean="0"/>
+              <a:t>제목</a:t>
+            </a:r>
+            <a:r>
+              <a:rPr lang="en-US" altLang="ko-KR" dirty="0" smtClean="0"/>
+              <a:t>, </a:t>
+            </a:r>
+            <a:r>
+              <a:rPr lang="ko-KR" altLang="en-US" dirty="0" smtClean="0"/>
+              <a:t>버전 등</a:t>
+            </a:r>
+            <a:r>
+              <a:rPr lang="en-US" altLang="ko-KR" dirty="0" smtClean="0"/>
+              <a:t>)</a:t>
+            </a:r>
+            <a:r>
+              <a:rPr lang="ko-KR" altLang="en-US" dirty="0" smtClean="0"/>
+              <a:t>를 담고 있는 메타데이터 파일</a:t>
+            </a:r>
+            <a:r>
+              <a:rPr lang="en-US" altLang="ko-KR" dirty="0" smtClean="0"/>
+              <a:t>.</a:t>
+            </a:r>
+          </a:p>
+          <a:p>
+            <a:pPr marL="1200150" lvl="2" indent="-285750">
+              <a:buFont typeface="Arial" panose="020B0604020202020204" pitchFamily="34" charset="0"/>
+              <a:buChar char="•"/>
+            </a:pPr>
+            <a:r>
+              <a:rPr lang="en-US" altLang="ko-KR" dirty="0" err="1" smtClean="0"/>
+              <a:t>Resources.resx</a:t>
+            </a:r>
+            <a:r>
+              <a:rPr lang="en-US" altLang="ko-KR" dirty="0" smtClean="0"/>
+              <a:t>: </a:t>
+            </a:r>
+            <a:r>
+              <a:rPr lang="ko-KR" altLang="en-US" dirty="0" smtClean="0"/>
+              <a:t>이미지</a:t>
+            </a:r>
+            <a:r>
+              <a:rPr lang="en-US" altLang="ko-KR" dirty="0" smtClean="0"/>
+              <a:t>,</a:t>
+            </a:r>
+            <a:r>
+              <a:rPr lang="en-US" altLang="ko-KR" baseline="0" dirty="0" smtClean="0"/>
+              <a:t> </a:t>
+            </a:r>
+            <a:r>
+              <a:rPr lang="ko-KR" altLang="en-US" baseline="0" dirty="0" smtClean="0"/>
+              <a:t>아이콘 등 리소스를 관리하는 </a:t>
+            </a:r>
+            <a:r>
+              <a:rPr lang="en-US" altLang="ko-KR" baseline="0" dirty="0" smtClean="0"/>
+              <a:t>XML </a:t>
+            </a:r>
+            <a:r>
+              <a:rPr lang="ko-KR" altLang="en-US" baseline="0" dirty="0" smtClean="0"/>
+              <a:t>기반 파일</a:t>
+            </a:r>
+            <a:endParaRPr lang="en-US" altLang="ko-KR" baseline="0" dirty="0" smtClean="0"/>
+          </a:p>
+          <a:p>
+            <a:pPr marL="1200150" lvl="2" indent="-285750">
+              <a:buFont typeface="Arial" panose="020B0604020202020204" pitchFamily="34" charset="0"/>
+              <a:buChar char="•"/>
+            </a:pPr>
+            <a:r>
+              <a:rPr lang="en-US" altLang="ko-KR" baseline="0" dirty="0" err="1" smtClean="0"/>
+              <a:t>Settings.settings</a:t>
+            </a:r>
+            <a:r>
+              <a:rPr lang="en-US" altLang="ko-KR" baseline="0" dirty="0" smtClean="0"/>
+              <a:t>: </a:t>
+            </a:r>
+            <a:r>
+              <a:rPr lang="ko-KR" altLang="en-US" baseline="0" dirty="0" smtClean="0"/>
+              <a:t>사용자 설정이나 앱 설정 등을 저장할 수 있는 </a:t>
+            </a:r>
+            <a:r>
+              <a:rPr lang="ko-KR" altLang="en-US" baseline="0" dirty="0" err="1" smtClean="0"/>
+              <a:t>구성파일</a:t>
+            </a:r>
+            <a:endParaRPr lang="ko-KR" altLang="en-US" dirty="0"/>
           </a:p>
           <a:p>
             <a:pPr marL="742950" lvl="1" indent="-285750">
@@ -2276,8 +2415,21 @@
             </a:r>
             <a:r>
               <a:rPr lang="ko-KR" altLang="en-US" dirty="0"/>
-              <a:t>참조하고 있는 외부 라이브러리</a:t>
-            </a:r>
+              <a:t>참조하고 있는 외부 </a:t>
+            </a:r>
+            <a:r>
+              <a:rPr lang="ko-KR" altLang="en-US" dirty="0" smtClean="0"/>
+              <a:t>라이브러리</a:t>
+            </a:r>
+            <a:r>
+              <a:rPr lang="en-US" altLang="ko-KR" baseline="0" dirty="0" smtClean="0"/>
+              <a:t> / .NET</a:t>
+            </a:r>
+            <a:r>
+              <a:rPr lang="ko-KR" altLang="en-US" baseline="0" dirty="0" smtClean="0"/>
+              <a:t>의 기본 클래스 라이브러리를 연결해주는 목록</a:t>
+            </a:r>
+            <a:endParaRPr lang="ko-KR" altLang="en-US" dirty="0"/>
           </a:p>
           <a:p>
             <a:pPr marL="742950" lvl="1" indent="-285750">
@@ -2308,8 +2460,94 @@
             </a:r>
             <a:r>
               <a:rPr lang="ko-KR" altLang="en-US" dirty="0"/>
-              <a:t>폼 디자인 및 이벤트 코드</a:t>
-            </a:r>
+              <a:t>폼 디자인 및 이벤트 </a:t>
+            </a:r>
+            <a:r>
+              <a:rPr lang="ko-KR" altLang="en-US" dirty="0" smtClean="0"/>
+              <a:t>코드</a:t>
+            </a:r>
+            <a:endParaRPr lang="en-US" altLang="ko-KR" dirty="0" smtClean="0"/>
+          </a:p>
+          <a:p>
+            <a:pPr marL="1200150" lvl="2" indent="-285750">
+              <a:buFont typeface="Arial" panose="020B0604020202020204" pitchFamily="34" charset="0"/>
+              <a:buChar char="•"/>
+            </a:pPr>
+            <a:r>
+              <a:rPr lang="ko-KR" altLang="en-US" dirty="0" err="1" smtClean="0"/>
+              <a:t>ㄴ</a:t>
+            </a:r>
+            <a:r>
+              <a:rPr lang="ko-KR" altLang="en-US" dirty="0" smtClean="0"/>
+              <a:t> 사용자가 보는 </a:t>
+            </a:r>
+            <a:r>
+              <a:rPr lang="en-US" altLang="ko-KR" dirty="0" smtClean="0"/>
+              <a:t>UI </a:t>
+            </a:r>
+            <a:r>
+              <a:rPr lang="ko-KR" altLang="en-US" dirty="0" smtClean="0"/>
+              <a:t>폼의 코드 뒤쪽</a:t>
+            </a:r>
+            <a:endParaRPr lang="en-US" altLang="ko-KR" dirty="0" smtClean="0"/>
+          </a:p>
+          <a:p>
+            <a:pPr marL="1200150" lvl="2" indent="-285750">
+              <a:buFont typeface="Arial" panose="020B0604020202020204" pitchFamily="34" charset="0"/>
+              <a:buChar char="•"/>
+            </a:pPr>
+            <a:r>
+              <a:rPr lang="en-US" altLang="ko-KR" dirty="0" smtClean="0"/>
+              <a:t>Form1.Designer.cs : </a:t>
+            </a:r>
+            <a:r>
+              <a:rPr lang="ko-KR" altLang="en-US" dirty="0" smtClean="0"/>
+              <a:t>폼의 디자인 요소의 위치</a:t>
+            </a:r>
+            <a:r>
+              <a:rPr lang="en-US" altLang="ko-KR" dirty="0" smtClean="0"/>
+              <a:t>, </a:t>
+            </a:r>
+            <a:r>
+              <a:rPr lang="ko-KR" altLang="en-US" dirty="0" smtClean="0"/>
+              <a:t>크기</a:t>
+            </a:r>
+            <a:r>
+              <a:rPr lang="en-US" altLang="ko-KR" dirty="0" smtClean="0"/>
+              <a:t>, </a:t>
+            </a:r>
+            <a:r>
+              <a:rPr lang="ko-KR" altLang="en-US" dirty="0" smtClean="0"/>
+              <a:t>속성 등을 저장하는 파일</a:t>
+            </a:r>
+            <a:endParaRPr lang="en-US" altLang="ko-KR" dirty="0" smtClean="0"/>
+          </a:p>
+          <a:p>
+            <a:pPr marL="1657350" lvl="3" indent="-285750">
+              <a:buFont typeface="Arial" panose="020B0604020202020204" pitchFamily="34" charset="0"/>
+              <a:buChar char="•"/>
+            </a:pPr>
+            <a:r>
+              <a:rPr lang="ko-KR" altLang="en-US" dirty="0" err="1" smtClean="0"/>
+              <a:t>ㄴ</a:t>
+            </a:r>
+            <a:r>
+              <a:rPr lang="ko-KR" altLang="en-US" dirty="0" smtClean="0"/>
+              <a:t> 디자이너 창을 통해 작성 </a:t>
+            </a:r>
+            <a:r>
+              <a:rPr lang="en-US" altLang="ko-KR" dirty="0" smtClean="0"/>
+              <a:t>/ </a:t>
+            </a:r>
+            <a:r>
+              <a:rPr lang="ko-KR" altLang="en-US" dirty="0" smtClean="0"/>
+              <a:t>직접 수정하지 않는 것이 원칙</a:t>
+            </a:r>
+            <a:r>
+              <a:rPr lang="en-US" altLang="ko-KR" dirty="0" smtClean="0"/>
+              <a:t>.</a:t>
+            </a:r>
+            <a:endParaRPr lang="ko-KR" altLang="en-US" dirty="0"/>
           </a:p>
           <a:p>
             <a:pPr marL="742950" lvl="1" indent="-285750">
@@ -2326,8 +2564,56 @@
             </a:r>
             <a:r>
               <a:rPr lang="ko-KR" altLang="en-US" dirty="0"/>
-              <a:t>메인 실행 파일</a:t>
-            </a:r>
+              <a:t>메인 실행 </a:t>
+            </a:r>
+            <a:r>
+              <a:rPr lang="ko-KR" altLang="en-US" dirty="0" smtClean="0"/>
+              <a:t>파일</a:t>
+            </a:r>
+            <a:endParaRPr lang="en-US" altLang="ko-KR" dirty="0" smtClean="0"/>
+          </a:p>
+          <a:p>
+            <a:pPr marL="1200150" lvl="2" indent="-285750">
+              <a:buFont typeface="Arial" panose="020B0604020202020204" pitchFamily="34" charset="0"/>
+              <a:buChar char="•"/>
+            </a:pPr>
+            <a:r>
+              <a:rPr lang="ko-KR" altLang="en-US" dirty="0" err="1" smtClean="0"/>
+              <a:t>ㄴ</a:t>
+            </a:r>
+            <a:r>
+              <a:rPr lang="ko-KR" altLang="en-US" dirty="0" smtClean="0"/>
+              <a:t> 애플리케이션의 </a:t>
+            </a:r>
+            <a:r>
+              <a:rPr lang="en-US" altLang="ko-KR" dirty="0" smtClean="0"/>
+              <a:t>＂</a:t>
+            </a:r>
+            <a:r>
+              <a:rPr lang="ko-KR" altLang="en-US" dirty="0" smtClean="0"/>
+              <a:t>시작 지점</a:t>
+            </a:r>
+            <a:r>
+              <a:rPr lang="en-US" altLang="ko-KR" dirty="0" smtClean="0"/>
+              <a:t>(main </a:t>
+            </a:r>
+            <a:r>
+              <a:rPr lang="ko-KR" altLang="en-US" dirty="0" smtClean="0"/>
+              <a:t>메서드</a:t>
+            </a:r>
+            <a:r>
+              <a:rPr lang="en-US" altLang="ko-KR" dirty="0" smtClean="0"/>
+              <a:t>)＂</a:t>
+            </a:r>
+            <a:r>
+              <a:rPr lang="ko-KR" altLang="en-US" dirty="0" smtClean="0"/>
+              <a:t>이 정의된 파일</a:t>
+            </a:r>
+            <a:r>
+              <a:rPr lang="en-US" altLang="ko-KR" dirty="0" smtClean="0"/>
+              <a:t>.</a:t>
+            </a:r>
+            <a:endParaRPr lang="ko-KR" altLang="en-US" dirty="0"/>
           </a:p>
           <a:p>
             <a:endParaRPr lang="en-US" altLang="ko-KR" dirty="0"/>
@@ -5168,7 +5454,7 @@
               <a:t>, </a:t>
             </a:r>
             <a:r>
-              <a:rPr lang="ko-KR" altLang="en-US"/>
+              <a:rPr lang="ko-KR" altLang="en-US" dirty="0"/>
               <a:t>또는 콘솔 앱 사용</a:t>
             </a:r>
             <a:endParaRPr lang="en-US" altLang="ko-KR" dirty="0"/>
@@ -9028,7 +9314,7 @@
           <a:p>
             <a:fld id="{442BEE3F-2E9A-4FD8-8B8A-8619F3E161C0}" type="datetime1">
               <a:rPr lang="ko-KR" altLang="en-US" smtClean="0"/>
-              <a:t>2025-04-23</a:t>
+              <a:t>2025-04-25</a:t>
             </a:fld>
             <a:endParaRPr lang="ko-KR" altLang="en-US"/>
           </a:p>
@@ -9214,7 +9500,7 @@
           <a:p>
             <a:fld id="{2EAE422B-0E68-47B5-84BB-CA2BDA8EE46C}" type="datetime1">
               <a:rPr lang="ko-KR" altLang="en-US" smtClean="0"/>
-              <a:t>2025-04-23</a:t>
+              <a:t>2025-04-25</a:t>
             </a:fld>
             <a:endParaRPr lang="ko-KR" altLang="en-US"/>
           </a:p>
@@ -9422,7 +9708,7 @@
           <a:p>
             <a:fld id="{AF7C623F-179B-417F-99B6-50F6DF228D4B}" type="datetime1">
               <a:rPr lang="ko-KR" altLang="en-US" smtClean="0"/>
-              <a:t>2025-04-23</a:t>
+              <a:t>2025-04-25</a:t>
             </a:fld>
             <a:endParaRPr lang="ko-KR" altLang="en-US"/>
           </a:p>
@@ -9651,7 +9937,7 @@
           <a:p>
             <a:fld id="{0F78D9C4-20C1-4B15-A116-16DC77AD9A1E}" type="datetime1">
               <a:rPr lang="ko-KR" altLang="en-US" smtClean="0"/>
-              <a:t>2025-04-23</a:t>
+              <a:t>2025-04-25</a:t>
             </a:fld>
             <a:endParaRPr lang="ko-KR" altLang="en-US"/>
           </a:p>
@@ -9926,7 +10212,7 @@
           <a:p>
             <a:fld id="{C7F43723-C509-4DEA-8428-B50818F79709}" type="datetime1">
               <a:rPr lang="ko-KR" altLang="en-US" smtClean="0"/>
-              <a:t>2025-04-23</a:t>
+              <a:t>2025-04-25</a:t>
             </a:fld>
             <a:endParaRPr lang="ko-KR" altLang="en-US"/>
           </a:p>
@@ -10191,7 +10477,7 @@
           <a:p>
             <a:fld id="{5D2B7482-EE74-4DBD-97F4-D0DAC0C0E4E5}" type="datetime1">
               <a:rPr lang="ko-KR" altLang="en-US" smtClean="0"/>
-              <a:t>2025-04-23</a:t>
+              <a:t>2025-04-25</a:t>
             </a:fld>
             <a:endParaRPr lang="ko-KR" altLang="en-US"/>
           </a:p>
@@ -10604,7 +10890,7 @@
           <a:p>
             <a:fld id="{051A8C49-CED7-4A86-9B4A-621D7F62EE92}" type="datetime1">
               <a:rPr lang="ko-KR" altLang="en-US" smtClean="0"/>
-              <a:t>2025-04-23</a:t>
+              <a:t>2025-04-25</a:t>
             </a:fld>
             <a:endParaRPr lang="ko-KR" altLang="en-US"/>
           </a:p>
@@ -10756,7 +11042,7 @@
           <a:p>
             <a:fld id="{84082D76-7079-412D-848B-E1B9E7A6A286}" type="datetime1">
               <a:rPr lang="ko-KR" altLang="en-US" smtClean="0"/>
-              <a:t>2025-04-23</a:t>
+              <a:t>2025-04-25</a:t>
             </a:fld>
             <a:endParaRPr lang="ko-KR" altLang="en-US"/>
           </a:p>
@@ -10869,7 +11155,7 @@
           <a:p>
             <a:fld id="{10C5FEB5-5F88-4F49-9108-1795E314F09F}" type="datetime1">
               <a:rPr lang="ko-KR" altLang="en-US" smtClean="0"/>
-              <a:t>2025-04-23</a:t>
+              <a:t>2025-04-25</a:t>
             </a:fld>
             <a:endParaRPr lang="ko-KR" altLang="en-US"/>
           </a:p>
@@ -11180,7 +11466,7 @@
           <a:p>
             <a:fld id="{E37ABBEE-D8D4-48AD-9887-4DC578B8A684}" type="datetime1">
               <a:rPr lang="ko-KR" altLang="en-US" smtClean="0"/>
-              <a:t>2025-04-23</a:t>
+              <a:t>2025-04-25</a:t>
             </a:fld>
             <a:endParaRPr lang="ko-KR" altLang="en-US"/>
           </a:p>
@@ -11471,7 +11757,7 @@
           <a:p>
             <a:fld id="{A2D6A55C-F3DD-45DD-9D50-F8680410167D}" type="datetime1">
               <a:rPr lang="ko-KR" altLang="en-US" smtClean="0"/>
-              <a:t>2025-04-23</a:t>
+              <a:t>2025-04-25</a:t>
             </a:fld>
             <a:endParaRPr lang="ko-KR" altLang="en-US"/>
           </a:p>
@@ -11715,7 +12001,7 @@
             <a:fld id="{7F5E23C3-0E3D-4E4E-8486-D7FB4C073DC1}" type="datetime1">
               <a:rPr lang="ko-KR" altLang="en-US" smtClean="0"/>
               <a:pPr/>
-              <a:t>2025-04-23</a:t>
+              <a:t>2025-04-25</a:t>
             </a:fld>
             <a:endParaRPr lang="ko-KR" altLang="en-US" dirty="0"/>
           </a:p>
@@ -12242,7 +12528,7 @@
           <a:p>
             <a:fld id="{2E2BEDFA-D8AA-4914-9440-7DF713C99FA9}" type="datetime1">
               <a:rPr lang="ko-KR" altLang="en-US" smtClean="0"/>
-              <a:t>2025-04-23</a:t>
+              <a:t>2025-04-25</a:t>
             </a:fld>
             <a:endParaRPr lang="ko-KR" altLang="en-US" dirty="0"/>
           </a:p>
@@ -12330,7 +12616,7 @@
           <a:p>
             <a:fld id="{0F78D9C4-20C1-4B15-A116-16DC77AD9A1E}" type="datetime1">
               <a:rPr lang="ko-KR" altLang="en-US" smtClean="0"/>
-              <a:t>2025-04-23</a:t>
+              <a:t>2025-04-25</a:t>
             </a:fld>
             <a:endParaRPr lang="ko-KR" altLang="en-US"/>
           </a:p>
@@ -12539,7 +12825,7 @@
           <a:p>
             <a:fld id="{2E2BEDFA-D8AA-4914-9440-7DF713C99FA9}" type="datetime1">
               <a:rPr lang="ko-KR" altLang="en-US" smtClean="0"/>
-              <a:t>2025-04-23</a:t>
+              <a:t>2025-04-25</a:t>
             </a:fld>
             <a:endParaRPr lang="ko-KR" altLang="en-US" dirty="0"/>
           </a:p>
@@ -12659,7 +12945,7 @@
           <a:p>
             <a:fld id="{0F78D9C4-20C1-4B15-A116-16DC77AD9A1E}" type="datetime1">
               <a:rPr lang="ko-KR" altLang="en-US" smtClean="0"/>
-              <a:t>2025-04-23</a:t>
+              <a:t>2025-04-25</a:t>
             </a:fld>
             <a:endParaRPr lang="ko-KR" altLang="en-US"/>
           </a:p>
@@ -12929,7 +13215,7 @@
           <a:p>
             <a:fld id="{0F78D9C4-20C1-4B15-A116-16DC77AD9A1E}" type="datetime1">
               <a:rPr lang="ko-KR" altLang="en-US" smtClean="0"/>
-              <a:t>2025-04-23</a:t>
+              <a:t>2025-04-25</a:t>
             </a:fld>
             <a:endParaRPr lang="ko-KR" altLang="en-US"/>
           </a:p>
@@ -13261,7 +13547,7 @@
           <a:p>
             <a:fld id="{0F78D9C4-20C1-4B15-A116-16DC77AD9A1E}" type="datetime1">
               <a:rPr lang="ko-KR" altLang="en-US" smtClean="0"/>
-              <a:t>2025-04-23</a:t>
+              <a:t>2025-04-25</a:t>
             </a:fld>
             <a:endParaRPr lang="ko-KR" altLang="en-US"/>
           </a:p>
@@ -13511,7 +13797,7 @@
           <a:p>
             <a:fld id="{0F78D9C4-20C1-4B15-A116-16DC77AD9A1E}" type="datetime1">
               <a:rPr lang="ko-KR" altLang="en-US" smtClean="0"/>
-              <a:t>2025-04-24</a:t>
+              <a:t>2025-04-25</a:t>
             </a:fld>
             <a:endParaRPr lang="ko-KR" altLang="en-US"/>
           </a:p>
@@ -13737,7 +14023,7 @@
           <a:p>
             <a:fld id="{0F78D9C4-20C1-4B15-A116-16DC77AD9A1E}" type="datetime1">
               <a:rPr lang="ko-KR" altLang="en-US" smtClean="0"/>
-              <a:t>2025-04-23</a:t>
+              <a:t>2025-04-25</a:t>
             </a:fld>
             <a:endParaRPr lang="ko-KR" altLang="en-US"/>
           </a:p>
@@ -14021,7 +14307,7 @@
           <a:p>
             <a:fld id="{0F78D9C4-20C1-4B15-A116-16DC77AD9A1E}" type="datetime1">
               <a:rPr lang="ko-KR" altLang="en-US" smtClean="0"/>
-              <a:t>2025-04-23</a:t>
+              <a:t>2025-04-25</a:t>
             </a:fld>
             <a:endParaRPr lang="ko-KR" altLang="en-US"/>
           </a:p>
@@ -14137,7 +14423,7 @@
           <a:p>
             <a:fld id="{0F78D9C4-20C1-4B15-A116-16DC77AD9A1E}" type="datetime1">
               <a:rPr lang="ko-KR" altLang="en-US" smtClean="0"/>
-              <a:t>2025-04-23</a:t>
+              <a:t>2025-04-25</a:t>
             </a:fld>
             <a:endParaRPr lang="ko-KR" altLang="en-US"/>
           </a:p>
@@ -14813,7 +15099,7 @@
           <a:p>
             <a:fld id="{0F78D9C4-20C1-4B15-A116-16DC77AD9A1E}" type="datetime1">
               <a:rPr lang="ko-KR" altLang="en-US" smtClean="0"/>
-              <a:t>2025-04-23</a:t>
+              <a:t>2025-04-25</a:t>
             </a:fld>
             <a:endParaRPr lang="ko-KR" altLang="en-US"/>
           </a:p>
@@ -15057,7 +15343,7 @@
           <a:p>
             <a:fld id="{0F78D9C4-20C1-4B15-A116-16DC77AD9A1E}" type="datetime1">
               <a:rPr lang="ko-KR" altLang="en-US" smtClean="0"/>
-              <a:t>2025-04-23</a:t>
+              <a:t>2025-04-25</a:t>
             </a:fld>
             <a:endParaRPr lang="ko-KR" altLang="en-US"/>
           </a:p>
@@ -15518,7 +15804,7 @@
           <a:p>
             <a:fld id="{0F78D9C4-20C1-4B15-A116-16DC77AD9A1E}" type="datetime1">
               <a:rPr lang="ko-KR" altLang="en-US" smtClean="0"/>
-              <a:t>2025-04-23</a:t>
+              <a:t>2025-04-25</a:t>
             </a:fld>
             <a:endParaRPr lang="ko-KR" altLang="en-US"/>
           </a:p>
@@ -15731,7 +16017,7 @@
           <a:p>
             <a:fld id="{0F78D9C4-20C1-4B15-A116-16DC77AD9A1E}" type="datetime1">
               <a:rPr lang="ko-KR" altLang="en-US" smtClean="0"/>
-              <a:t>2025-04-23</a:t>
+              <a:t>2025-04-25</a:t>
             </a:fld>
             <a:endParaRPr lang="ko-KR" altLang="en-US"/>
           </a:p>
@@ -16053,7 +16339,7 @@
           <a:p>
             <a:fld id="{0F78D9C4-20C1-4B15-A116-16DC77AD9A1E}" type="datetime1">
               <a:rPr lang="ko-KR" altLang="en-US" smtClean="0"/>
-              <a:t>2025-04-23</a:t>
+              <a:t>2025-04-25</a:t>
             </a:fld>
             <a:endParaRPr lang="ko-KR" altLang="en-US"/>
           </a:p>
@@ -16502,7 +16788,7 @@
           <a:p>
             <a:fld id="{0F78D9C4-20C1-4B15-A116-16DC77AD9A1E}" type="datetime1">
               <a:rPr lang="ko-KR" altLang="en-US" smtClean="0"/>
-              <a:t>2025-04-23</a:t>
+              <a:t>2025-04-25</a:t>
             </a:fld>
             <a:endParaRPr lang="ko-KR" altLang="en-US"/>
           </a:p>
@@ -16834,7 +17120,7 @@
           <a:p>
             <a:fld id="{0F78D9C4-20C1-4B15-A116-16DC77AD9A1E}" type="datetime1">
               <a:rPr lang="ko-KR" altLang="en-US" smtClean="0"/>
-              <a:t>2025-04-23</a:t>
+              <a:t>2025-04-25</a:t>
             </a:fld>
             <a:endParaRPr lang="ko-KR" altLang="en-US"/>
           </a:p>
@@ -17320,7 +17606,7 @@
           <a:p>
             <a:fld id="{0F78D9C4-20C1-4B15-A116-16DC77AD9A1E}" type="datetime1">
               <a:rPr lang="ko-KR" altLang="en-US" smtClean="0"/>
-              <a:t>2025-04-24</a:t>
+              <a:t>2025-04-25</a:t>
             </a:fld>
             <a:endParaRPr lang="ko-KR" altLang="en-US"/>
           </a:p>
@@ -17899,7 +18185,7 @@
           <a:p>
             <a:fld id="{0F78D9C4-20C1-4B15-A116-16DC77AD9A1E}" type="datetime1">
               <a:rPr lang="ko-KR" altLang="en-US" smtClean="0"/>
-              <a:t>2025-04-24</a:t>
+              <a:t>2025-04-25</a:t>
             </a:fld>
             <a:endParaRPr lang="ko-KR" altLang="en-US"/>
           </a:p>
@@ -18244,7 +18530,7 @@
           <a:p>
             <a:fld id="{0F78D9C4-20C1-4B15-A116-16DC77AD9A1E}" type="datetime1">
               <a:rPr lang="ko-KR" altLang="en-US" smtClean="0"/>
-              <a:t>2025-04-23</a:t>
+              <a:t>2025-04-25</a:t>
             </a:fld>
             <a:endParaRPr lang="ko-KR" altLang="en-US"/>
           </a:p>
@@ -18587,7 +18873,7 @@
           <a:p>
             <a:fld id="{0F78D9C4-20C1-4B15-A116-16DC77AD9A1E}" type="datetime1">
               <a:rPr lang="ko-KR" altLang="en-US" smtClean="0"/>
-              <a:t>2025-04-23</a:t>
+              <a:t>2025-04-25</a:t>
             </a:fld>
             <a:endParaRPr lang="ko-KR" altLang="en-US"/>
           </a:p>
@@ -19122,7 +19408,7 @@
           <a:p>
             <a:fld id="{0F78D9C4-20C1-4B15-A116-16DC77AD9A1E}" type="datetime1">
               <a:rPr lang="ko-KR" altLang="en-US" smtClean="0"/>
-              <a:t>2025-04-23</a:t>
+              <a:t>2025-04-25</a:t>
             </a:fld>
             <a:endParaRPr lang="ko-KR" altLang="en-US"/>
           </a:p>
@@ -19368,7 +19654,7 @@
           <a:p>
             <a:fld id="{0F78D9C4-20C1-4B15-A116-16DC77AD9A1E}" type="datetime1">
               <a:rPr lang="ko-KR" altLang="en-US" smtClean="0"/>
-              <a:t>2025-04-24</a:t>
+              <a:t>2025-04-25</a:t>
             </a:fld>
             <a:endParaRPr lang="ko-KR" altLang="en-US"/>
           </a:p>
@@ -19574,11 +19860,11 @@
   <p:clrMapOvr>
     <a:masterClrMapping/>
   </p:clrMapOvr>
-  <mc:AlternateContent xmlns:mc="http://schemas.openxmlformats.org/markup-compatibility/2006">
-    <mc:Choice xmlns:p14="http://schemas.microsoft.com/office/powerpoint/2010/main" Requires="p14">
+  <mc:AlternateContent xmlns:mc="http://schemas.openxmlformats.org/markup-compatibility/2006" xmlns:p14="http://schemas.microsoft.com/office/powerpoint/2010/main">
+    <mc:Choice Requires="p14">
       <p:transition spd="slow" p14:dur="2000"/>
     </mc:Choice>
-    <mc:Fallback>
+    <mc:Fallback xmlns="">
       <p:transition spd="slow"/>
     </mc:Fallback>
   </mc:AlternateContent>
@@ -19683,7 +19969,7 @@
           <a:p>
             <a:fld id="{0F78D9C4-20C1-4B15-A116-16DC77AD9A1E}" type="datetime1">
               <a:rPr lang="ko-KR" altLang="en-US" smtClean="0"/>
-              <a:t>2025-04-23</a:t>
+              <a:t>2025-04-25</a:t>
             </a:fld>
             <a:endParaRPr lang="ko-KR" altLang="en-US"/>
           </a:p>
@@ -20236,7 +20522,7 @@
           <a:p>
             <a:fld id="{0F78D9C4-20C1-4B15-A116-16DC77AD9A1E}" type="datetime1">
               <a:rPr lang="ko-KR" altLang="en-US" smtClean="0"/>
-              <a:t>2025-04-23</a:t>
+              <a:t>2025-04-25</a:t>
             </a:fld>
             <a:endParaRPr lang="ko-KR" altLang="en-US"/>
           </a:p>
@@ -20377,7 +20663,7 @@
           <a:p>
             <a:fld id="{0F78D9C4-20C1-4B15-A116-16DC77AD9A1E}" type="datetime1">
               <a:rPr lang="ko-KR" altLang="en-US" smtClean="0"/>
-              <a:t>2025-04-23</a:t>
+              <a:t>2025-04-25</a:t>
             </a:fld>
             <a:endParaRPr lang="ko-KR" altLang="en-US"/>
           </a:p>
@@ -20714,7 +21000,7 @@
           <a:p>
             <a:fld id="{0F78D9C4-20C1-4B15-A116-16DC77AD9A1E}" type="datetime1">
               <a:rPr lang="ko-KR" altLang="en-US" smtClean="0"/>
-              <a:t>2025-04-23</a:t>
+              <a:t>2025-04-25</a:t>
             </a:fld>
             <a:endParaRPr lang="ko-KR" altLang="en-US"/>
           </a:p>
@@ -21397,7 +21683,7 @@
           <a:p>
             <a:fld id="{0F78D9C4-20C1-4B15-A116-16DC77AD9A1E}" type="datetime1">
               <a:rPr lang="ko-KR" altLang="en-US" smtClean="0"/>
-              <a:t>2025-04-23</a:t>
+              <a:t>2025-04-25</a:t>
             </a:fld>
             <a:endParaRPr lang="ko-KR" altLang="en-US"/>
           </a:p>
@@ -21725,7 +22011,7 @@
           <a:p>
             <a:fld id="{0F78D9C4-20C1-4B15-A116-16DC77AD9A1E}" type="datetime1">
               <a:rPr lang="ko-KR" altLang="en-US" smtClean="0"/>
-              <a:t>2025-04-24</a:t>
+              <a:t>2025-04-25</a:t>
             </a:fld>
             <a:endParaRPr lang="ko-KR" altLang="en-US"/>
           </a:p>
@@ -21901,7 +22187,7 @@
           <a:p>
             <a:fld id="{0F78D9C4-20C1-4B15-A116-16DC77AD9A1E}" type="datetime1">
               <a:rPr lang="ko-KR" altLang="en-US" smtClean="0"/>
-              <a:t>2025-04-23</a:t>
+              <a:t>2025-04-25</a:t>
             </a:fld>
             <a:endParaRPr lang="ko-KR" altLang="en-US"/>
           </a:p>
@@ -22258,7 +22544,7 @@
           <a:p>
             <a:fld id="{0F78D9C4-20C1-4B15-A116-16DC77AD9A1E}" type="datetime1">
               <a:rPr lang="ko-KR" altLang="en-US" smtClean="0"/>
-              <a:t>2025-04-24</a:t>
+              <a:t>2025-04-25</a:t>
             </a:fld>
             <a:endParaRPr lang="ko-KR" altLang="en-US"/>
           </a:p>
@@ -22374,7 +22660,7 @@
           <a:p>
             <a:fld id="{0F78D9C4-20C1-4B15-A116-16DC77AD9A1E}" type="datetime1">
               <a:rPr lang="ko-KR" altLang="en-US" smtClean="0"/>
-              <a:t>2025-04-23</a:t>
+              <a:t>2025-04-25</a:t>
             </a:fld>
             <a:endParaRPr lang="ko-KR" altLang="en-US"/>
           </a:p>

--- a/material/06_CSharp_개발환경.pptx
+++ b/material/06_CSharp_개발환경.pptx
@@ -45,39 +45,34 @@
   <p:notesSz cx="6858000" cy="9144000"/>
   <p:embeddedFontLst>
     <p:embeddedFont>
-      <p:font typeface="Pretendard" panose="02000503000000020004" pitchFamily="2" charset="-127"/>
+      <p:font typeface="Pretendard GOV" panose="020B0600000101010101" charset="-127"/>
       <p:regular r:id="rId35"/>
       <p:bold r:id="rId36"/>
     </p:embeddedFont>
     <p:embeddedFont>
-      <p:font typeface="AppleSDGothicNeoB00" panose="020B0600000101010101" charset="-127"/>
+      <p:font typeface="Malgun Gothic Semilight" panose="020B0502040204020203" pitchFamily="50" charset="-127"/>
       <p:regular r:id="rId37"/>
     </p:embeddedFont>
     <p:embeddedFont>
-      <p:font typeface="Malgun Gothic Semilight" panose="020B0502040204020203" pitchFamily="50" charset="-127"/>
+      <p:font typeface="Pretendard" panose="02000503000000020004" pitchFamily="2" charset="-127"/>
       <p:regular r:id="rId38"/>
+      <p:bold r:id="rId39"/>
+    </p:embeddedFont>
+    <p:embeddedFont>
+      <p:font typeface="AppleSDGothicNeoB00" panose="020B0600000101010101" charset="-127"/>
+      <p:regular r:id="rId40"/>
     </p:embeddedFont>
     <p:embeddedFont>
       <p:font typeface="맑은 고딕" panose="020B0503020000020004" pitchFamily="50" charset="-127"/>
-      <p:regular r:id="rId39"/>
-      <p:bold r:id="rId40"/>
+      <p:regular r:id="rId41"/>
+      <p:bold r:id="rId42"/>
     </p:embeddedFont>
     <p:embeddedFont>
       <p:font typeface="AppleSDGothicNeoH00" panose="020B0600000101010101" charset="-127"/>
-      <p:regular r:id="rId41"/>
-    </p:embeddedFont>
-    <p:embeddedFont>
-      <p:font typeface="맑은 고딕" panose="020B0503020000020004" pitchFamily="50" charset="-127"/>
-      <p:regular r:id="rId39"/>
-      <p:bold r:id="rId40"/>
+      <p:regular r:id="rId43"/>
     </p:embeddedFont>
     <p:embeddedFont>
       <p:font typeface="Pretendard GOV Black" panose="020B0600000101010101" charset="-127"/>
-      <p:bold r:id="rId42"/>
-    </p:embeddedFont>
-    <p:embeddedFont>
-      <p:font typeface="Pretendard GOV" panose="020B0600000101010101" charset="-127"/>
-      <p:regular r:id="rId43"/>
       <p:bold r:id="rId44"/>
     </p:embeddedFont>
   </p:embeddedFontLst>
@@ -269,7 +264,7 @@
           <a:p>
             <a:fld id="{2EF3F159-7250-4DD4-91C2-13B35D56E1AF}" type="datetimeFigureOut">
               <a:rPr lang="ko-KR" altLang="en-US" smtClean="0"/>
-              <a:t>2025-04-25</a:t>
+              <a:t>2025-06-08</a:t>
             </a:fld>
             <a:endParaRPr lang="ko-KR" altLang="en-US"/>
           </a:p>
@@ -580,437 +575,6 @@
           <a:bodyPr/>
           <a:lstStyle/>
           <a:p>
-            <a:r>
-              <a:rPr lang="en-US" altLang="ko-KR" dirty="0"/>
-              <a:t>C#</a:t>
-            </a:r>
-            <a:r>
-              <a:rPr lang="ko-KR" altLang="en-US" dirty="0"/>
-              <a:t>은 </a:t>
-            </a:r>
-            <a:r>
-              <a:rPr lang="en-US" altLang="ko-KR" dirty="0"/>
-              <a:t>C </a:t>
-            </a:r>
-            <a:r>
-              <a:rPr lang="ko-KR" altLang="en-US" dirty="0"/>
-              <a:t>계열 </a:t>
-            </a:r>
-            <a:r>
-              <a:rPr lang="en-US" altLang="ko-KR" dirty="0"/>
-              <a:t>(C, C++)</a:t>
-            </a:r>
-            <a:r>
-              <a:rPr lang="ko-KR" altLang="en-US" dirty="0"/>
-              <a:t>과 </a:t>
-            </a:r>
-            <a:r>
-              <a:rPr lang="en-US" altLang="ko-KR" dirty="0"/>
-              <a:t>Java</a:t>
-            </a:r>
-            <a:r>
-              <a:rPr lang="ko-KR" altLang="en-US" dirty="0"/>
-              <a:t>의 영향을 받아 </a:t>
-            </a:r>
-            <a:r>
-              <a:rPr lang="en-US" altLang="ko-KR" dirty="0"/>
-              <a:t>2000</a:t>
-            </a:r>
-            <a:r>
-              <a:rPr lang="ko-KR" altLang="en-US" dirty="0"/>
-              <a:t>년에 </a:t>
-            </a:r>
-            <a:r>
-              <a:rPr lang="en-US" altLang="ko-KR" dirty="0"/>
-              <a:t>Microsoft</a:t>
-            </a:r>
-            <a:r>
-              <a:rPr lang="ko-KR" altLang="en-US" dirty="0"/>
-              <a:t>에서 개발됨</a:t>
-            </a:r>
-            <a:r>
-              <a:rPr lang="en-US" altLang="ko-KR" dirty="0"/>
-              <a:t>.</a:t>
-            </a:r>
-          </a:p>
-          <a:p>
-            <a:pPr marL="0" marR="0" lvl="0" indent="0" algn="l" defTabSz="914400" rtl="0" eaLnBrk="1" fontAlgn="auto" latinLnBrk="1" hangingPunct="1">
-              <a:lnSpc>
-                <a:spcPct val="100000"/>
-              </a:lnSpc>
-              <a:spcBef>
-                <a:spcPts val="0"/>
-              </a:spcBef>
-              <a:spcAft>
-                <a:spcPts val="0"/>
-              </a:spcAft>
-              <a:buClrTx/>
-              <a:buSzTx/>
-              <a:buFontTx/>
-              <a:buNone/>
-              <a:tabLst/>
-              <a:defRPr/>
-            </a:pPr>
-            <a:endParaRPr lang="en-US" altLang="ko-KR" dirty="0"/>
-          </a:p>
-          <a:p>
-            <a:r>
-              <a:rPr lang="en-US" altLang="ko-KR" dirty="0"/>
-              <a:t>(TMI)</a:t>
-            </a:r>
-          </a:p>
-          <a:p>
-            <a:r>
-              <a:rPr lang="en-US" altLang="ko-KR" dirty="0"/>
-              <a:t>1990</a:t>
-            </a:r>
-            <a:r>
-              <a:rPr lang="ko-KR" altLang="en-US" dirty="0"/>
-              <a:t>년대 후반</a:t>
-            </a:r>
-            <a:r>
-              <a:rPr lang="en-US" altLang="ko-KR" dirty="0"/>
-              <a:t>, Java</a:t>
-            </a:r>
-            <a:r>
-              <a:rPr lang="ko-KR" altLang="en-US" dirty="0"/>
-              <a:t>의 급부상</a:t>
-            </a:r>
-            <a:endParaRPr lang="en-US" altLang="ko-KR" dirty="0"/>
-          </a:p>
-          <a:p>
-            <a:r>
-              <a:rPr lang="en-US" altLang="ko-KR" dirty="0"/>
-              <a:t>MS</a:t>
-            </a:r>
-            <a:r>
-              <a:rPr lang="ko-KR" altLang="en-US" dirty="0"/>
-              <a:t>에서 </a:t>
-            </a:r>
-            <a:r>
-              <a:rPr lang="en-US" altLang="ko-KR" dirty="0"/>
-              <a:t>Java</a:t>
-            </a:r>
-            <a:r>
-              <a:rPr lang="ko-KR" altLang="en-US" dirty="0"/>
-              <a:t>를 자사 운영체제</a:t>
-            </a:r>
-            <a:r>
-              <a:rPr lang="en-US" altLang="ko-KR" dirty="0"/>
-              <a:t>(windows)</a:t>
-            </a:r>
-            <a:r>
-              <a:rPr lang="ko-KR" altLang="en-US" dirty="0"/>
-              <a:t>에 맞게 수정해서 </a:t>
-            </a:r>
-            <a:r>
-              <a:rPr lang="en-US" altLang="ko-KR" dirty="0"/>
-              <a:t>J++ </a:t>
-            </a:r>
-            <a:r>
-              <a:rPr lang="ko-KR" altLang="en-US" dirty="0"/>
-              <a:t>라는 언어로 사용하려 함</a:t>
-            </a:r>
-            <a:r>
-              <a:rPr lang="en-US" altLang="ko-KR" dirty="0"/>
-              <a:t>.</a:t>
-            </a:r>
-          </a:p>
-          <a:p>
-            <a:r>
-              <a:rPr lang="en-US" altLang="ko-KR" dirty="0"/>
-              <a:t>Java </a:t>
-            </a:r>
-            <a:r>
-              <a:rPr lang="ko-KR" altLang="en-US" dirty="0"/>
-              <a:t>원 개발사인 </a:t>
-            </a:r>
-            <a:r>
-              <a:rPr lang="en-US" altLang="ko-KR" dirty="0"/>
-              <a:t>Sun Microsystems(</a:t>
-            </a:r>
-            <a:r>
-              <a:rPr lang="ko-KR" altLang="en-US" dirty="0"/>
-              <a:t>썬 </a:t>
-            </a:r>
-            <a:r>
-              <a:rPr lang="ko-KR" altLang="en-US" dirty="0" err="1"/>
-              <a:t>마이크로시스</a:t>
-            </a:r>
-            <a:r>
-              <a:rPr lang="en-US" altLang="ko-KR" dirty="0"/>
-              <a:t>)</a:t>
-            </a:r>
-            <a:r>
-              <a:rPr lang="ko-KR" altLang="en-US" dirty="0"/>
-              <a:t>는 </a:t>
-            </a:r>
-            <a:r>
-              <a:rPr lang="en-US" altLang="ko-KR" dirty="0"/>
-              <a:t>Java</a:t>
-            </a:r>
-            <a:r>
-              <a:rPr lang="ko-KR" altLang="en-US" dirty="0"/>
-              <a:t>가 플랫폼 독립적이어야 한다는 철학을 지키기 위해</a:t>
-            </a:r>
-            <a:r>
-              <a:rPr lang="en-US" altLang="ko-KR" dirty="0"/>
-              <a:t>,</a:t>
-            </a:r>
-          </a:p>
-          <a:p>
-            <a:r>
-              <a:rPr lang="en-US" altLang="ko-KR" dirty="0"/>
-              <a:t>MS</a:t>
-            </a:r>
-            <a:r>
-              <a:rPr lang="ko-KR" altLang="en-US" dirty="0"/>
-              <a:t>의 독자적인 </a:t>
-            </a:r>
-            <a:r>
-              <a:rPr lang="en-US" altLang="ko-KR" dirty="0"/>
-              <a:t>J++ </a:t>
-            </a:r>
-            <a:r>
-              <a:rPr lang="ko-KR" altLang="en-US" dirty="0"/>
-              <a:t>구현은 이 철학을 위배한다는 이유로 법적 분쟁이 이어짐</a:t>
-            </a:r>
-            <a:r>
-              <a:rPr lang="en-US" altLang="ko-KR" dirty="0"/>
-              <a:t>.</a:t>
-            </a:r>
-          </a:p>
-          <a:p>
-            <a:endParaRPr lang="en-US" altLang="ko-KR" dirty="0"/>
-          </a:p>
-          <a:p>
-            <a:pPr marL="171450" indent="-171450">
-              <a:buFontTx/>
-              <a:buChar char="-"/>
-            </a:pPr>
-            <a:r>
-              <a:rPr lang="en-US" altLang="ko-KR" dirty="0"/>
-              <a:t>MS</a:t>
-            </a:r>
-            <a:r>
-              <a:rPr lang="ko-KR" altLang="en-US" dirty="0"/>
-              <a:t>는 </a:t>
-            </a:r>
-            <a:r>
-              <a:rPr lang="en-US" altLang="ko-KR" dirty="0"/>
-              <a:t>Sun</a:t>
-            </a:r>
-            <a:r>
-              <a:rPr lang="ko-KR" altLang="en-US" dirty="0"/>
-              <a:t>과의 관계를 끊고</a:t>
-            </a:r>
-            <a:r>
-              <a:rPr lang="en-US" altLang="ko-KR" dirty="0"/>
-              <a:t>, .NET </a:t>
-            </a:r>
-            <a:r>
-              <a:rPr lang="ko-KR" altLang="en-US" dirty="0"/>
-              <a:t>플랫폼을 만들며 자체 언어인 </a:t>
-            </a:r>
-            <a:r>
-              <a:rPr lang="en-US" altLang="ko-KR" dirty="0"/>
-              <a:t>C#</a:t>
-            </a:r>
-            <a:r>
-              <a:rPr lang="ko-KR" altLang="en-US" dirty="0"/>
-              <a:t>을 개발하게 됨</a:t>
-            </a:r>
-            <a:r>
-              <a:rPr lang="en-US" altLang="ko-KR" dirty="0"/>
-              <a:t>!</a:t>
-            </a:r>
-          </a:p>
-          <a:p>
-            <a:pPr marL="171450" marR="0" lvl="0" indent="-171450" algn="l" defTabSz="914400" rtl="0" eaLnBrk="1" fontAlgn="auto" latinLnBrk="1" hangingPunct="1">
-              <a:lnSpc>
-                <a:spcPct val="100000"/>
-              </a:lnSpc>
-              <a:spcBef>
-                <a:spcPts val="0"/>
-              </a:spcBef>
-              <a:spcAft>
-                <a:spcPts val="0"/>
-              </a:spcAft>
-              <a:buClrTx/>
-              <a:buSzTx/>
-              <a:buFontTx/>
-              <a:buChar char="-"/>
-              <a:tabLst/>
-              <a:defRPr/>
-            </a:pPr>
-            <a:r>
-              <a:rPr lang="ko-KR" altLang="en-US" dirty="0"/>
-              <a:t>즉</a:t>
-            </a:r>
-            <a:r>
-              <a:rPr lang="en-US" altLang="ko-KR" dirty="0"/>
-              <a:t>, MS</a:t>
-            </a:r>
-            <a:r>
-              <a:rPr lang="ko-KR" altLang="en-US" dirty="0"/>
-              <a:t>에서 우리만의 </a:t>
-            </a:r>
-            <a:r>
-              <a:rPr lang="en-US" altLang="ko-KR" dirty="0"/>
-              <a:t>Java</a:t>
-            </a:r>
-            <a:r>
-              <a:rPr lang="ko-KR" altLang="en-US" dirty="0"/>
-              <a:t>를 만들자는 컨셉에서 개발</a:t>
-            </a:r>
-            <a:endParaRPr lang="en-US" altLang="ko-KR" dirty="0"/>
-          </a:p>
-          <a:p>
-            <a:pPr marL="171450" indent="-171450">
-              <a:buFontTx/>
-              <a:buChar char="-"/>
-            </a:pPr>
-            <a:endParaRPr lang="en-US" altLang="ko-KR" dirty="0"/>
-          </a:p>
-          <a:p>
-            <a:pPr marL="0" indent="0">
-              <a:buFontTx/>
-              <a:buNone/>
-            </a:pPr>
-            <a:r>
-              <a:rPr lang="ko-KR" altLang="en-US" dirty="0"/>
-              <a:t>그래서 </a:t>
-            </a:r>
-            <a:r>
-              <a:rPr lang="en-US" altLang="ko-KR" dirty="0"/>
-              <a:t>Java</a:t>
-            </a:r>
-            <a:r>
-              <a:rPr lang="ko-KR" altLang="en-US" dirty="0"/>
-              <a:t>와 비슷한 문법을 가지고 있고</a:t>
-            </a:r>
-            <a:r>
-              <a:rPr lang="en-US" altLang="ko-KR" dirty="0"/>
-              <a:t>, .NET </a:t>
-            </a:r>
-            <a:r>
-              <a:rPr lang="ko-KR" altLang="en-US" dirty="0"/>
-              <a:t>플랫폼에서 작동하도록 설계되었습니다</a:t>
-            </a:r>
-            <a:r>
-              <a:rPr lang="en-US" altLang="ko-KR" dirty="0"/>
-              <a:t>.</a:t>
-            </a:r>
-          </a:p>
-          <a:p>
-            <a:pPr marL="0" indent="0">
-              <a:buFontTx/>
-              <a:buNone/>
-            </a:pPr>
-            <a:endParaRPr lang="en-US" altLang="ko-KR" dirty="0"/>
-          </a:p>
-          <a:p>
-            <a:pPr>
-              <a:buNone/>
-            </a:pPr>
-            <a:r>
-              <a:rPr lang="en-US" altLang="ko-KR" dirty="0"/>
-              <a:t>(</a:t>
-            </a:r>
-            <a:r>
-              <a:rPr lang="ko-KR" altLang="en-US" dirty="0"/>
-              <a:t>뒤에 나옴</a:t>
-            </a:r>
-            <a:r>
-              <a:rPr lang="en-US" altLang="ko-KR" dirty="0"/>
-              <a:t>)</a:t>
-            </a:r>
-          </a:p>
-          <a:p>
-            <a:r>
-              <a:rPr lang="ko-KR" altLang="en-US" dirty="0"/>
-              <a:t>💡 </a:t>
-            </a:r>
-            <a:r>
-              <a:rPr lang="en-US" altLang="ko-KR" dirty="0"/>
-              <a:t>".NET"</a:t>
-            </a:r>
-            <a:r>
-              <a:rPr lang="ko-KR" altLang="en-US" dirty="0"/>
-              <a:t>이란</a:t>
-            </a:r>
-            <a:r>
-              <a:rPr lang="en-US" altLang="ko-KR" dirty="0"/>
-              <a:t>?</a:t>
-            </a:r>
-            <a:br>
-              <a:rPr lang="en-US" altLang="ko-KR" dirty="0"/>
-            </a:br>
-            <a:r>
-              <a:rPr lang="ko-KR" altLang="en-US" dirty="0"/>
-              <a:t>마이크로소프트의 애플리케이션 개발 프레임워크로</a:t>
-            </a:r>
-            <a:r>
-              <a:rPr lang="en-US" altLang="ko-KR" dirty="0"/>
-              <a:t>, </a:t>
-            </a:r>
-            <a:r>
-              <a:rPr lang="ko-KR" altLang="en-US" dirty="0"/>
-              <a:t>다양한 언어</a:t>
-            </a:r>
-            <a:r>
-              <a:rPr lang="en-US" altLang="ko-KR" dirty="0"/>
-              <a:t>(C#, VB.NET </a:t>
-            </a:r>
-            <a:r>
-              <a:rPr lang="ko-KR" altLang="en-US" dirty="0"/>
-              <a:t>등</a:t>
-            </a:r>
-            <a:r>
-              <a:rPr lang="en-US" altLang="ko-KR" dirty="0"/>
-              <a:t>)</a:t>
-            </a:r>
-            <a:r>
-              <a:rPr lang="ko-KR" altLang="en-US" dirty="0"/>
-              <a:t>를 이용해 </a:t>
-            </a:r>
-            <a:r>
-              <a:rPr lang="ko-KR" altLang="en-US" b="1" dirty="0"/>
-              <a:t>윈도우</a:t>
-            </a:r>
-            <a:r>
-              <a:rPr lang="en-US" altLang="ko-KR" b="1" dirty="0"/>
-              <a:t>, </a:t>
-            </a:r>
-            <a:r>
-              <a:rPr lang="ko-KR" altLang="en-US" b="1" dirty="0"/>
-              <a:t>웹</a:t>
-            </a:r>
-            <a:r>
-              <a:rPr lang="en-US" altLang="ko-KR" b="1" dirty="0"/>
-              <a:t>, </a:t>
-            </a:r>
-            <a:r>
-              <a:rPr lang="ko-KR" altLang="en-US" b="1" dirty="0"/>
-              <a:t>모바일 앱</a:t>
-            </a:r>
-            <a:r>
-              <a:rPr lang="ko-KR" altLang="en-US" dirty="0"/>
-              <a:t>을 만들 수 있게 해주는 플랫폼입니다</a:t>
-            </a:r>
-            <a:r>
-              <a:rPr lang="en-US" altLang="ko-KR" dirty="0"/>
-              <a:t>.</a:t>
-            </a:r>
-          </a:p>
-          <a:p>
-            <a:pPr marL="0" indent="0">
-              <a:buFontTx/>
-              <a:buNone/>
-            </a:pPr>
-            <a:endParaRPr lang="en-US" altLang="ko-KR" dirty="0" smtClean="0"/>
-          </a:p>
-          <a:p>
             <a:pPr marL="0" indent="0">
               <a:buFontTx/>
               <a:buNone/>
@@ -1183,95 +747,6 @@
           <a:bodyPr/>
           <a:lstStyle/>
           <a:p>
-            <a:r>
-              <a:rPr lang="en-US" altLang="ko-KR" dirty="0"/>
-              <a:t>C#</a:t>
-            </a:r>
-            <a:r>
-              <a:rPr lang="ko-KR" altLang="en-US" dirty="0"/>
-              <a:t>은 마이크로소프트에서 개발한 만큼 마이크소프트에서 개발하고 배포하는 </a:t>
-            </a:r>
-            <a:r>
-              <a:rPr lang="en-US" altLang="ko-KR" dirty="0"/>
-              <a:t>IDE(</a:t>
-            </a:r>
-            <a:r>
-              <a:rPr lang="ko-KR" altLang="en-US" dirty="0"/>
-              <a:t>통합개발환경</a:t>
-            </a:r>
-            <a:r>
-              <a:rPr lang="en-US" altLang="ko-KR" dirty="0"/>
-              <a:t>)</a:t>
-            </a:r>
-            <a:r>
-              <a:rPr lang="ko-KR" altLang="en-US" dirty="0"/>
-              <a:t>을 사용함</a:t>
-            </a:r>
-            <a:endParaRPr lang="en-US" altLang="ko-KR" dirty="0"/>
-          </a:p>
-          <a:p>
-            <a:endParaRPr lang="en-US" altLang="ko-KR" dirty="0"/>
-          </a:p>
-          <a:p>
-            <a:r>
-              <a:rPr lang="ko-KR" altLang="en-US" dirty="0"/>
-              <a:t>그게 비주얼 스튜디오</a:t>
-            </a:r>
-            <a:endParaRPr lang="en-US" altLang="ko-KR" dirty="0"/>
-          </a:p>
-          <a:p>
-            <a:endParaRPr lang="en-US" altLang="ko-KR" dirty="0"/>
-          </a:p>
-          <a:p>
-            <a:r>
-              <a:rPr lang="en-US" altLang="ko-KR" dirty="0"/>
-              <a:t>2022 </a:t>
-            </a:r>
-            <a:r>
-              <a:rPr lang="ko-KR" altLang="en-US" dirty="0"/>
-              <a:t>버전이 현재 기준으로 가장 널리 쓰이는 </a:t>
-            </a:r>
-            <a:r>
-              <a:rPr lang="en-US" altLang="ko-KR" dirty="0"/>
-              <a:t>LTS(</a:t>
-            </a:r>
-            <a:r>
-              <a:rPr lang="ko-KR" altLang="en-US" dirty="0"/>
-              <a:t>장기 지원</a:t>
-            </a:r>
-            <a:r>
-              <a:rPr lang="en-US" altLang="ko-KR" dirty="0"/>
-              <a:t>)(Long-Term Support) </a:t>
-            </a:r>
-            <a:r>
-              <a:rPr lang="ko-KR" altLang="en-US" dirty="0"/>
-              <a:t>버전임</a:t>
-            </a:r>
-            <a:endParaRPr lang="en-US" altLang="ko-KR" dirty="0"/>
-          </a:p>
-          <a:p>
-            <a:r>
-              <a:rPr lang="en-US" altLang="ko-KR" dirty="0"/>
-              <a:t>.NET6 .NET8 </a:t>
-            </a:r>
-            <a:r>
-              <a:rPr lang="ko-KR" altLang="en-US" dirty="0"/>
-              <a:t>버전이 </a:t>
-            </a:r>
-            <a:r>
-              <a:rPr lang="en-US" altLang="ko-KR" dirty="0"/>
-              <a:t>LTS</a:t>
-            </a:r>
-            <a:r>
-              <a:rPr lang="ko-KR" altLang="en-US" dirty="0"/>
-              <a:t> 버전이다</a:t>
-            </a:r>
-            <a:r>
-              <a:rPr lang="en-US" altLang="ko-KR" dirty="0"/>
-              <a:t>.</a:t>
-            </a:r>
-          </a:p>
-          <a:p>
             <a:endParaRPr lang="en-US" altLang="ko-KR" dirty="0"/>
           </a:p>
         </p:txBody>
@@ -1356,50 +831,6 @@
           <a:bodyPr/>
           <a:lstStyle/>
           <a:p>
-            <a:r>
-              <a:rPr lang="ko-KR" altLang="en-US" dirty="0" err="1"/>
-              <a:t>다른걸</a:t>
-            </a:r>
-            <a:r>
-              <a:rPr lang="ko-KR" altLang="en-US" dirty="0"/>
-              <a:t> 눌렀다면 </a:t>
-            </a:r>
-            <a:r>
-              <a:rPr lang="en-US" altLang="ko-KR" dirty="0"/>
-              <a:t>VS </a:t>
-            </a:r>
-            <a:r>
-              <a:rPr lang="ko-KR" altLang="en-US" dirty="0"/>
-              <a:t>안에서 </a:t>
-            </a:r>
-            <a:r>
-              <a:rPr lang="en-US" altLang="ko-KR" dirty="0"/>
-              <a:t>“</a:t>
-            </a:r>
-            <a:r>
-              <a:rPr lang="ko-KR" altLang="en-US" dirty="0"/>
-              <a:t>도구</a:t>
-            </a:r>
-            <a:r>
-              <a:rPr lang="en-US" altLang="ko-KR" dirty="0"/>
-              <a:t>“ </a:t>
-            </a:r>
-            <a:r>
-              <a:rPr lang="ko-KR" altLang="en-US" dirty="0"/>
-              <a:t>탭</a:t>
-            </a:r>
-            <a:r>
-              <a:rPr lang="en-US" altLang="ko-KR" dirty="0"/>
-              <a:t> – “</a:t>
-            </a:r>
-            <a:r>
-              <a:rPr lang="ko-KR" altLang="en-US" dirty="0"/>
-              <a:t>도구 및 가져오기</a:t>
-            </a:r>
-            <a:r>
-              <a:rPr lang="en-US" altLang="ko-KR" dirty="0"/>
-              <a:t>”</a:t>
-            </a:r>
             <a:endParaRPr lang="ko-KR" altLang="en-US" dirty="0"/>
           </a:p>
         </p:txBody>
@@ -1568,167 +999,6 @@
           <a:bodyPr/>
           <a:lstStyle/>
           <a:p>
-            <a:r>
-              <a:rPr lang="ko-KR" altLang="en-US" dirty="0" smtClean="0"/>
-              <a:t>이전 </a:t>
-            </a:r>
-            <a:r>
-              <a:rPr lang="en-US" altLang="ko-KR" dirty="0" smtClean="0"/>
-              <a:t>: </a:t>
-            </a:r>
-            <a:r>
-              <a:rPr lang="ko-KR" altLang="en-US" dirty="0" smtClean="0"/>
-              <a:t>너무 오래된 버전 </a:t>
-            </a:r>
-            <a:r>
-              <a:rPr lang="en-US" altLang="ko-KR" dirty="0" smtClean="0"/>
-              <a:t>(2000</a:t>
-            </a:r>
-            <a:r>
-              <a:rPr lang="ko-KR" altLang="en-US" dirty="0" smtClean="0"/>
-              <a:t>년대 버전</a:t>
-            </a:r>
-            <a:r>
-              <a:rPr lang="en-US" altLang="ko-KR" dirty="0" smtClean="0"/>
-              <a:t>), </a:t>
-            </a:r>
-            <a:r>
-              <a:rPr lang="ko-KR" altLang="en-US" dirty="0" smtClean="0"/>
-              <a:t>일부 기술 </a:t>
-            </a:r>
-            <a:r>
-              <a:rPr lang="ko-KR" altLang="en-US" dirty="0" err="1" smtClean="0"/>
-              <a:t>미지원</a:t>
-            </a:r>
-            <a:endParaRPr lang="en-US" altLang="ko-KR" dirty="0" smtClean="0"/>
-          </a:p>
-          <a:p>
-            <a:r>
-              <a:rPr lang="en-US" altLang="ko-KR" dirty="0" smtClean="0"/>
-              <a:t>4.7.2</a:t>
-            </a:r>
-            <a:r>
-              <a:rPr lang="en-US" altLang="ko-KR" baseline="0" dirty="0" smtClean="0"/>
-              <a:t> : </a:t>
-            </a:r>
-            <a:r>
-              <a:rPr lang="ko-KR" altLang="en-US" dirty="0" smtClean="0"/>
-              <a:t>사용 가능하나</a:t>
-            </a:r>
-            <a:r>
-              <a:rPr lang="en-US" altLang="ko-KR" dirty="0" smtClean="0"/>
-              <a:t>, </a:t>
-            </a:r>
-            <a:r>
-              <a:rPr lang="en-US" altLang="ko-KR" b="1" dirty="0" smtClean="0"/>
-              <a:t>4.8</a:t>
-            </a:r>
-            <a:r>
-              <a:rPr lang="ko-KR" altLang="en-US" b="1" dirty="0" smtClean="0"/>
-              <a:t>이 완전한 상위 호환</a:t>
-            </a:r>
-            <a:r>
-              <a:rPr lang="ko-KR" altLang="en-US" dirty="0" smtClean="0"/>
-              <a:t>이므로 굳이 선택할 이유 없음</a:t>
-            </a:r>
-            <a:endParaRPr lang="en-US" altLang="ko-KR" dirty="0" smtClean="0"/>
-          </a:p>
-          <a:p>
-            <a:r>
-              <a:rPr lang="en-US" altLang="ko-KR" dirty="0" smtClean="0"/>
-              <a:t>4.8</a:t>
-            </a:r>
-            <a:r>
-              <a:rPr lang="en-US" altLang="ko-KR" baseline="0" dirty="0" smtClean="0"/>
-              <a:t> : </a:t>
-            </a:r>
-          </a:p>
-          <a:p>
-            <a:r>
-              <a:rPr lang="ko-KR" altLang="en-US" dirty="0" smtClean="0"/>
-              <a:t>✔️ 가장 최신 </a:t>
-            </a:r>
-            <a:r>
-              <a:rPr lang="ko-KR" altLang="en-US" dirty="0" err="1" smtClean="0"/>
-              <a:t>버전현재</a:t>
-            </a:r>
-            <a:r>
-              <a:rPr lang="ko-KR" altLang="en-US" dirty="0" smtClean="0"/>
-              <a:t> 기준 </a:t>
-            </a:r>
-            <a:r>
-              <a:rPr lang="en-US" altLang="ko-KR" b="1" dirty="0" smtClean="0"/>
-              <a:t>.NET Framework</a:t>
-            </a:r>
-            <a:r>
-              <a:rPr lang="ko-KR" altLang="en-US" b="1" dirty="0" smtClean="0"/>
-              <a:t>의 최종 버전</a:t>
-            </a:r>
-            <a:r>
-              <a:rPr lang="ko-KR" altLang="en-US" dirty="0" smtClean="0"/>
-              <a:t>입니다 </a:t>
-            </a:r>
-            <a:r>
-              <a:rPr lang="en-US" altLang="ko-KR" dirty="0" smtClean="0"/>
-              <a:t>(2025</a:t>
-            </a:r>
-            <a:r>
-              <a:rPr lang="ko-KR" altLang="en-US" dirty="0" smtClean="0"/>
-              <a:t>년에도 여전히 유지보수 중</a:t>
-            </a:r>
-            <a:r>
-              <a:rPr lang="en-US" altLang="ko-KR" dirty="0" smtClean="0"/>
-              <a:t>)</a:t>
-            </a:r>
-          </a:p>
-          <a:p>
-            <a:r>
-              <a:rPr lang="en-US" altLang="ko-KR" dirty="0" smtClean="0"/>
-              <a:t>✔️ </a:t>
-            </a:r>
-            <a:r>
-              <a:rPr lang="ko-KR" altLang="en-US" dirty="0" smtClean="0"/>
-              <a:t>안정성과 호환성</a:t>
-            </a:r>
-            <a:r>
-              <a:rPr lang="en-US" altLang="ko-KR" dirty="0" smtClean="0"/>
-              <a:t>Windows Forms, WPF </a:t>
-            </a:r>
-            <a:r>
-              <a:rPr lang="ko-KR" altLang="en-US" dirty="0" smtClean="0"/>
-              <a:t>등 대부분 </a:t>
-            </a:r>
-            <a:r>
-              <a:rPr lang="en-US" altLang="ko-KR" dirty="0" smtClean="0"/>
-              <a:t>UI </a:t>
-            </a:r>
-            <a:r>
-              <a:rPr lang="ko-KR" altLang="en-US" dirty="0" smtClean="0"/>
-              <a:t>기능이 </a:t>
-            </a:r>
-            <a:r>
-              <a:rPr lang="ko-KR" altLang="en-US" b="1" dirty="0" smtClean="0"/>
-              <a:t>완전히 지원</a:t>
-            </a:r>
-            <a:r>
-              <a:rPr lang="ko-KR" altLang="en-US" dirty="0" smtClean="0"/>
-              <a:t>됩니다</a:t>
-            </a:r>
-            <a:endParaRPr lang="en-US" altLang="ko-KR" dirty="0" smtClean="0"/>
-          </a:p>
-          <a:p>
-            <a:r>
-              <a:rPr lang="ko-KR" altLang="en-US" dirty="0" smtClean="0"/>
-              <a:t>✔️ 교육 및 실습 자료인터넷이나 책에 있는 </a:t>
-            </a:r>
-            <a:r>
-              <a:rPr lang="ko-KR" altLang="en-US" b="1" dirty="0" smtClean="0"/>
-              <a:t>예제 코드 대부분과 호환</a:t>
-            </a:r>
-            <a:r>
-              <a:rPr lang="ko-KR" altLang="en-US" dirty="0" smtClean="0"/>
-              <a:t>됩니다</a:t>
-            </a:r>
             <a:endParaRPr lang="ko-KR" altLang="en-US" dirty="0"/>
           </a:p>
         </p:txBody>
@@ -1813,63 +1083,6 @@
           <a:bodyPr/>
           <a:lstStyle/>
           <a:p>
-            <a:r>
-              <a:rPr lang="ko-KR" altLang="en-US" dirty="0"/>
-              <a:t>처음에 디자이너 화면이 떠있는데</a:t>
-            </a:r>
-            <a:r>
-              <a:rPr lang="en-US" altLang="ko-KR" dirty="0"/>
-              <a:t>, </a:t>
-            </a:r>
-            <a:r>
-              <a:rPr lang="ko-KR" altLang="en-US" dirty="0"/>
-              <a:t>단축키 </a:t>
-            </a:r>
-            <a:r>
-              <a:rPr lang="en-US" altLang="ko-KR" dirty="0"/>
-              <a:t>F7 </a:t>
-            </a:r>
-            <a:r>
-              <a:rPr lang="ko-KR" altLang="en-US" dirty="0"/>
-              <a:t>또는 </a:t>
-            </a:r>
-            <a:r>
-              <a:rPr lang="ko-KR" altLang="en-US" dirty="0" err="1"/>
-              <a:t>우클릭</a:t>
-            </a:r>
-            <a:r>
-              <a:rPr lang="ko-KR" altLang="en-US" dirty="0"/>
-              <a:t> 후 </a:t>
-            </a:r>
-            <a:r>
-              <a:rPr lang="en-US" altLang="ko-KR" dirty="0"/>
-              <a:t>View Code</a:t>
-            </a:r>
-            <a:r>
-              <a:rPr lang="ko-KR" altLang="en-US" dirty="0"/>
-              <a:t>를 해서 코드를 보는 것이 가능</a:t>
-            </a:r>
-            <a:endParaRPr lang="en-US" altLang="ko-KR" dirty="0"/>
-          </a:p>
-          <a:p>
-            <a:r>
-              <a:rPr lang="ko-KR" altLang="en-US" dirty="0"/>
-              <a:t>디자인 </a:t>
-            </a:r>
-            <a:r>
-              <a:rPr lang="en-US" altLang="ko-KR" dirty="0"/>
-              <a:t>View = Shift + F7</a:t>
-            </a:r>
-          </a:p>
-          <a:p>
-            <a:r>
-              <a:rPr lang="ko-KR" altLang="en-US" dirty="0"/>
-              <a:t>코드 </a:t>
-            </a:r>
-            <a:r>
-              <a:rPr lang="en-US" altLang="ko-KR" dirty="0"/>
-              <a:t>View = F7</a:t>
-            </a:r>
             <a:endParaRPr lang="ko-KR" altLang="en-US" dirty="0"/>
           </a:p>
         </p:txBody>
@@ -1954,711 +1167,6 @@
           <a:bodyPr/>
           <a:lstStyle/>
           <a:p>
-            <a:r>
-              <a:rPr lang="ko-KR" altLang="en-US" dirty="0"/>
-              <a:t>솔루션 파일을 </a:t>
-            </a:r>
-            <a:r>
-              <a:rPr lang="ko-KR" altLang="en-US" dirty="0" err="1"/>
-              <a:t>더블클릭해서</a:t>
-            </a:r>
-            <a:r>
-              <a:rPr lang="ko-KR" altLang="en-US" dirty="0"/>
-              <a:t> </a:t>
-            </a:r>
-            <a:r>
-              <a:rPr lang="ko-KR" altLang="en-US" dirty="0" err="1"/>
-              <a:t>열어야함</a:t>
-            </a:r>
-            <a:endParaRPr lang="en-US" altLang="ko-KR" dirty="0"/>
-          </a:p>
-          <a:p>
-            <a:endParaRPr lang="en-US" altLang="ko-KR" dirty="0"/>
-          </a:p>
-          <a:p>
-            <a:r>
-              <a:rPr lang="ko-KR" altLang="en-US" dirty="0"/>
-              <a:t>🔹 </a:t>
-            </a:r>
-            <a:r>
-              <a:rPr lang="ko-KR" altLang="en-US" b="1" dirty="0"/>
-              <a:t>솔루션</a:t>
-            </a:r>
-            <a:r>
-              <a:rPr lang="en-US" altLang="ko-KR" b="1" dirty="0"/>
-              <a:t>(Solution)</a:t>
-            </a:r>
-            <a:br>
-              <a:rPr lang="en-US" altLang="ko-KR" b="1" dirty="0"/>
-            </a:br>
-            <a:r>
-              <a:rPr lang="en-US" altLang="ko-KR" b="1" dirty="0"/>
-              <a:t>- </a:t>
-            </a:r>
-            <a:r>
-              <a:rPr lang="ko-KR" altLang="en-US" dirty="0"/>
-              <a:t>여러 개의 </a:t>
-            </a:r>
-            <a:r>
-              <a:rPr lang="ko-KR" altLang="en-US" b="1" dirty="0"/>
-              <a:t>프로젝트</a:t>
-            </a:r>
-            <a:r>
-              <a:rPr lang="ko-KR" altLang="en-US" dirty="0"/>
-              <a:t>들을 하나로 묶어주는 </a:t>
-            </a:r>
-            <a:r>
-              <a:rPr lang="en-US" altLang="ko-KR" b="1" dirty="0" smtClean="0"/>
-              <a:t>"</a:t>
-            </a:r>
-            <a:r>
-              <a:rPr lang="ko-KR" altLang="en-US" b="1" dirty="0" smtClean="0"/>
-              <a:t>최상위 단위</a:t>
-            </a:r>
-            <a:r>
-              <a:rPr lang="en-US" altLang="ko-KR" b="1" dirty="0" smtClean="0"/>
-              <a:t>“</a:t>
-            </a:r>
-          </a:p>
-          <a:p>
-            <a:r>
-              <a:rPr lang="en-US" altLang="ko-KR" dirty="0" smtClean="0"/>
-              <a:t>- </a:t>
-            </a:r>
-            <a:r>
-              <a:rPr lang="ko-KR" altLang="en-US" dirty="0" smtClean="0"/>
-              <a:t>하나의 솔루션은 여러 개의 프로젝트를 포함</a:t>
-            </a:r>
-            <a:r>
-              <a:rPr lang="ko-KR" altLang="en-US" dirty="0"/>
-              <a:t/>
-            </a:r>
-            <a:br>
-              <a:rPr lang="ko-KR" altLang="en-US" dirty="0"/>
-            </a:br>
-            <a:r>
-              <a:rPr lang="ko-KR" altLang="en-US" dirty="0"/>
-              <a:t>쉽게 말하면</a:t>
-            </a:r>
-            <a:r>
-              <a:rPr lang="en-US" altLang="ko-KR" dirty="0"/>
-              <a:t>, "</a:t>
-            </a:r>
-            <a:r>
-              <a:rPr lang="ko-KR" altLang="en-US" b="1" dirty="0"/>
-              <a:t>폴더 집합</a:t>
-            </a:r>
-            <a:r>
-              <a:rPr lang="en-US" altLang="ko-KR" dirty="0"/>
-              <a:t>" </a:t>
-            </a:r>
-            <a:r>
-              <a:rPr lang="ko-KR" altLang="en-US" dirty="0"/>
-              <a:t>또는 </a:t>
-            </a:r>
-            <a:r>
-              <a:rPr lang="en-US" altLang="ko-KR" dirty="0"/>
-              <a:t>"</a:t>
-            </a:r>
-            <a:r>
-              <a:rPr lang="ko-KR" altLang="en-US" b="1" dirty="0"/>
-              <a:t>작업 묶음</a:t>
-            </a:r>
-            <a:r>
-              <a:rPr lang="en-US" altLang="ko-KR" dirty="0"/>
-              <a:t>"</a:t>
-            </a:r>
-            <a:r>
-              <a:rPr lang="ko-KR" altLang="en-US" dirty="0"/>
-              <a:t>이라고 생각하시면 됩니다</a:t>
-            </a:r>
-            <a:r>
-              <a:rPr lang="en-US" altLang="ko-KR" dirty="0"/>
-              <a:t>.</a:t>
-            </a:r>
-          </a:p>
-          <a:p>
-            <a:endParaRPr lang="en-US" altLang="ko-KR" dirty="0"/>
-          </a:p>
-          <a:p>
-            <a:r>
-              <a:rPr lang="ko-KR" altLang="en-US" dirty="0"/>
-              <a:t>확장자</a:t>
-            </a:r>
-            <a:r>
-              <a:rPr lang="en-US" altLang="ko-KR" dirty="0"/>
-              <a:t>: .</a:t>
-            </a:r>
-            <a:r>
-              <a:rPr lang="en-US" altLang="ko-KR" dirty="0" err="1"/>
-              <a:t>sln</a:t>
-            </a:r>
-            <a:endParaRPr lang="en-US" altLang="ko-KR" dirty="0"/>
-          </a:p>
-          <a:p>
-            <a:endParaRPr lang="en-US" altLang="ko-KR" dirty="0"/>
-          </a:p>
-          <a:p>
-            <a:pPr>
-              <a:buNone/>
-            </a:pPr>
-            <a:r>
-              <a:rPr lang="ko-KR" altLang="en-US" b="1" dirty="0"/>
-              <a:t>🔹 프로젝트</a:t>
-            </a:r>
-            <a:r>
-              <a:rPr lang="en-US" altLang="ko-KR" b="1" dirty="0"/>
-              <a:t>(Project)</a:t>
-            </a:r>
-          </a:p>
-          <a:p>
-            <a:r>
-              <a:rPr lang="en-US" altLang="ko-KR" dirty="0"/>
-              <a:t>- </a:t>
-            </a:r>
-            <a:r>
-              <a:rPr lang="ko-KR" altLang="en-US" dirty="0"/>
-              <a:t>실제로 </a:t>
-            </a:r>
-            <a:r>
-              <a:rPr lang="ko-KR" altLang="en-US" b="1" dirty="0" smtClean="0"/>
-              <a:t>실행 가능한 단위</a:t>
-            </a:r>
-            <a:r>
-              <a:rPr lang="en-US" altLang="ko-KR" b="1" dirty="0" smtClean="0"/>
-              <a:t>,</a:t>
-            </a:r>
-            <a:r>
-              <a:rPr lang="ko-KR" altLang="en-US" b="1" dirty="0" smtClean="0"/>
-              <a:t> 즉 빌드할 </a:t>
-            </a:r>
-            <a:r>
-              <a:rPr lang="ko-KR" altLang="en-US" b="1" dirty="0"/>
-              <a:t>대상</a:t>
-            </a:r>
-            <a:r>
-              <a:rPr lang="en-US" altLang="ko-KR" dirty="0"/>
-              <a:t>, </a:t>
-            </a:r>
-            <a:r>
-              <a:rPr lang="ko-KR" altLang="en-US" b="1" dirty="0" smtClean="0"/>
-              <a:t>작품의 </a:t>
-            </a:r>
-            <a:r>
-              <a:rPr lang="ko-KR" altLang="en-US" b="1" dirty="0"/>
-              <a:t>본체</a:t>
-            </a:r>
-            <a:r>
-              <a:rPr lang="ko-KR" altLang="en-US" dirty="0"/>
-              <a:t>입니다</a:t>
-            </a:r>
-            <a:r>
-              <a:rPr lang="en-US" altLang="ko-KR" dirty="0"/>
-              <a:t>.</a:t>
-            </a:r>
-          </a:p>
-          <a:p>
-            <a:r>
-              <a:rPr lang="en-US" altLang="ko-KR" dirty="0"/>
-              <a:t/>
-            </a:r>
-            <a:br>
-              <a:rPr lang="en-US" altLang="ko-KR" dirty="0"/>
-            </a:br>
-            <a:r>
-              <a:rPr lang="ko-KR" altLang="en-US" dirty="0"/>
-              <a:t>확장자</a:t>
-            </a:r>
-            <a:r>
-              <a:rPr lang="en-US" altLang="ko-KR" dirty="0"/>
-              <a:t>: .</a:t>
-            </a:r>
-            <a:r>
-              <a:rPr lang="en-US" altLang="ko-KR" dirty="0" err="1"/>
-              <a:t>csproj</a:t>
-            </a:r>
-            <a:endParaRPr lang="en-US" altLang="ko-KR" dirty="0"/>
-          </a:p>
-          <a:p>
-            <a:endParaRPr lang="en-US" altLang="ko-KR" dirty="0"/>
-          </a:p>
-          <a:p>
-            <a:pPr>
-              <a:buNone/>
-            </a:pPr>
-            <a:r>
-              <a:rPr lang="ko-KR" altLang="en-US" b="1" dirty="0"/>
-              <a:t>🔹 파일</a:t>
-            </a:r>
-            <a:r>
-              <a:rPr lang="en-US" altLang="ko-KR" b="1" dirty="0"/>
-              <a:t>(File)</a:t>
-            </a:r>
-          </a:p>
-          <a:p>
-            <a:r>
-              <a:rPr lang="ko-KR" altLang="en-US" dirty="0"/>
-              <a:t>프로젝트 안에 들어있는 실제 </a:t>
-            </a:r>
-            <a:r>
-              <a:rPr lang="ko-KR" altLang="en-US" b="1" dirty="0" smtClean="0"/>
-              <a:t>소스코드</a:t>
-            </a:r>
-            <a:r>
-              <a:rPr lang="en-US" altLang="ko-KR" b="1" dirty="0"/>
-              <a:t>, </a:t>
-            </a:r>
-            <a:r>
-              <a:rPr lang="ko-KR" altLang="en-US" b="1" dirty="0"/>
-              <a:t>이미지</a:t>
-            </a:r>
-            <a:r>
-              <a:rPr lang="en-US" altLang="ko-KR" b="1" dirty="0"/>
-              <a:t>, </a:t>
-            </a:r>
-            <a:r>
-              <a:rPr lang="ko-KR" altLang="en-US" b="1" dirty="0"/>
-              <a:t>리소스 등</a:t>
-            </a:r>
-            <a:endParaRPr lang="ko-KR" altLang="en-US" dirty="0"/>
-          </a:p>
-          <a:p>
-            <a:endParaRPr lang="en-US" altLang="ko-KR" dirty="0" smtClean="0"/>
-          </a:p>
-          <a:p>
-            <a:endParaRPr lang="en-US" altLang="ko-KR" dirty="0"/>
-          </a:p>
-          <a:p>
-            <a:r>
-              <a:rPr lang="en-US" altLang="ko-KR" dirty="0"/>
-              <a:t>&lt; </a:t>
-            </a:r>
-            <a:r>
-              <a:rPr lang="ko-KR" altLang="en-US" dirty="0"/>
-              <a:t>그림 </a:t>
-            </a:r>
-            <a:r>
-              <a:rPr lang="en-US" altLang="ko-KR" dirty="0" smtClean="0"/>
-              <a:t>&gt;</a:t>
-            </a:r>
-            <a:endParaRPr lang="en-US" altLang="ko-KR" dirty="0"/>
-          </a:p>
-          <a:p>
-            <a:pPr>
-              <a:buFont typeface="Arial" panose="020B0604020202020204" pitchFamily="34" charset="0"/>
-              <a:buChar char="•"/>
-            </a:pPr>
-            <a:r>
-              <a:rPr lang="en-US" altLang="ko-KR" dirty="0"/>
-              <a:t>Solution 'WindowsFormsApp1': </a:t>
-            </a:r>
-            <a:r>
-              <a:rPr lang="ko-KR" altLang="en-US" dirty="0"/>
-              <a:t>솔루션 </a:t>
-            </a:r>
-            <a:r>
-              <a:rPr lang="ko-KR" altLang="en-US" dirty="0" smtClean="0"/>
-              <a:t>이름</a:t>
-            </a:r>
-            <a:endParaRPr lang="ko-KR" altLang="en-US" dirty="0"/>
-          </a:p>
-          <a:p>
-            <a:pPr>
-              <a:buFont typeface="Arial" panose="020B0604020202020204" pitchFamily="34" charset="0"/>
-              <a:buChar char="•"/>
-            </a:pPr>
-            <a:r>
-              <a:rPr lang="en-US" altLang="ko-KR" dirty="0"/>
-              <a:t>WindowsFormsApp1: </a:t>
-            </a:r>
-            <a:r>
-              <a:rPr lang="ko-KR" altLang="en-US" dirty="0" smtClean="0"/>
-              <a:t>프로젝트 이름</a:t>
-            </a:r>
-            <a:endParaRPr lang="ko-KR" altLang="en-US" dirty="0"/>
-          </a:p>
-          <a:p>
-            <a:pPr marL="742950" lvl="1" indent="-285750">
-              <a:buFont typeface="Arial" panose="020B0604020202020204" pitchFamily="34" charset="0"/>
-              <a:buChar char="•"/>
-            </a:pPr>
-            <a:r>
-              <a:rPr lang="en-US" altLang="ko-KR" dirty="0"/>
-              <a:t>Properties: </a:t>
-            </a:r>
-            <a:r>
-              <a:rPr lang="ko-KR" altLang="en-US" dirty="0"/>
-              <a:t>프로젝트 정보 및 </a:t>
-            </a:r>
-            <a:r>
-              <a:rPr lang="ko-KR" altLang="en-US" dirty="0" smtClean="0"/>
-              <a:t>설정</a:t>
-            </a:r>
-            <a:endParaRPr lang="en-US" altLang="ko-KR" dirty="0" smtClean="0"/>
-          </a:p>
-          <a:p>
-            <a:pPr marL="1200150" lvl="2" indent="-285750">
-              <a:buFont typeface="Arial" panose="020B0604020202020204" pitchFamily="34" charset="0"/>
-              <a:buChar char="•"/>
-            </a:pPr>
-            <a:r>
-              <a:rPr lang="en-US" altLang="ko-KR" dirty="0" err="1" smtClean="0"/>
-              <a:t>AssemblyInfo.cs</a:t>
-            </a:r>
-            <a:r>
-              <a:rPr lang="en-US" altLang="ko-KR" dirty="0" smtClean="0"/>
-              <a:t>: </a:t>
-            </a:r>
-            <a:r>
-              <a:rPr lang="ko-KR" altLang="en-US" dirty="0" smtClean="0"/>
-              <a:t>어셈블리 정보 </a:t>
-            </a:r>
-            <a:r>
-              <a:rPr lang="en-US" altLang="ko-KR" dirty="0" smtClean="0"/>
-              <a:t>(</a:t>
-            </a:r>
-            <a:r>
-              <a:rPr lang="ko-KR" altLang="en-US" dirty="0" smtClean="0"/>
-              <a:t>제목</a:t>
-            </a:r>
-            <a:r>
-              <a:rPr lang="en-US" altLang="ko-KR" dirty="0" smtClean="0"/>
-              <a:t>, </a:t>
-            </a:r>
-            <a:r>
-              <a:rPr lang="ko-KR" altLang="en-US" dirty="0" smtClean="0"/>
-              <a:t>버전 등</a:t>
-            </a:r>
-            <a:r>
-              <a:rPr lang="en-US" altLang="ko-KR" dirty="0" smtClean="0"/>
-              <a:t>)</a:t>
-            </a:r>
-            <a:r>
-              <a:rPr lang="ko-KR" altLang="en-US" dirty="0" smtClean="0"/>
-              <a:t>를 담고 있는 메타데이터 파일</a:t>
-            </a:r>
-            <a:r>
-              <a:rPr lang="en-US" altLang="ko-KR" dirty="0" smtClean="0"/>
-              <a:t>.</a:t>
-            </a:r>
-          </a:p>
-          <a:p>
-            <a:pPr marL="1200150" lvl="2" indent="-285750">
-              <a:buFont typeface="Arial" panose="020B0604020202020204" pitchFamily="34" charset="0"/>
-              <a:buChar char="•"/>
-            </a:pPr>
-            <a:r>
-              <a:rPr lang="en-US" altLang="ko-KR" dirty="0" err="1" smtClean="0"/>
-              <a:t>Resources.resx</a:t>
-            </a:r>
-            <a:r>
-              <a:rPr lang="en-US" altLang="ko-KR" dirty="0" smtClean="0"/>
-              <a:t>: </a:t>
-            </a:r>
-            <a:r>
-              <a:rPr lang="ko-KR" altLang="en-US" dirty="0" smtClean="0"/>
-              <a:t>이미지</a:t>
-            </a:r>
-            <a:r>
-              <a:rPr lang="en-US" altLang="ko-KR" dirty="0" smtClean="0"/>
-              <a:t>,</a:t>
-            </a:r>
-            <a:r>
-              <a:rPr lang="en-US" altLang="ko-KR" baseline="0" dirty="0" smtClean="0"/>
-              <a:t> </a:t>
-            </a:r>
-            <a:r>
-              <a:rPr lang="ko-KR" altLang="en-US" baseline="0" dirty="0" smtClean="0"/>
-              <a:t>아이콘 등 리소스를 관리하는 </a:t>
-            </a:r>
-            <a:r>
-              <a:rPr lang="en-US" altLang="ko-KR" baseline="0" dirty="0" smtClean="0"/>
-              <a:t>XML </a:t>
-            </a:r>
-            <a:r>
-              <a:rPr lang="ko-KR" altLang="en-US" baseline="0" dirty="0" smtClean="0"/>
-              <a:t>기반 파일</a:t>
-            </a:r>
-            <a:endParaRPr lang="en-US" altLang="ko-KR" baseline="0" dirty="0" smtClean="0"/>
-          </a:p>
-          <a:p>
-            <a:pPr marL="1200150" lvl="2" indent="-285750">
-              <a:buFont typeface="Arial" panose="020B0604020202020204" pitchFamily="34" charset="0"/>
-              <a:buChar char="•"/>
-            </a:pPr>
-            <a:r>
-              <a:rPr lang="en-US" altLang="ko-KR" baseline="0" dirty="0" err="1" smtClean="0"/>
-              <a:t>Settings.settings</a:t>
-            </a:r>
-            <a:r>
-              <a:rPr lang="en-US" altLang="ko-KR" baseline="0" dirty="0" smtClean="0"/>
-              <a:t>: </a:t>
-            </a:r>
-            <a:r>
-              <a:rPr lang="ko-KR" altLang="en-US" baseline="0" dirty="0" smtClean="0"/>
-              <a:t>사용자 설정이나 앱 설정 등을 저장할 수 있는 </a:t>
-            </a:r>
-            <a:r>
-              <a:rPr lang="ko-KR" altLang="en-US" baseline="0" dirty="0" err="1" smtClean="0"/>
-              <a:t>구성파일</a:t>
-            </a:r>
-            <a:endParaRPr lang="ko-KR" altLang="en-US" dirty="0"/>
-          </a:p>
-          <a:p>
-            <a:pPr marL="742950" lvl="1" indent="-285750">
-              <a:buFont typeface="Arial" panose="020B0604020202020204" pitchFamily="34" charset="0"/>
-              <a:buChar char="•"/>
-            </a:pPr>
-            <a:r>
-              <a:rPr lang="en-US" altLang="ko-KR" dirty="0"/>
-              <a:t>References: </a:t>
-            </a:r>
-            <a:r>
-              <a:rPr lang="ko-KR" altLang="en-US" dirty="0"/>
-              <a:t>참조하고 있는 외부 </a:t>
-            </a:r>
-            <a:r>
-              <a:rPr lang="ko-KR" altLang="en-US" dirty="0" smtClean="0"/>
-              <a:t>라이브러리</a:t>
-            </a:r>
-            <a:r>
-              <a:rPr lang="en-US" altLang="ko-KR" baseline="0" dirty="0" smtClean="0"/>
-              <a:t> / .NET</a:t>
-            </a:r>
-            <a:r>
-              <a:rPr lang="ko-KR" altLang="en-US" baseline="0" dirty="0" smtClean="0"/>
-              <a:t>의 기본 클래스 라이브러리를 연결해주는 목록</a:t>
-            </a:r>
-            <a:endParaRPr lang="ko-KR" altLang="en-US" dirty="0"/>
-          </a:p>
-          <a:p>
-            <a:pPr marL="742950" lvl="1" indent="-285750">
-              <a:buFont typeface="Arial" panose="020B0604020202020204" pitchFamily="34" charset="0"/>
-              <a:buChar char="•"/>
-            </a:pPr>
-            <a:r>
-              <a:rPr lang="en-US" altLang="ko-KR" dirty="0" err="1"/>
-              <a:t>App.config</a:t>
-            </a:r>
-            <a:r>
-              <a:rPr lang="en-US" altLang="ko-KR" dirty="0"/>
-              <a:t>: </a:t>
-            </a:r>
-            <a:r>
-              <a:rPr lang="ko-KR" altLang="en-US" dirty="0"/>
-              <a:t>설정 파일</a:t>
-            </a:r>
-          </a:p>
-          <a:p>
-            <a:pPr marL="742950" lvl="1" indent="-285750">
-              <a:buFont typeface="Arial" panose="020B0604020202020204" pitchFamily="34" charset="0"/>
-              <a:buChar char="•"/>
-            </a:pPr>
-            <a:r>
-              <a:rPr lang="en-US" altLang="ko-KR" dirty="0"/>
-              <a:t>Form1.cs: </a:t>
-            </a:r>
-            <a:r>
-              <a:rPr lang="ko-KR" altLang="en-US" dirty="0"/>
-              <a:t>폼 디자인 및 이벤트 </a:t>
-            </a:r>
-            <a:r>
-              <a:rPr lang="ko-KR" altLang="en-US" dirty="0" smtClean="0"/>
-              <a:t>코드</a:t>
-            </a:r>
-            <a:endParaRPr lang="en-US" altLang="ko-KR" dirty="0" smtClean="0"/>
-          </a:p>
-          <a:p>
-            <a:pPr marL="1200150" lvl="2" indent="-285750">
-              <a:buFont typeface="Arial" panose="020B0604020202020204" pitchFamily="34" charset="0"/>
-              <a:buChar char="•"/>
-            </a:pPr>
-            <a:r>
-              <a:rPr lang="ko-KR" altLang="en-US" dirty="0" err="1" smtClean="0"/>
-              <a:t>ㄴ</a:t>
-            </a:r>
-            <a:r>
-              <a:rPr lang="ko-KR" altLang="en-US" dirty="0" smtClean="0"/>
-              <a:t> 사용자가 보는 </a:t>
-            </a:r>
-            <a:r>
-              <a:rPr lang="en-US" altLang="ko-KR" dirty="0" smtClean="0"/>
-              <a:t>UI </a:t>
-            </a:r>
-            <a:r>
-              <a:rPr lang="ko-KR" altLang="en-US" dirty="0" smtClean="0"/>
-              <a:t>폼의 코드 뒤쪽</a:t>
-            </a:r>
-            <a:endParaRPr lang="en-US" altLang="ko-KR" dirty="0" smtClean="0"/>
-          </a:p>
-          <a:p>
-            <a:pPr marL="1200150" lvl="2" indent="-285750">
-              <a:buFont typeface="Arial" panose="020B0604020202020204" pitchFamily="34" charset="0"/>
-              <a:buChar char="•"/>
-            </a:pPr>
-            <a:r>
-              <a:rPr lang="en-US" altLang="ko-KR" dirty="0" smtClean="0"/>
-              <a:t>Form1.Designer.cs : </a:t>
-            </a:r>
-            <a:r>
-              <a:rPr lang="ko-KR" altLang="en-US" dirty="0" smtClean="0"/>
-              <a:t>폼의 디자인 요소의 위치</a:t>
-            </a:r>
-            <a:r>
-              <a:rPr lang="en-US" altLang="ko-KR" dirty="0" smtClean="0"/>
-              <a:t>, </a:t>
-            </a:r>
-            <a:r>
-              <a:rPr lang="ko-KR" altLang="en-US" dirty="0" smtClean="0"/>
-              <a:t>크기</a:t>
-            </a:r>
-            <a:r>
-              <a:rPr lang="en-US" altLang="ko-KR" dirty="0" smtClean="0"/>
-              <a:t>, </a:t>
-            </a:r>
-            <a:r>
-              <a:rPr lang="ko-KR" altLang="en-US" dirty="0" smtClean="0"/>
-              <a:t>속성 등을 저장하는 파일</a:t>
-            </a:r>
-            <a:endParaRPr lang="en-US" altLang="ko-KR" dirty="0" smtClean="0"/>
-          </a:p>
-          <a:p>
-            <a:pPr marL="1657350" lvl="3" indent="-285750">
-              <a:buFont typeface="Arial" panose="020B0604020202020204" pitchFamily="34" charset="0"/>
-              <a:buChar char="•"/>
-            </a:pPr>
-            <a:r>
-              <a:rPr lang="ko-KR" altLang="en-US" dirty="0" err="1" smtClean="0"/>
-              <a:t>ㄴ</a:t>
-            </a:r>
-            <a:r>
-              <a:rPr lang="ko-KR" altLang="en-US" dirty="0" smtClean="0"/>
-              <a:t> 디자이너 창을 통해 작성 </a:t>
-            </a:r>
-            <a:r>
-              <a:rPr lang="en-US" altLang="ko-KR" dirty="0" smtClean="0"/>
-              <a:t>/ </a:t>
-            </a:r>
-            <a:r>
-              <a:rPr lang="ko-KR" altLang="en-US" dirty="0" smtClean="0"/>
-              <a:t>직접 수정하지 않는 것이 원칙</a:t>
-            </a:r>
-            <a:r>
-              <a:rPr lang="en-US" altLang="ko-KR" dirty="0" smtClean="0"/>
-              <a:t>.</a:t>
-            </a:r>
-            <a:endParaRPr lang="ko-KR" altLang="en-US" dirty="0"/>
-          </a:p>
-          <a:p>
-            <a:pPr marL="742950" lvl="1" indent="-285750">
-              <a:buFont typeface="Arial" panose="020B0604020202020204" pitchFamily="34" charset="0"/>
-              <a:buChar char="•"/>
-            </a:pPr>
-            <a:r>
-              <a:rPr lang="en-US" altLang="ko-KR" dirty="0" err="1"/>
-              <a:t>Program.cs</a:t>
-            </a:r>
-            <a:r>
-              <a:rPr lang="en-US" altLang="ko-KR" dirty="0"/>
-              <a:t>: </a:t>
-            </a:r>
-            <a:r>
-              <a:rPr lang="ko-KR" altLang="en-US" dirty="0"/>
-              <a:t>메인 실행 </a:t>
-            </a:r>
-            <a:r>
-              <a:rPr lang="ko-KR" altLang="en-US" dirty="0" smtClean="0"/>
-              <a:t>파일</a:t>
-            </a:r>
-            <a:endParaRPr lang="en-US" altLang="ko-KR" dirty="0" smtClean="0"/>
-          </a:p>
-          <a:p>
-            <a:pPr marL="1200150" lvl="2" indent="-285750">
-              <a:buFont typeface="Arial" panose="020B0604020202020204" pitchFamily="34" charset="0"/>
-              <a:buChar char="•"/>
-            </a:pPr>
-            <a:r>
-              <a:rPr lang="ko-KR" altLang="en-US" dirty="0" err="1" smtClean="0"/>
-              <a:t>ㄴ</a:t>
-            </a:r>
-            <a:r>
-              <a:rPr lang="ko-KR" altLang="en-US" dirty="0" smtClean="0"/>
-              <a:t> 애플리케이션의 </a:t>
-            </a:r>
-            <a:r>
-              <a:rPr lang="en-US" altLang="ko-KR" dirty="0" smtClean="0"/>
-              <a:t>＂</a:t>
-            </a:r>
-            <a:r>
-              <a:rPr lang="ko-KR" altLang="en-US" dirty="0" smtClean="0"/>
-              <a:t>시작 지점</a:t>
-            </a:r>
-            <a:r>
-              <a:rPr lang="en-US" altLang="ko-KR" dirty="0" smtClean="0"/>
-              <a:t>(main </a:t>
-            </a:r>
-            <a:r>
-              <a:rPr lang="ko-KR" altLang="en-US" dirty="0" smtClean="0"/>
-              <a:t>메서드</a:t>
-            </a:r>
-            <a:r>
-              <a:rPr lang="en-US" altLang="ko-KR" dirty="0" smtClean="0"/>
-              <a:t>)＂</a:t>
-            </a:r>
-            <a:r>
-              <a:rPr lang="ko-KR" altLang="en-US" dirty="0" smtClean="0"/>
-              <a:t>이 정의된 파일</a:t>
-            </a:r>
-            <a:r>
-              <a:rPr lang="en-US" altLang="ko-KR" dirty="0" smtClean="0"/>
-              <a:t>.</a:t>
-            </a:r>
-            <a:endParaRPr lang="ko-KR" altLang="en-US" dirty="0"/>
-          </a:p>
-          <a:p>
-            <a:endParaRPr lang="en-US" altLang="ko-KR" dirty="0"/>
-          </a:p>
-          <a:p>
-            <a:r>
-              <a:rPr lang="en-US" altLang="ko-KR" dirty="0"/>
-              <a:t>.vs </a:t>
-            </a:r>
-            <a:r>
-              <a:rPr lang="ko-KR" altLang="en-US" dirty="0"/>
-              <a:t>폴더는 </a:t>
-            </a:r>
-            <a:r>
-              <a:rPr lang="en-US" altLang="ko-KR" dirty="0"/>
-              <a:t>Visual Studio(</a:t>
-            </a:r>
-            <a:r>
-              <a:rPr lang="ko-KR" altLang="en-US" dirty="0"/>
-              <a:t>비주얼 스튜디오</a:t>
-            </a:r>
-            <a:r>
-              <a:rPr lang="en-US" altLang="ko-KR" dirty="0"/>
-              <a:t>)</a:t>
-            </a:r>
-            <a:r>
-              <a:rPr lang="ko-KR" altLang="en-US" dirty="0"/>
-              <a:t>에서 자동으로 생성하는 </a:t>
-            </a:r>
-            <a:r>
-              <a:rPr lang="ko-KR" altLang="en-US" b="1" dirty="0"/>
-              <a:t>숨겨진 설정 폴더</a:t>
-            </a:r>
-            <a:r>
-              <a:rPr lang="en-US" altLang="ko-KR" b="1" dirty="0"/>
-              <a:t> (</a:t>
-            </a:r>
-            <a:r>
-              <a:rPr lang="ko-KR" altLang="en-US" b="1" dirty="0"/>
-              <a:t>무시해도 됨</a:t>
-            </a:r>
-            <a:r>
-              <a:rPr lang="en-US" altLang="ko-KR" b="1" dirty="0"/>
-              <a:t>.)</a:t>
-            </a:r>
             <a:endParaRPr lang="ko-KR" altLang="en-US" dirty="0"/>
           </a:p>
         </p:txBody>
@@ -2827,50 +1335,6 @@
           <a:bodyPr/>
           <a:lstStyle/>
           <a:p>
-            <a:r>
-              <a:rPr lang="en-US" altLang="ko-KR" dirty="0"/>
-              <a:t>1. </a:t>
-            </a:r>
-            <a:r>
-              <a:rPr lang="ko-KR" altLang="en-US" dirty="0"/>
-              <a:t>빌드 중 오류가 자꾸 날 때</a:t>
-            </a:r>
-            <a:endParaRPr lang="en-US" altLang="ko-KR" dirty="0"/>
-          </a:p>
-          <a:p>
-            <a:r>
-              <a:rPr lang="en-US" altLang="ko-KR" dirty="0"/>
-              <a:t>2. </a:t>
-            </a:r>
-            <a:r>
-              <a:rPr lang="ko-KR" altLang="en-US" dirty="0"/>
-              <a:t>불필요한 빌드 산출물을 제거하고 싶을 때</a:t>
-            </a:r>
-            <a:endParaRPr lang="en-US" altLang="ko-KR" dirty="0"/>
-          </a:p>
-          <a:p>
-            <a:r>
-              <a:rPr lang="en-US" altLang="ko-KR" dirty="0"/>
-              <a:t>    - bin/, obj/ </a:t>
-            </a:r>
-            <a:r>
-              <a:rPr lang="ko-KR" altLang="en-US" dirty="0"/>
-              <a:t>폴더안의 불필요한 파일을 없애고 싶을 때</a:t>
-            </a:r>
-            <a:r>
-              <a:rPr lang="en-US" altLang="ko-KR" dirty="0"/>
-              <a:t>.</a:t>
-            </a:r>
-          </a:p>
-          <a:p>
-            <a:r>
-              <a:rPr lang="en-US" altLang="ko-KR" dirty="0"/>
-              <a:t>3. </a:t>
-            </a:r>
-            <a:r>
-              <a:rPr lang="ko-KR" altLang="en-US" dirty="0"/>
-              <a:t>프로젝트 구조를 바꾼 후 깔끔하게 다시 빌드하고 싶을 때</a:t>
-            </a:r>
             <a:endParaRPr lang="en-US" altLang="ko-KR" dirty="0"/>
           </a:p>
         </p:txBody>
@@ -2955,164 +1419,7 @@
           <a:bodyPr/>
           <a:lstStyle/>
           <a:p>
-            <a:r>
-              <a:rPr lang="ko-KR" altLang="en-US" dirty="0"/>
-              <a:t>빌드 </a:t>
-            </a:r>
-            <a:r>
-              <a:rPr lang="en-US" altLang="ko-KR" dirty="0"/>
-              <a:t>: </a:t>
-            </a:r>
-            <a:r>
-              <a:rPr lang="ko-KR" altLang="en-US" dirty="0"/>
-              <a:t>작성한 코드를 기계어</a:t>
-            </a:r>
-            <a:r>
-              <a:rPr lang="en-US" altLang="ko-KR" dirty="0"/>
-              <a:t>(</a:t>
-            </a:r>
-            <a:r>
-              <a:rPr lang="ko-KR" altLang="en-US" dirty="0"/>
-              <a:t>실행 가능한 파일</a:t>
-            </a:r>
-            <a:r>
-              <a:rPr lang="en-US" altLang="ko-KR" dirty="0"/>
-              <a:t>)</a:t>
-            </a:r>
-            <a:r>
-              <a:rPr lang="ko-KR" altLang="en-US" dirty="0"/>
-              <a:t>로 변환하는 과정</a:t>
-            </a:r>
-            <a:r>
-              <a:rPr lang="en-US" altLang="ko-KR" dirty="0"/>
-              <a:t>.</a:t>
-            </a:r>
-            <a:r>
-              <a:rPr lang="ko-KR" altLang="en-US" dirty="0"/>
-              <a:t> 이때</a:t>
-            </a:r>
-            <a:r>
-              <a:rPr lang="en-US" altLang="ko-KR" dirty="0"/>
-              <a:t>, </a:t>
-            </a:r>
-            <a:r>
-              <a:rPr lang="ko-KR" altLang="en-US" dirty="0"/>
-              <a:t>문법 오류도 함께 검사함</a:t>
-            </a:r>
-            <a:r>
-              <a:rPr lang="en-US" altLang="ko-KR" dirty="0"/>
-              <a:t>.</a:t>
-            </a:r>
-          </a:p>
-          <a:p>
-            <a:endParaRPr lang="en-US" altLang="ko-KR" dirty="0"/>
-          </a:p>
-          <a:p>
-            <a:r>
-              <a:rPr lang="en-US" altLang="ko-KR" dirty="0"/>
-              <a:t>*</a:t>
-            </a:r>
-            <a:r>
-              <a:rPr lang="ko-KR" altLang="en-US" dirty="0"/>
-              <a:t>솔루션 빌드</a:t>
-            </a:r>
-            <a:r>
-              <a:rPr lang="en-US" altLang="ko-KR" dirty="0"/>
-              <a:t>* : </a:t>
-            </a:r>
-            <a:r>
-              <a:rPr lang="ko-KR" altLang="en-US" dirty="0"/>
-              <a:t>솔루션 안에 있는 모든 프로젝트들을 한 번에 빌드함</a:t>
-            </a:r>
-            <a:r>
-              <a:rPr lang="en-US" altLang="ko-KR" dirty="0"/>
-              <a:t>.</a:t>
-            </a:r>
-          </a:p>
-          <a:p>
-            <a:pPr marL="171450" indent="-171450">
-              <a:buFontTx/>
-              <a:buChar char="-"/>
-            </a:pPr>
-            <a:r>
-              <a:rPr lang="ko-KR" altLang="en-US" dirty="0"/>
-              <a:t>즉</a:t>
-            </a:r>
-            <a:r>
-              <a:rPr lang="en-US" altLang="ko-KR" dirty="0"/>
-              <a:t>, </a:t>
-            </a:r>
-            <a:r>
-              <a:rPr lang="ko-KR" altLang="en-US" dirty="0"/>
-              <a:t>여러 개의 프로젝트가 있는 경우</a:t>
-            </a:r>
-            <a:r>
-              <a:rPr lang="en-US" altLang="ko-KR" dirty="0"/>
-              <a:t>, </a:t>
-            </a:r>
-            <a:r>
-              <a:rPr lang="ko-KR" altLang="en-US" dirty="0"/>
-              <a:t>전체를 컴파일하여 문법 오류가 있는지 확인 할 수 있다</a:t>
-            </a:r>
-            <a:r>
-              <a:rPr lang="en-US" altLang="ko-KR" dirty="0"/>
-              <a:t>.</a:t>
-            </a:r>
-          </a:p>
-          <a:p>
-            <a:pPr marL="171450" indent="-171450">
-              <a:buFontTx/>
-              <a:buChar char="-"/>
-            </a:pPr>
-            <a:endParaRPr lang="en-US" altLang="ko-KR" dirty="0"/>
-          </a:p>
-          <a:p>
-            <a:pPr marL="0" indent="0">
-              <a:buFontTx/>
-              <a:buNone/>
-            </a:pPr>
-            <a:r>
-              <a:rPr lang="en-US" altLang="ko-KR" dirty="0"/>
-              <a:t>*</a:t>
-            </a:r>
-            <a:r>
-              <a:rPr lang="ko-KR" altLang="en-US" dirty="0"/>
-              <a:t>프로젝트 빌드</a:t>
-            </a:r>
-            <a:r>
-              <a:rPr lang="en-US" altLang="ko-KR" dirty="0"/>
-              <a:t>* : </a:t>
-            </a:r>
-            <a:r>
-              <a:rPr lang="ko-KR" altLang="en-US" dirty="0"/>
-              <a:t>현재 선택된 특정 프로젝트만 빌드</a:t>
-            </a:r>
-            <a:r>
-              <a:rPr lang="en-US" altLang="ko-KR" dirty="0"/>
-              <a:t>.</a:t>
-            </a:r>
-          </a:p>
-          <a:p>
-            <a:pPr marL="171450" indent="-171450">
-              <a:buFontTx/>
-              <a:buChar char="-"/>
-            </a:pPr>
-            <a:r>
-              <a:rPr lang="ko-KR" altLang="en-US" dirty="0"/>
-              <a:t>즉</a:t>
-            </a:r>
-            <a:r>
-              <a:rPr lang="en-US" altLang="ko-KR" dirty="0"/>
-              <a:t>, </a:t>
-            </a:r>
-            <a:r>
-              <a:rPr lang="ko-KR" altLang="en-US" dirty="0"/>
-              <a:t>솔루션 전체가 아닌 부분적인 빌드를 하고 싶을 때 유용</a:t>
-            </a:r>
-            <a:r>
-              <a:rPr lang="en-US" altLang="ko-KR" dirty="0"/>
-              <a:t>.</a:t>
-            </a:r>
+            <a:endParaRPr lang="ko-KR" altLang="en-US" dirty="0"/>
           </a:p>
         </p:txBody>
       </p:sp>
@@ -3123,7 +1430,7 @@
             <a:spLocks noGrp="1"/>
           </p:cNvSpPr>
           <p:nvPr>
-            <p:ph type="sldNum" sz="quarter" idx="5"/>
+            <p:ph type="sldNum" sz="quarter" idx="10"/>
           </p:nvPr>
         </p:nvSpPr>
         <p:spPr/>
@@ -3133,7 +1440,7 @@
           <a:p>
             <a:fld id="{C09E5BFC-1559-42F1-8940-AB342D56BF02}" type="slidenum">
               <a:rPr lang="ko-KR" altLang="en-US" smtClean="0"/>
-              <a:t>22</a:t>
+              <a:t>21</a:t>
             </a:fld>
             <a:endParaRPr lang="ko-KR" altLang="en-US"/>
           </a:p>
@@ -3142,7 +1449,7 @@
     </p:spTree>
     <p:extLst>
       <p:ext uri="{BB962C8B-B14F-4D97-AF65-F5344CB8AC3E}">
-        <p14:creationId xmlns:p14="http://schemas.microsoft.com/office/powerpoint/2010/main" val="3032007880"/>
+        <p14:creationId xmlns:p14="http://schemas.microsoft.com/office/powerpoint/2010/main" val="3204072214"/>
       </p:ext>
     </p:extLst>
   </p:cSld>
@@ -3195,72 +1502,6 @@
         <p:txBody>
           <a:bodyPr/>
           <a:lstStyle/>
-          <a:p>
-            <a:r>
-              <a:rPr lang="ko-KR" altLang="en-US" dirty="0" smtClean="0"/>
-              <a:t>필요에 따라 </a:t>
-            </a:r>
-            <a:r>
-              <a:rPr lang="ko-KR" altLang="en-US" dirty="0" err="1" smtClean="0"/>
-              <a:t>추천드리면</a:t>
-            </a:r>
-            <a:r>
-              <a:rPr lang="en-US" altLang="ko-KR" dirty="0" smtClean="0"/>
-              <a:t>,</a:t>
-            </a:r>
-          </a:p>
-          <a:p>
-            <a:r>
-              <a:rPr lang="ko-KR" altLang="en-US" b="1" dirty="0" smtClean="0"/>
-              <a:t>학생이나 신입 개발자</a:t>
-            </a:r>
-            <a:r>
-              <a:rPr lang="ko-KR" altLang="en-US" dirty="0" smtClean="0"/>
-              <a:t>에게는 </a:t>
-            </a:r>
-            <a:r>
-              <a:rPr lang="en-US" altLang="ko-KR" dirty="0" smtClean="0"/>
-              <a:t>C#</a:t>
-            </a:r>
-            <a:r>
-              <a:rPr lang="ko-KR" altLang="en-US" dirty="0" smtClean="0"/>
-              <a:t>이 더 접근하기 쉽고 빠르게 결과물을 만들 수 있어 좋습니다</a:t>
-            </a:r>
-            <a:r>
-              <a:rPr lang="en-US" altLang="ko-KR" dirty="0" smtClean="0"/>
-              <a:t>.</a:t>
-            </a:r>
-          </a:p>
-          <a:p>
-            <a:r>
-              <a:rPr lang="ko-KR" altLang="en-US" dirty="0" smtClean="0"/>
-              <a:t>반면</a:t>
-            </a:r>
-            <a:r>
-              <a:rPr lang="en-US" altLang="ko-KR" dirty="0" smtClean="0"/>
-              <a:t>, </a:t>
-            </a:r>
-            <a:r>
-              <a:rPr lang="ko-KR" altLang="en-US" b="1" dirty="0" smtClean="0"/>
-              <a:t>성능 제어나 하드웨어 접근이 중요한 프로젝트</a:t>
-            </a:r>
-            <a:r>
-              <a:rPr lang="ko-KR" altLang="en-US" dirty="0" smtClean="0"/>
-              <a:t>에는 </a:t>
-            </a:r>
-            <a:r>
-              <a:rPr lang="en-US" altLang="ko-KR" dirty="0" smtClean="0"/>
-              <a:t>C++</a:t>
-            </a:r>
-            <a:r>
-              <a:rPr lang="ko-KR" altLang="en-US" dirty="0" smtClean="0"/>
-              <a:t>이 필수입니다</a:t>
-            </a:r>
-            <a:r>
-              <a:rPr lang="en-US" altLang="ko-KR" dirty="0" smtClean="0"/>
-              <a:t>.</a:t>
-            </a:r>
-          </a:p>
           <a:p>
             <a:endParaRPr lang="ko-KR" altLang="en-US" dirty="0"/>
           </a:p>
@@ -3346,136 +1587,7 @@
           <a:bodyPr/>
           <a:lstStyle/>
           <a:p>
-            <a:r>
-              <a:rPr lang="ko-KR" altLang="en-US" dirty="0"/>
-              <a:t>디버그 </a:t>
-            </a:r>
-            <a:r>
-              <a:rPr lang="en-US" altLang="ko-KR" dirty="0"/>
-              <a:t>: “</a:t>
-            </a:r>
-            <a:r>
-              <a:rPr lang="ko-KR" altLang="en-US" dirty="0"/>
-              <a:t>버그</a:t>
-            </a:r>
-            <a:r>
-              <a:rPr lang="en-US" altLang="ko-KR" dirty="0"/>
-              <a:t>(bug)</a:t>
-            </a:r>
-            <a:r>
-              <a:rPr lang="ko-KR" altLang="en-US" dirty="0"/>
-              <a:t>를 제거한다</a:t>
-            </a:r>
-            <a:r>
-              <a:rPr lang="en-US" altLang="ko-KR" dirty="0"/>
-              <a:t>”</a:t>
-            </a:r>
-            <a:r>
-              <a:rPr lang="ko-KR" altLang="en-US" dirty="0"/>
-              <a:t>는 뜻</a:t>
-            </a:r>
-            <a:r>
-              <a:rPr lang="en-US" altLang="ko-KR" dirty="0"/>
-              <a:t>.</a:t>
-            </a:r>
-          </a:p>
-          <a:p>
-            <a:pPr marL="171450" indent="-171450">
-              <a:buFontTx/>
-              <a:buChar char="-"/>
-            </a:pPr>
-            <a:r>
-              <a:rPr lang="ko-KR" altLang="en-US" dirty="0"/>
-              <a:t>즉</a:t>
-            </a:r>
-            <a:r>
-              <a:rPr lang="en-US" altLang="ko-KR" dirty="0"/>
-              <a:t>, </a:t>
-            </a:r>
-            <a:r>
-              <a:rPr lang="ko-KR" altLang="en-US" dirty="0"/>
-              <a:t>오류를 찾아내고 고치는 행위</a:t>
-            </a:r>
             <a:endParaRPr lang="en-US" altLang="ko-KR" dirty="0"/>
-          </a:p>
-          <a:p>
-            <a:pPr marL="171450" indent="-171450">
-              <a:buFontTx/>
-              <a:buChar char="-"/>
-            </a:pPr>
-            <a:r>
-              <a:rPr lang="ko-KR" altLang="en-US" dirty="0"/>
-              <a:t>어디서 문제인지 정확히 찾고</a:t>
-            </a:r>
-            <a:r>
-              <a:rPr lang="en-US" altLang="ko-KR" dirty="0"/>
-              <a:t>, </a:t>
-            </a:r>
-            <a:r>
-              <a:rPr lang="ko-KR" altLang="en-US" dirty="0"/>
-              <a:t>어떤 상황에서 문제가 생기는지 파악 </a:t>
-            </a:r>
-            <a:r>
-              <a:rPr lang="ko-KR" altLang="en-US" dirty="0" err="1"/>
-              <a:t>하는것이</a:t>
-            </a:r>
-            <a:r>
-              <a:rPr lang="ko-KR" altLang="en-US" dirty="0"/>
-              <a:t> 먼저</a:t>
-            </a:r>
-            <a:r>
-              <a:rPr lang="en-US" altLang="ko-KR" dirty="0"/>
-              <a:t>!</a:t>
-            </a:r>
-          </a:p>
-          <a:p>
-            <a:pPr marL="171450" indent="-171450">
-              <a:buFontTx/>
-              <a:buChar char="-"/>
-            </a:pPr>
-            <a:endParaRPr lang="en-US" altLang="ko-KR" dirty="0"/>
-          </a:p>
-          <a:p>
-            <a:pPr marL="0" indent="0">
-              <a:buFontTx/>
-              <a:buNone/>
-            </a:pPr>
-            <a:r>
-              <a:rPr lang="ko-KR" altLang="en-US" dirty="0"/>
-              <a:t>디버깅</a:t>
-            </a:r>
-            <a:r>
-              <a:rPr lang="en-US" altLang="ko-KR" dirty="0"/>
-              <a:t> : </a:t>
-            </a:r>
-            <a:r>
-              <a:rPr lang="ko-KR" altLang="en-US" dirty="0" err="1"/>
-              <a:t>디버그하는</a:t>
-            </a:r>
-            <a:r>
-              <a:rPr lang="ko-KR" altLang="en-US" dirty="0"/>
-              <a:t> 과정 전체</a:t>
-            </a:r>
-            <a:endParaRPr lang="en-US" altLang="ko-KR" dirty="0"/>
-          </a:p>
-          <a:p>
-            <a:pPr marL="0" indent="0">
-              <a:buFontTx/>
-              <a:buNone/>
-            </a:pPr>
-            <a:r>
-              <a:rPr lang="en-US" altLang="ko-KR" dirty="0"/>
-              <a:t>- </a:t>
-            </a:r>
-            <a:r>
-              <a:rPr lang="ko-KR" altLang="en-US" dirty="0"/>
-              <a:t>코드에서 오류의 원인을 추적하고 해결하는 과정</a:t>
-            </a:r>
-            <a:r>
-              <a:rPr lang="en-US" altLang="ko-KR" dirty="0"/>
-              <a:t>.</a:t>
-            </a:r>
-            <a:endParaRPr lang="ko-KR" altLang="en-US" dirty="0"/>
           </a:p>
         </p:txBody>
       </p:sp>
@@ -3496,7 +1608,7 @@
           <a:p>
             <a:fld id="{C09E5BFC-1559-42F1-8940-AB342D56BF02}" type="slidenum">
               <a:rPr lang="ko-KR" altLang="en-US" smtClean="0"/>
-              <a:t>23</a:t>
+              <a:t>22</a:t>
             </a:fld>
             <a:endParaRPr lang="ko-KR" altLang="en-US"/>
           </a:p>
@@ -3505,7 +1617,7 @@
     </p:spTree>
     <p:extLst>
       <p:ext uri="{BB962C8B-B14F-4D97-AF65-F5344CB8AC3E}">
-        <p14:creationId xmlns:p14="http://schemas.microsoft.com/office/powerpoint/2010/main" val="3702848289"/>
+        <p14:creationId xmlns:p14="http://schemas.microsoft.com/office/powerpoint/2010/main" val="3032007880"/>
       </p:ext>
     </p:extLst>
   </p:cSld>
@@ -3580,7 +1692,7 @@
           <a:p>
             <a:fld id="{C09E5BFC-1559-42F1-8940-AB342D56BF02}" type="slidenum">
               <a:rPr lang="ko-KR" altLang="en-US" smtClean="0"/>
-              <a:t>24</a:t>
+              <a:t>23</a:t>
             </a:fld>
             <a:endParaRPr lang="ko-KR" altLang="en-US"/>
           </a:p>
@@ -3589,7 +1701,7 @@
     </p:spTree>
     <p:extLst>
       <p:ext uri="{BB962C8B-B14F-4D97-AF65-F5344CB8AC3E}">
-        <p14:creationId xmlns:p14="http://schemas.microsoft.com/office/powerpoint/2010/main" val="3656932653"/>
+        <p14:creationId xmlns:p14="http://schemas.microsoft.com/office/powerpoint/2010/main" val="3702848289"/>
       </p:ext>
     </p:extLst>
   </p:cSld>
@@ -3643,789 +1755,7 @@
           <a:bodyPr/>
           <a:lstStyle/>
           <a:p>
-            <a:r>
-              <a:rPr lang="ko-KR" altLang="en-US" dirty="0"/>
-              <a:t>작성 </a:t>
-            </a:r>
-            <a:r>
-              <a:rPr lang="en-US" altLang="ko-KR" dirty="0"/>
-              <a:t>-&gt; </a:t>
-            </a:r>
-            <a:r>
-              <a:rPr lang="ko-KR" altLang="en-US" dirty="0"/>
-              <a:t>빌드 </a:t>
-            </a:r>
-            <a:r>
-              <a:rPr lang="en-US" altLang="ko-KR" dirty="0"/>
-              <a:t>-&gt; </a:t>
-            </a:r>
-            <a:r>
-              <a:rPr lang="ko-KR" altLang="en-US" dirty="0"/>
-              <a:t>실행 전체 과정을 단계별로 정리</a:t>
-            </a:r>
-            <a:endParaRPr lang="en-US" altLang="ko-KR" dirty="0"/>
-          </a:p>
-          <a:p>
-            <a:endParaRPr lang="en-US" altLang="ko-KR" dirty="0"/>
-          </a:p>
-          <a:p>
-            <a:r>
-              <a:rPr lang="ko-KR" altLang="en-US" dirty="0"/>
-              <a:t>코드 작성 </a:t>
-            </a:r>
-            <a:r>
-              <a:rPr lang="en-US" altLang="ko-KR" dirty="0"/>
-              <a:t>-&gt; </a:t>
-            </a:r>
-            <a:r>
-              <a:rPr lang="ko-KR" altLang="en-US" dirty="0"/>
-              <a:t>빌드</a:t>
-            </a:r>
-            <a:r>
-              <a:rPr lang="en-US" altLang="ko-KR" dirty="0"/>
-              <a:t>(</a:t>
-            </a:r>
-            <a:r>
-              <a:rPr lang="ko-KR" altLang="en-US" dirty="0"/>
-              <a:t>컴파일</a:t>
-            </a:r>
-            <a:r>
-              <a:rPr lang="en-US" altLang="ko-KR" dirty="0"/>
-              <a:t>) -&gt; </a:t>
-            </a:r>
-            <a:r>
-              <a:rPr lang="ko-KR" altLang="en-US" dirty="0"/>
-              <a:t>실행</a:t>
-            </a:r>
-            <a:r>
-              <a:rPr lang="en-US" altLang="ko-KR" dirty="0"/>
-              <a:t>(.exe) -&gt; </a:t>
-            </a:r>
-            <a:r>
-              <a:rPr lang="ko-KR" altLang="en-US" dirty="0"/>
-              <a:t>메모리에 로드 </a:t>
-            </a:r>
-            <a:r>
-              <a:rPr lang="en-US" altLang="ko-KR" dirty="0"/>
-              <a:t>-&gt; </a:t>
-            </a:r>
-            <a:r>
-              <a:rPr lang="ko-KR" altLang="en-US" dirty="0"/>
-              <a:t>기계어로 변환 </a:t>
-            </a:r>
-            <a:r>
-              <a:rPr lang="en-US" altLang="ko-KR" dirty="0"/>
-              <a:t>(JIT)</a:t>
-            </a:r>
-          </a:p>
-          <a:p>
-            <a:endParaRPr lang="en-US" altLang="ko-KR" dirty="0"/>
-          </a:p>
-          <a:p>
-            <a:r>
-              <a:rPr lang="en-US" altLang="ko-KR" dirty="0"/>
-              <a:t>1. (.cs)</a:t>
-            </a:r>
-            <a:r>
-              <a:rPr lang="ko-KR" altLang="en-US" dirty="0"/>
-              <a:t>파일 코드 작성 </a:t>
-            </a:r>
-            <a:r>
-              <a:rPr lang="en-US" altLang="ko-KR" dirty="0"/>
-              <a:t>: </a:t>
-            </a:r>
-            <a:r>
-              <a:rPr lang="ko-KR" altLang="en-US" dirty="0"/>
-              <a:t>사람이 읽기 쉬운 형태이지만</a:t>
-            </a:r>
-            <a:r>
-              <a:rPr lang="en-US" altLang="ko-KR" dirty="0"/>
-              <a:t>, </a:t>
-            </a:r>
-            <a:r>
-              <a:rPr lang="ko-KR" altLang="en-US" dirty="0"/>
-              <a:t>컴퓨터는 바로 실습 할 수가 없다</a:t>
-            </a:r>
-            <a:r>
-              <a:rPr lang="en-US" altLang="ko-KR" dirty="0"/>
-              <a:t>.</a:t>
-            </a:r>
-          </a:p>
-          <a:p>
-            <a:r>
-              <a:rPr lang="en-US" altLang="ko-KR" dirty="0"/>
-              <a:t>2. </a:t>
-            </a:r>
-            <a:r>
-              <a:rPr lang="ko-KR" altLang="en-US" dirty="0"/>
-              <a:t>빌드</a:t>
-            </a:r>
-            <a:r>
-              <a:rPr lang="en-US" altLang="ko-KR" dirty="0"/>
-              <a:t>(Build) – </a:t>
-            </a:r>
-            <a:r>
-              <a:rPr lang="ko-KR" altLang="en-US" dirty="0"/>
-              <a:t>컴파일 포함</a:t>
-            </a:r>
-            <a:r>
-              <a:rPr lang="en-US" altLang="ko-KR" dirty="0"/>
-              <a:t>  : .cs</a:t>
-            </a:r>
-            <a:r>
-              <a:rPr lang="ko-KR" altLang="en-US" dirty="0"/>
-              <a:t> 코드를 빌드하면 </a:t>
-            </a:r>
-            <a:r>
-              <a:rPr lang="en-US" altLang="ko-KR" dirty="0"/>
-              <a:t>.exe </a:t>
-            </a:r>
-            <a:r>
-              <a:rPr lang="ko-KR" altLang="en-US" dirty="0"/>
-              <a:t>또는 </a:t>
-            </a:r>
-            <a:r>
-              <a:rPr lang="en-US" altLang="ko-KR" dirty="0"/>
-              <a:t>.</a:t>
-            </a:r>
-            <a:r>
-              <a:rPr lang="en-US" altLang="ko-KR" dirty="0" err="1"/>
-              <a:t>dll</a:t>
-            </a:r>
-            <a:r>
-              <a:rPr lang="en-US" altLang="ko-KR" dirty="0"/>
-              <a:t> </a:t>
-            </a:r>
-            <a:r>
-              <a:rPr lang="ko-KR" altLang="en-US" dirty="0"/>
-              <a:t>파일이 생성됨</a:t>
-            </a:r>
-            <a:r>
-              <a:rPr lang="en-US" altLang="ko-KR" dirty="0"/>
-              <a:t>.</a:t>
-            </a:r>
-          </a:p>
-          <a:p>
-            <a:r>
-              <a:rPr lang="ko-KR" altLang="en-US" dirty="0"/>
-              <a:t>이 과정에서 컴파일러가 작동하여 </a:t>
-            </a:r>
-            <a:r>
-              <a:rPr lang="en-US" altLang="ko-KR" dirty="0"/>
-              <a:t>C# </a:t>
-            </a:r>
-            <a:r>
-              <a:rPr lang="ko-KR" altLang="en-US" dirty="0"/>
-              <a:t>코드를 **</a:t>
-            </a:r>
-            <a:r>
-              <a:rPr lang="en-US" altLang="ko-KR" dirty="0"/>
-              <a:t>CIL (</a:t>
-            </a:r>
-            <a:r>
-              <a:rPr lang="ko-KR" altLang="en-US" dirty="0"/>
-              <a:t>중간 언어</a:t>
-            </a:r>
-            <a:r>
-              <a:rPr lang="en-US" altLang="ko-KR" dirty="0"/>
-              <a:t>)**</a:t>
-            </a:r>
-            <a:r>
-              <a:rPr lang="ko-KR" altLang="en-US" dirty="0"/>
-              <a:t>로 변환합니다</a:t>
-            </a:r>
-            <a:r>
-              <a:rPr lang="en-US" altLang="ko-KR" dirty="0"/>
-              <a:t>.</a:t>
-            </a:r>
-          </a:p>
-          <a:p>
-            <a:endParaRPr lang="en-US" altLang="ko-KR" dirty="0"/>
-          </a:p>
-          <a:p>
-            <a:pPr>
-              <a:buFont typeface="Arial" panose="020B0604020202020204" pitchFamily="34" charset="0"/>
-              <a:buChar char="•"/>
-            </a:pPr>
-            <a:r>
-              <a:rPr lang="en-US" altLang="ko-KR" dirty="0"/>
-              <a:t>   - </a:t>
-            </a:r>
-            <a:r>
-              <a:rPr lang="en-US" altLang="ko-KR" b="1" dirty="0"/>
-              <a:t>CIL (Common Intermediate Language)</a:t>
-            </a:r>
-            <a:r>
-              <a:rPr lang="en-US" altLang="ko-KR" dirty="0"/>
-              <a:t>: .NET </a:t>
-            </a:r>
-            <a:r>
-              <a:rPr lang="ko-KR" altLang="en-US" dirty="0"/>
-              <a:t>언어들이 공통으로 사용하는 중간 </a:t>
-            </a:r>
-            <a:r>
-              <a:rPr lang="ko-KR" altLang="en-US" dirty="0" smtClean="0"/>
-              <a:t>언어</a:t>
-            </a:r>
             <a:endParaRPr lang="ko-KR" altLang="en-US" dirty="0"/>
-          </a:p>
-          <a:p>
-            <a:pPr>
-              <a:buFont typeface="Arial" panose="020B0604020202020204" pitchFamily="34" charset="0"/>
-              <a:buChar char="•"/>
-            </a:pPr>
-            <a:r>
-              <a:rPr lang="ko-KR" altLang="en-US" b="1" dirty="0" smtClean="0"/>
-              <a:t>  </a:t>
-            </a:r>
-            <a:r>
-              <a:rPr lang="en-US" altLang="ko-KR" b="1" dirty="0" smtClean="0"/>
-              <a:t> - </a:t>
-            </a:r>
-            <a:r>
-              <a:rPr lang="ko-KR" altLang="en-US" b="1" dirty="0" smtClean="0"/>
-              <a:t>결과물</a:t>
-            </a:r>
-            <a:r>
-              <a:rPr lang="en-US" altLang="ko-KR" dirty="0" smtClean="0"/>
-              <a:t>: WindowsFormsApp1.exe, WindowsFormsApp1.pdb </a:t>
-            </a:r>
-            <a:r>
-              <a:rPr lang="ko-KR" altLang="en-US" dirty="0" smtClean="0"/>
-              <a:t>등</a:t>
-            </a:r>
-            <a:endParaRPr lang="en-US" altLang="ko-KR" dirty="0" smtClean="0"/>
-          </a:p>
-          <a:p>
-            <a:r>
-              <a:rPr lang="ko-KR" altLang="en-US" b="1" dirty="0" smtClean="0"/>
-              <a:t>🔍 </a:t>
-            </a:r>
-            <a:r>
-              <a:rPr lang="ko-KR" altLang="en-US" b="1" dirty="0" err="1" smtClean="0"/>
-              <a:t>중간언어란</a:t>
-            </a:r>
-            <a:r>
-              <a:rPr lang="en-US" altLang="ko-KR" b="1" dirty="0" smtClean="0"/>
-              <a:t>?</a:t>
-            </a:r>
-          </a:p>
-          <a:p>
-            <a:r>
-              <a:rPr lang="ko-KR" altLang="en-US" dirty="0" smtClean="0"/>
-              <a:t>우리가 </a:t>
-            </a:r>
-            <a:r>
-              <a:rPr lang="en-US" altLang="ko-KR" dirty="0" smtClean="0"/>
-              <a:t>C#</a:t>
-            </a:r>
-            <a:r>
-              <a:rPr lang="ko-KR" altLang="en-US" dirty="0" smtClean="0"/>
-              <a:t>으로 작성한 코드는 바로 실행되지 않아요</a:t>
-            </a:r>
-            <a:r>
-              <a:rPr lang="en-US" altLang="ko-KR" dirty="0" smtClean="0"/>
-              <a:t>.</a:t>
-            </a:r>
-            <a:br>
-              <a:rPr lang="en-US" altLang="ko-KR" dirty="0" smtClean="0"/>
-            </a:br>
-            <a:r>
-              <a:rPr lang="ko-KR" altLang="en-US" dirty="0" smtClean="0"/>
-              <a:t>먼저 </a:t>
-            </a:r>
-            <a:r>
-              <a:rPr lang="en-US" altLang="ko-KR" b="1" dirty="0" smtClean="0"/>
-              <a:t>CIL</a:t>
-            </a:r>
-            <a:r>
-              <a:rPr lang="ko-KR" altLang="en-US" b="1" dirty="0" smtClean="0"/>
-              <a:t>이라는 중간단계 코드로 변환</a:t>
-            </a:r>
-            <a:r>
-              <a:rPr lang="ko-KR" altLang="en-US" dirty="0" smtClean="0"/>
-              <a:t>됩니다</a:t>
-            </a:r>
-            <a:r>
-              <a:rPr lang="en-US" altLang="ko-KR" dirty="0" smtClean="0"/>
-              <a:t>.</a:t>
-            </a:r>
-          </a:p>
-          <a:p>
-            <a:r>
-              <a:rPr lang="ko-KR" altLang="en-US" dirty="0" smtClean="0"/>
-              <a:t>이 코드는 </a:t>
-            </a:r>
-            <a:r>
-              <a:rPr lang="ko-KR" altLang="en-US" b="1" dirty="0" smtClean="0"/>
-              <a:t>운영체제가 이해할 수 없고</a:t>
-            </a:r>
-            <a:r>
-              <a:rPr lang="en-US" altLang="ko-KR" dirty="0" smtClean="0"/>
-              <a:t>,</a:t>
-            </a:r>
-          </a:p>
-          <a:p>
-            <a:r>
-              <a:rPr lang="en-US" altLang="ko-KR" b="1" dirty="0" smtClean="0"/>
-              <a:t>CLR</a:t>
-            </a:r>
-            <a:r>
-              <a:rPr lang="ko-KR" altLang="en-US" dirty="0" smtClean="0"/>
-              <a:t>만 이해할 수 있는 특별한 언어입니다</a:t>
-            </a:r>
-            <a:r>
-              <a:rPr lang="en-US" altLang="ko-KR" dirty="0" smtClean="0"/>
-              <a:t>.</a:t>
-            </a:r>
-          </a:p>
-          <a:p>
-            <a:r>
-              <a:rPr lang="ko-KR" altLang="en-US" dirty="0" smtClean="0"/>
-              <a:t>나중에 </a:t>
-            </a:r>
-            <a:r>
-              <a:rPr lang="en-US" altLang="ko-KR" dirty="0" smtClean="0"/>
-              <a:t>CLR</a:t>
-            </a:r>
-            <a:r>
-              <a:rPr lang="ko-KR" altLang="en-US" dirty="0" smtClean="0"/>
-              <a:t>이 이걸 보고 </a:t>
-            </a:r>
-            <a:r>
-              <a:rPr lang="ko-KR" altLang="en-US" b="1" dirty="0" smtClean="0"/>
-              <a:t>기계어로 다시 바꿔서 실행</a:t>
-            </a:r>
-            <a:r>
-              <a:rPr lang="ko-KR" altLang="en-US" dirty="0" smtClean="0"/>
-              <a:t>합니다</a:t>
-            </a:r>
-            <a:r>
-              <a:rPr lang="en-US" altLang="ko-KR" dirty="0" smtClean="0"/>
-              <a:t>.</a:t>
-            </a:r>
-          </a:p>
-          <a:p>
-            <a:r>
-              <a:rPr lang="ko-KR" altLang="en-US" dirty="0" smtClean="0"/>
-              <a:t>📦 즉</a:t>
-            </a:r>
-            <a:r>
-              <a:rPr lang="en-US" altLang="ko-KR" dirty="0" smtClean="0"/>
-              <a:t>, </a:t>
-            </a:r>
-            <a:r>
-              <a:rPr lang="en-US" altLang="ko-KR" b="1" dirty="0" smtClean="0"/>
-              <a:t>C# → </a:t>
-            </a:r>
-            <a:r>
-              <a:rPr lang="ko-KR" altLang="en-US" b="1" dirty="0" smtClean="0"/>
-              <a:t>중간언어</a:t>
-            </a:r>
-            <a:r>
-              <a:rPr lang="en-US" altLang="ko-KR" b="1" dirty="0" smtClean="0"/>
-              <a:t>(CIL) → </a:t>
-            </a:r>
-            <a:r>
-              <a:rPr lang="ko-KR" altLang="en-US" b="1" dirty="0" smtClean="0"/>
-              <a:t>기계어</a:t>
-            </a:r>
-            <a:r>
-              <a:rPr lang="ko-KR" altLang="en-US" dirty="0" smtClean="0"/>
-              <a:t> 순으로 실행됩니다</a:t>
-            </a:r>
-            <a:r>
-              <a:rPr lang="en-US" altLang="ko-KR" dirty="0" smtClean="0"/>
-              <a:t>!</a:t>
-            </a:r>
-          </a:p>
-          <a:p>
-            <a:pPr>
-              <a:buFont typeface="Arial" panose="020B0604020202020204" pitchFamily="34" charset="0"/>
-              <a:buChar char="•"/>
-            </a:pPr>
-            <a:endParaRPr lang="ko-KR" altLang="en-US" dirty="0" smtClean="0"/>
-          </a:p>
-          <a:p>
-            <a:endParaRPr lang="en-US" altLang="ko-KR" dirty="0"/>
-          </a:p>
-          <a:p>
-            <a:r>
-              <a:rPr lang="en-US" altLang="ko-KR" dirty="0"/>
-              <a:t>3. </a:t>
-            </a:r>
-            <a:r>
-              <a:rPr lang="ko-KR" altLang="en-US" dirty="0"/>
-              <a:t>실행 </a:t>
-            </a:r>
-            <a:r>
-              <a:rPr lang="en-US" altLang="ko-KR" dirty="0"/>
-              <a:t>(.exe </a:t>
-            </a:r>
-            <a:r>
-              <a:rPr lang="ko-KR" altLang="en-US" dirty="0"/>
-              <a:t>실행</a:t>
-            </a:r>
-            <a:r>
-              <a:rPr lang="en-US" altLang="ko-KR" dirty="0"/>
-              <a:t>)</a:t>
-            </a:r>
-          </a:p>
-          <a:p>
-            <a:pPr marL="171450" indent="-171450">
-              <a:buFontTx/>
-              <a:buChar char="-"/>
-            </a:pPr>
-            <a:r>
-              <a:rPr lang="en-US" altLang="ko-KR" dirty="0"/>
-              <a:t>.exe </a:t>
-            </a:r>
-            <a:r>
-              <a:rPr lang="ko-KR" altLang="en-US" dirty="0"/>
-              <a:t>파일 작동 시작</a:t>
-            </a:r>
-            <a:endParaRPr lang="en-US" altLang="ko-KR" dirty="0"/>
-          </a:p>
-          <a:p>
-            <a:pPr marL="171450" indent="-171450">
-              <a:buFontTx/>
-              <a:buChar char="-"/>
-            </a:pPr>
-            <a:r>
-              <a:rPr lang="ko-KR" altLang="en-US" dirty="0"/>
-              <a:t>아직 기계어 실행이 아님</a:t>
-            </a:r>
-            <a:r>
-              <a:rPr lang="en-US" altLang="ko-KR" dirty="0"/>
-              <a:t>. -&gt; </a:t>
-            </a:r>
-            <a:r>
-              <a:rPr lang="ko-KR" altLang="en-US" dirty="0"/>
-              <a:t>아직 중간 언어 상태</a:t>
-            </a:r>
-            <a:r>
-              <a:rPr lang="en-US" altLang="ko-KR" dirty="0"/>
-              <a:t>.</a:t>
-            </a:r>
-          </a:p>
-          <a:p>
-            <a:pPr marL="171450" indent="-171450">
-              <a:buFontTx/>
-              <a:buChar char="-"/>
-            </a:pPr>
-            <a:endParaRPr lang="en-US" altLang="ko-KR" dirty="0"/>
-          </a:p>
-          <a:p>
-            <a:r>
-              <a:rPr lang="en-US" altLang="ko-KR" dirty="0"/>
-              <a:t>4. RAM</a:t>
-            </a:r>
-            <a:r>
-              <a:rPr lang="ko-KR" altLang="en-US" dirty="0"/>
-              <a:t>에 로드 </a:t>
-            </a:r>
-            <a:r>
-              <a:rPr lang="en-US" altLang="ko-KR" dirty="0"/>
-              <a:t>-&gt; JIT </a:t>
-            </a:r>
-            <a:r>
-              <a:rPr lang="ko-KR" altLang="en-US" dirty="0"/>
-              <a:t>컴파일</a:t>
-            </a:r>
-            <a:r>
-              <a:rPr lang="en-US" altLang="ko-KR" dirty="0"/>
-              <a:t>.</a:t>
-            </a:r>
-          </a:p>
-          <a:p>
-            <a:pPr marL="171450" indent="-171450">
-              <a:buFontTx/>
-              <a:buChar char="-"/>
-            </a:pPr>
-            <a:r>
-              <a:rPr lang="en-US" altLang="ko-KR" dirty="0"/>
-              <a:t>.exe</a:t>
-            </a:r>
-            <a:r>
-              <a:rPr lang="ko-KR" altLang="en-US" dirty="0"/>
-              <a:t>에 담긴 </a:t>
-            </a:r>
-            <a:r>
-              <a:rPr lang="en-US" altLang="ko-KR" dirty="0"/>
-              <a:t>CIL </a:t>
-            </a:r>
-            <a:r>
-              <a:rPr lang="ko-KR" altLang="en-US" dirty="0"/>
-              <a:t>코드가 </a:t>
-            </a:r>
-            <a:r>
-              <a:rPr lang="en-US" altLang="ko-KR" dirty="0"/>
-              <a:t>CLR( </a:t>
-            </a:r>
-            <a:r>
-              <a:rPr lang="ko-KR" altLang="en-US" dirty="0"/>
-              <a:t>공통 언어 런타임 </a:t>
-            </a:r>
-            <a:r>
-              <a:rPr lang="en-US" altLang="ko-KR" dirty="0"/>
-              <a:t>)</a:t>
-            </a:r>
-            <a:r>
-              <a:rPr lang="ko-KR" altLang="en-US" dirty="0"/>
-              <a:t>을 통해 메모리</a:t>
-            </a:r>
-            <a:r>
-              <a:rPr lang="en-US" altLang="ko-KR" dirty="0"/>
-              <a:t>(RAM)</a:t>
-            </a:r>
-            <a:r>
-              <a:rPr lang="ko-KR" altLang="en-US" dirty="0"/>
-              <a:t>에 </a:t>
-            </a:r>
-            <a:r>
-              <a:rPr lang="ko-KR" altLang="en-US" dirty="0" err="1"/>
-              <a:t>로드됨</a:t>
-            </a:r>
-            <a:r>
-              <a:rPr lang="en-US" altLang="ko-KR" dirty="0"/>
-              <a:t>.</a:t>
-            </a:r>
-          </a:p>
-          <a:p>
-            <a:pPr marL="171450" indent="-171450">
-              <a:buFontTx/>
-              <a:buChar char="-"/>
-            </a:pPr>
-            <a:r>
-              <a:rPr lang="en-US" altLang="ko-KR" dirty="0"/>
-              <a:t>CLR</a:t>
-            </a:r>
-            <a:r>
-              <a:rPr lang="ko-KR" altLang="en-US" dirty="0"/>
-              <a:t>이 내부적으로 </a:t>
-            </a:r>
-            <a:r>
-              <a:rPr lang="en-US" altLang="ko-KR" dirty="0"/>
-              <a:t>JIT(Just-In-Time) </a:t>
-            </a:r>
-            <a:r>
-              <a:rPr lang="ko-KR" altLang="en-US" dirty="0"/>
-              <a:t>컴파일러를 작동시켜</a:t>
-            </a:r>
-            <a:r>
-              <a:rPr lang="en-US" altLang="ko-KR" dirty="0"/>
-              <a:t>,</a:t>
-            </a:r>
-          </a:p>
-          <a:p>
-            <a:pPr marL="628650" lvl="1" indent="-171450">
-              <a:buFontTx/>
-              <a:buChar char="-"/>
-            </a:pPr>
-            <a:r>
-              <a:rPr lang="ko-KR" altLang="en-US" dirty="0"/>
-              <a:t>로드된 </a:t>
-            </a:r>
-            <a:r>
-              <a:rPr lang="en-US" altLang="ko-KR" dirty="0"/>
-              <a:t>CIL </a:t>
-            </a:r>
-            <a:r>
-              <a:rPr lang="ko-KR" altLang="en-US" dirty="0"/>
-              <a:t>코드를 실시간으로 기계어로 번역</a:t>
-            </a:r>
-            <a:endParaRPr lang="en-US" altLang="ko-KR" dirty="0"/>
-          </a:p>
-          <a:p>
-            <a:pPr marL="628650" lvl="1" indent="-171450">
-              <a:buFontTx/>
-              <a:buChar char="-"/>
-            </a:pPr>
-            <a:r>
-              <a:rPr lang="ko-KR" altLang="en-US" dirty="0"/>
-              <a:t>그 후</a:t>
-            </a:r>
-            <a:r>
-              <a:rPr lang="en-US" altLang="ko-KR" dirty="0"/>
-              <a:t>, CPU</a:t>
-            </a:r>
-            <a:r>
-              <a:rPr lang="ko-KR" altLang="en-US" dirty="0"/>
-              <a:t>가 실행할 수 있는 진짜 코드로 작동</a:t>
-            </a:r>
-            <a:r>
-              <a:rPr lang="en-US" altLang="ko-KR" dirty="0"/>
-              <a:t>.</a:t>
-            </a:r>
-          </a:p>
-          <a:p>
-            <a:endParaRPr lang="en-US" altLang="ko-KR" dirty="0"/>
-          </a:p>
-          <a:p>
-            <a:r>
-              <a:rPr lang="ko-KR" altLang="en-US" dirty="0"/>
-              <a:t>회사이름 </a:t>
-            </a:r>
-            <a:r>
-              <a:rPr lang="en-US" altLang="ko-KR" dirty="0"/>
-              <a:t>: </a:t>
-            </a:r>
-            <a:r>
-              <a:rPr lang="ko-KR" altLang="en-US" dirty="0" err="1"/>
-              <a:t>핸들리</a:t>
-            </a:r>
-            <a:endParaRPr lang="en-US" altLang="ko-KR" dirty="0"/>
-          </a:p>
-          <a:p>
-            <a:r>
-              <a:rPr lang="en-US" altLang="ko-KR" dirty="0"/>
-              <a:t>1</a:t>
-            </a:r>
-            <a:r>
-              <a:rPr lang="ko-KR" altLang="en-US" dirty="0"/>
-              <a:t>단계 코드     </a:t>
-            </a:r>
-            <a:r>
-              <a:rPr lang="en-US" altLang="ko-KR" dirty="0"/>
-              <a:t>	</a:t>
-            </a:r>
-            <a:r>
-              <a:rPr lang="ko-KR" altLang="en-US" dirty="0"/>
-              <a:t>작성 </a:t>
-            </a:r>
-            <a:r>
-              <a:rPr lang="en-US" altLang="ko-KR" dirty="0"/>
-              <a:t>(.cs)</a:t>
-            </a:r>
-            <a:r>
-              <a:rPr lang="ko-KR" altLang="en-US" dirty="0"/>
-              <a:t>사람이 이해할 수 있는 </a:t>
-            </a:r>
-            <a:r>
-              <a:rPr lang="en-US" altLang="ko-KR" dirty="0"/>
-              <a:t>C# </a:t>
-            </a:r>
-            <a:r>
-              <a:rPr lang="ko-KR" altLang="en-US" dirty="0"/>
-              <a:t>코드 작성</a:t>
-            </a:r>
-            <a:endParaRPr lang="en-US" altLang="ko-KR" dirty="0"/>
-          </a:p>
-          <a:p>
-            <a:r>
-              <a:rPr lang="en-US" altLang="ko-KR" dirty="0"/>
-              <a:t>2</a:t>
-            </a:r>
-            <a:r>
-              <a:rPr lang="ko-KR" altLang="en-US" dirty="0"/>
-              <a:t>단계 빌드 </a:t>
-            </a:r>
-            <a:r>
-              <a:rPr lang="en-US" altLang="ko-KR" dirty="0"/>
-              <a:t>		(</a:t>
-            </a:r>
-            <a:r>
-              <a:rPr lang="ko-KR" altLang="en-US" dirty="0"/>
-              <a:t>컴파일 포함</a:t>
-            </a:r>
-            <a:r>
-              <a:rPr lang="en-US" altLang="ko-KR" dirty="0"/>
-              <a:t>)C# → CIL </a:t>
-            </a:r>
-            <a:r>
-              <a:rPr lang="ko-KR" altLang="en-US" dirty="0"/>
-              <a:t>중간 언어로 변환 → </a:t>
-            </a:r>
-            <a:r>
-              <a:rPr lang="en-US" altLang="ko-KR" dirty="0"/>
-              <a:t>.exe </a:t>
-            </a:r>
-            <a:r>
-              <a:rPr lang="ko-KR" altLang="en-US" dirty="0"/>
-              <a:t>생성</a:t>
-            </a:r>
-            <a:endParaRPr lang="en-US" altLang="ko-KR" dirty="0"/>
-          </a:p>
-          <a:p>
-            <a:r>
-              <a:rPr lang="en-US" altLang="ko-KR" dirty="0"/>
-              <a:t>3</a:t>
-            </a:r>
-            <a:r>
-              <a:rPr lang="ko-KR" altLang="en-US" dirty="0"/>
-              <a:t>단계 실행  </a:t>
-            </a:r>
-            <a:r>
-              <a:rPr lang="en-US" altLang="ko-KR" dirty="0"/>
-              <a:t>		(.exe </a:t>
-            </a:r>
-            <a:r>
-              <a:rPr lang="ko-KR" altLang="en-US" dirty="0"/>
-              <a:t>실행</a:t>
-            </a:r>
-            <a:r>
-              <a:rPr lang="en-US" altLang="ko-KR" dirty="0"/>
-              <a:t>)</a:t>
-            </a:r>
-            <a:r>
-              <a:rPr lang="ko-KR" altLang="en-US" dirty="0"/>
-              <a:t>프로그램을 실행하여 메모리에 올림</a:t>
-            </a:r>
-            <a:endParaRPr lang="en-US" altLang="ko-KR" dirty="0"/>
-          </a:p>
-          <a:p>
-            <a:r>
-              <a:rPr lang="en-US" altLang="ko-KR" dirty="0"/>
-              <a:t>4</a:t>
-            </a:r>
-            <a:r>
-              <a:rPr lang="ko-KR" altLang="en-US" dirty="0"/>
-              <a:t>단계 </a:t>
-            </a:r>
-            <a:r>
-              <a:rPr lang="en-US" altLang="ko-KR" dirty="0"/>
-              <a:t>CLR → RAM</a:t>
-            </a:r>
-            <a:r>
-              <a:rPr lang="ko-KR" altLang="en-US" dirty="0"/>
-              <a:t>에 로드    </a:t>
-            </a:r>
-            <a:r>
-              <a:rPr lang="en-US" altLang="ko-KR" dirty="0"/>
-              <a:t>CIL </a:t>
-            </a:r>
-            <a:r>
-              <a:rPr lang="ko-KR" altLang="en-US" dirty="0"/>
-              <a:t>코드가 실행 준비됨</a:t>
-            </a:r>
-            <a:endParaRPr lang="en-US" altLang="ko-KR" dirty="0"/>
-          </a:p>
-          <a:p>
-            <a:r>
-              <a:rPr lang="en-US" altLang="ko-KR" dirty="0"/>
-              <a:t>5</a:t>
-            </a:r>
-            <a:r>
-              <a:rPr lang="ko-KR" altLang="en-US" dirty="0"/>
-              <a:t>단계 </a:t>
-            </a:r>
-            <a:r>
-              <a:rPr lang="en-US" altLang="ko-KR" dirty="0"/>
-              <a:t>JIT </a:t>
-            </a:r>
-            <a:r>
-              <a:rPr lang="ko-KR" altLang="en-US" dirty="0"/>
-              <a:t>컴파일</a:t>
-            </a:r>
-            <a:r>
-              <a:rPr lang="en-US" altLang="ko-KR" dirty="0"/>
-              <a:t>	</a:t>
-            </a:r>
-            <a:r>
-              <a:rPr lang="ko-KR" altLang="en-US" dirty="0"/>
-              <a:t>중간 언어 → 기계어로 변환 → 실제 실행됨</a:t>
-            </a:r>
-            <a:endParaRPr lang="en-US" altLang="ko-KR" dirty="0"/>
           </a:p>
         </p:txBody>
       </p:sp>
@@ -4446,7 +1776,7 @@
           <a:p>
             <a:fld id="{C09E5BFC-1559-42F1-8940-AB342D56BF02}" type="slidenum">
               <a:rPr lang="ko-KR" altLang="en-US" smtClean="0"/>
-              <a:t>25</a:t>
+              <a:t>24</a:t>
             </a:fld>
             <a:endParaRPr lang="ko-KR" altLang="en-US"/>
           </a:p>
@@ -4455,7 +1785,7 @@
     </p:spTree>
     <p:extLst>
       <p:ext uri="{BB962C8B-B14F-4D97-AF65-F5344CB8AC3E}">
-        <p14:creationId xmlns:p14="http://schemas.microsoft.com/office/powerpoint/2010/main" val="745980262"/>
+        <p14:creationId xmlns:p14="http://schemas.microsoft.com/office/powerpoint/2010/main" val="3656932653"/>
       </p:ext>
     </p:extLst>
   </p:cSld>
@@ -4509,239 +1839,7 @@
           <a:bodyPr/>
           <a:lstStyle/>
           <a:p>
-            <a:r>
-              <a:rPr lang="ko-KR" altLang="en-US" dirty="0"/>
-              <a:t>컴퓨터는 기계어 즉</a:t>
-            </a:r>
-            <a:r>
-              <a:rPr lang="en-US" altLang="ko-KR" dirty="0"/>
-              <a:t>, 0 </a:t>
-            </a:r>
-            <a:r>
-              <a:rPr lang="ko-KR" altLang="en-US" dirty="0"/>
-              <a:t>또는 </a:t>
-            </a:r>
-            <a:r>
-              <a:rPr lang="en-US" altLang="ko-KR" dirty="0"/>
-              <a:t>1</a:t>
-            </a:r>
-            <a:r>
-              <a:rPr lang="ko-KR" altLang="en-US" dirty="0"/>
-              <a:t>로만 구성된 언어를 이해할 수 있다</a:t>
-            </a:r>
-            <a:r>
-              <a:rPr lang="en-US" altLang="ko-KR" dirty="0"/>
-              <a:t>. </a:t>
-            </a:r>
-          </a:p>
-          <a:p>
             <a:endParaRPr lang="en-US" altLang="ko-KR" dirty="0"/>
-          </a:p>
-          <a:p>
-            <a:r>
-              <a:rPr lang="ko-KR" altLang="en-US" dirty="0"/>
-              <a:t>따라서</a:t>
-            </a:r>
-            <a:r>
-              <a:rPr lang="en-US" altLang="ko-KR" dirty="0"/>
-              <a:t>, C# </a:t>
-            </a:r>
-            <a:r>
-              <a:rPr lang="ko-KR" altLang="en-US" dirty="0"/>
-              <a:t>문법으로 작성된 소스 코드를 기계어로 번역해줄 필요가 있는데</a:t>
-            </a:r>
-            <a:r>
-              <a:rPr lang="en-US" altLang="ko-KR" dirty="0"/>
-              <a:t>, </a:t>
-            </a:r>
-            <a:r>
-              <a:rPr lang="ko-KR" altLang="en-US" dirty="0"/>
-              <a:t>이 번역 과정을 컴파일이라고 하고</a:t>
-            </a:r>
-            <a:r>
-              <a:rPr lang="en-US" altLang="ko-KR" dirty="0"/>
-              <a:t>, </a:t>
-            </a:r>
-          </a:p>
-          <a:p>
-            <a:endParaRPr lang="en-US" altLang="ko-KR" dirty="0"/>
-          </a:p>
-          <a:p>
-            <a:r>
-              <a:rPr lang="ko-KR" altLang="en-US" dirty="0"/>
-              <a:t>번역을 해주는 프로그램을 컴파일러라고 한다</a:t>
-            </a:r>
-            <a:r>
-              <a:rPr lang="en-US" altLang="ko-KR" dirty="0"/>
-              <a:t>.  </a:t>
-            </a:r>
-          </a:p>
-          <a:p>
-            <a:endParaRPr lang="en-US" altLang="ko-KR" dirty="0"/>
-          </a:p>
-          <a:p>
-            <a:r>
-              <a:rPr lang="ko-KR" altLang="en-US" dirty="0"/>
-              <a:t>컴파일 과정에서 보통은 중간에 소스 코드와 기계어의 중간에서 </a:t>
-            </a:r>
-            <a:r>
-              <a:rPr lang="ko-KR" altLang="en-US" dirty="0" err="1"/>
-              <a:t>어샘블리</a:t>
-            </a:r>
-            <a:r>
-              <a:rPr lang="ko-KR" altLang="en-US" dirty="0"/>
-              <a:t> 코드로 변환이 된다</a:t>
-            </a:r>
-            <a:r>
-              <a:rPr lang="en-US" altLang="ko-KR" dirty="0"/>
-              <a:t>.</a:t>
-            </a:r>
-          </a:p>
-          <a:p>
-            <a:endParaRPr lang="en-US" altLang="ko-KR" dirty="0"/>
-          </a:p>
-          <a:p>
-            <a:r>
-              <a:rPr lang="en-US" altLang="ko-KR" dirty="0"/>
-              <a:t>MSIL</a:t>
-            </a:r>
-            <a:r>
-              <a:rPr lang="ko-KR" altLang="en-US" dirty="0"/>
-              <a:t>도 엄밀히 말하면 조금 다르지만</a:t>
-            </a:r>
-            <a:r>
-              <a:rPr lang="en-US" altLang="ko-KR" dirty="0"/>
-              <a:t>, C# </a:t>
-            </a:r>
-            <a:r>
-              <a:rPr lang="ko-KR" altLang="en-US" dirty="0"/>
-              <a:t>컴파일 과정에서는 </a:t>
-            </a:r>
-            <a:r>
-              <a:rPr lang="ko-KR" altLang="en-US" dirty="0" err="1"/>
-              <a:t>어샘블리</a:t>
-            </a:r>
-            <a:r>
-              <a:rPr lang="ko-KR" altLang="en-US" dirty="0"/>
-              <a:t> 코드의 역할을 한다고 볼 수 있다</a:t>
-            </a:r>
-            <a:r>
-              <a:rPr lang="en-US" altLang="ko-KR" dirty="0"/>
-              <a:t>.</a:t>
-            </a:r>
-            <a:r>
-              <a:rPr lang="ko-KR" altLang="en-US" dirty="0"/>
-              <a:t> </a:t>
-            </a:r>
-            <a:endParaRPr lang="en-US" altLang="ko-KR" dirty="0" smtClean="0"/>
-          </a:p>
-          <a:p>
-            <a:endParaRPr lang="en-US" altLang="ko-KR" dirty="0" smtClean="0"/>
-          </a:p>
-          <a:p>
-            <a:r>
-              <a:rPr lang="ko-KR" altLang="en-US" dirty="0" smtClean="0"/>
-              <a:t>🔹 </a:t>
-            </a:r>
-            <a:r>
-              <a:rPr lang="ko-KR" altLang="en-US" b="1" dirty="0" smtClean="0"/>
-              <a:t>그 이미지에 보이는 알파벳들은 진짜로 실행되는 코드가 아니라</a:t>
-            </a:r>
-            <a:r>
-              <a:rPr lang="ko-KR" altLang="en-US" dirty="0" smtClean="0"/>
-              <a:t/>
-            </a:r>
-            <a:br>
-              <a:rPr lang="ko-KR" altLang="en-US" dirty="0" smtClean="0"/>
-            </a:br>
-            <a:r>
-              <a:rPr lang="ko-KR" altLang="en-US" dirty="0" smtClean="0"/>
-              <a:t>🔹 **</a:t>
-            </a:r>
-            <a:r>
-              <a:rPr lang="en-US" altLang="ko-KR" dirty="0" smtClean="0"/>
-              <a:t>"</a:t>
-            </a:r>
-            <a:r>
-              <a:rPr lang="ko-KR" altLang="en-US" dirty="0" err="1" smtClean="0"/>
-              <a:t>바이트값</a:t>
-            </a:r>
-            <a:r>
-              <a:rPr lang="en-US" altLang="ko-KR" dirty="0" smtClean="0"/>
-              <a:t>(byte)</a:t>
-            </a:r>
-            <a:r>
-              <a:rPr lang="ko-KR" altLang="en-US" dirty="0" smtClean="0"/>
-              <a:t>을 사람이 보기 좋게 표현한 문자열</a:t>
-            </a:r>
-            <a:r>
-              <a:rPr lang="en-US" altLang="ko-KR" dirty="0" smtClean="0"/>
-              <a:t>"**</a:t>
-            </a:r>
-            <a:r>
-              <a:rPr lang="ko-KR" altLang="en-US" dirty="0" smtClean="0"/>
-              <a:t>이에요</a:t>
-            </a:r>
-            <a:r>
-              <a:rPr lang="en-US" altLang="ko-KR" dirty="0" smtClean="0"/>
-              <a:t>.</a:t>
-            </a:r>
-          </a:p>
-          <a:p>
-            <a:r>
-              <a:rPr lang="ko-KR" altLang="en-US" dirty="0" smtClean="0"/>
-              <a:t>즉</a:t>
-            </a:r>
-            <a:r>
-              <a:rPr lang="en-US" altLang="ko-KR" dirty="0" smtClean="0"/>
-              <a:t>, </a:t>
-            </a:r>
-            <a:r>
-              <a:rPr lang="en-US" altLang="ko-KR" b="1" dirty="0" smtClean="0"/>
-              <a:t>"</a:t>
-            </a:r>
-            <a:r>
-              <a:rPr lang="ko-KR" altLang="en-US" b="1" dirty="0" smtClean="0"/>
-              <a:t>컴퓨터가 실제로 이해하는 건 여전히 </a:t>
-            </a:r>
-            <a:r>
-              <a:rPr lang="en-US" altLang="ko-KR" b="1" dirty="0" smtClean="0"/>
-              <a:t>0</a:t>
-            </a:r>
-            <a:r>
-              <a:rPr lang="ko-KR" altLang="en-US" b="1" dirty="0" smtClean="0"/>
-              <a:t>과 </a:t>
-            </a:r>
-            <a:r>
-              <a:rPr lang="en-US" altLang="ko-KR" b="1" dirty="0" smtClean="0"/>
-              <a:t>1"</a:t>
-            </a:r>
-            <a:r>
-              <a:rPr lang="en-US" altLang="ko-KR" dirty="0" smtClean="0"/>
-              <a:t>,</a:t>
-            </a:r>
-            <a:br>
-              <a:rPr lang="en-US" altLang="ko-KR" dirty="0" smtClean="0"/>
-            </a:br>
-            <a:r>
-              <a:rPr lang="ko-KR" altLang="en-US" dirty="0" smtClean="0"/>
-              <a:t>보이는 건 </a:t>
-            </a:r>
-            <a:r>
-              <a:rPr lang="ko-KR" altLang="en-US" b="1" dirty="0" smtClean="0"/>
-              <a:t>우리를 위한 해석 방식</a:t>
-            </a:r>
-            <a:r>
-              <a:rPr lang="ko-KR" altLang="en-US" dirty="0" smtClean="0"/>
-              <a:t>입니다</a:t>
-            </a:r>
-            <a:r>
-              <a:rPr lang="en-US" altLang="ko-KR" dirty="0" smtClean="0"/>
-              <a:t>.</a:t>
-            </a:r>
-          </a:p>
-          <a:p>
-            <a:endParaRPr lang="ko-KR" altLang="en-US" dirty="0"/>
           </a:p>
         </p:txBody>
       </p:sp>
@@ -4762,7 +1860,7 @@
           <a:p>
             <a:fld id="{C09E5BFC-1559-42F1-8940-AB342D56BF02}" type="slidenum">
               <a:rPr lang="ko-KR" altLang="en-US" smtClean="0"/>
-              <a:t>26</a:t>
+              <a:t>25</a:t>
             </a:fld>
             <a:endParaRPr lang="ko-KR" altLang="en-US"/>
           </a:p>
@@ -4771,7 +1869,7 @@
     </p:spTree>
     <p:extLst>
       <p:ext uri="{BB962C8B-B14F-4D97-AF65-F5344CB8AC3E}">
-        <p14:creationId xmlns:p14="http://schemas.microsoft.com/office/powerpoint/2010/main" val="3045503442"/>
+        <p14:creationId xmlns:p14="http://schemas.microsoft.com/office/powerpoint/2010/main" val="745980262"/>
       </p:ext>
     </p:extLst>
   </p:cSld>
@@ -4846,7 +1944,7 @@
           <a:p>
             <a:fld id="{C09E5BFC-1559-42F1-8940-AB342D56BF02}" type="slidenum">
               <a:rPr lang="ko-KR" altLang="en-US" smtClean="0"/>
-              <a:t>27</a:t>
+              <a:t>26</a:t>
             </a:fld>
             <a:endParaRPr lang="ko-KR" altLang="en-US"/>
           </a:p>
@@ -4855,7 +1953,7 @@
     </p:spTree>
     <p:extLst>
       <p:ext uri="{BB962C8B-B14F-4D97-AF65-F5344CB8AC3E}">
-        <p14:creationId xmlns:p14="http://schemas.microsoft.com/office/powerpoint/2010/main" val="3608061661"/>
+        <p14:creationId xmlns:p14="http://schemas.microsoft.com/office/powerpoint/2010/main" val="3045503442"/>
       </p:ext>
     </p:extLst>
   </p:cSld>
@@ -4909,7 +2007,7 @@
           <a:bodyPr/>
           <a:lstStyle/>
           <a:p>
-            <a:endParaRPr lang="ko-KR" altLang="en-US"/>
+            <a:endParaRPr lang="ko-KR" altLang="en-US" dirty="0"/>
           </a:p>
         </p:txBody>
       </p:sp>
@@ -4930,7 +2028,7 @@
           <a:p>
             <a:fld id="{C09E5BFC-1559-42F1-8940-AB342D56BF02}" type="slidenum">
               <a:rPr lang="ko-KR" altLang="en-US" smtClean="0"/>
-              <a:t>28</a:t>
+              <a:t>27</a:t>
             </a:fld>
             <a:endParaRPr lang="ko-KR" altLang="en-US"/>
           </a:p>
@@ -4939,7 +2037,7 @@
     </p:spTree>
     <p:extLst>
       <p:ext uri="{BB962C8B-B14F-4D97-AF65-F5344CB8AC3E}">
-        <p14:creationId xmlns:p14="http://schemas.microsoft.com/office/powerpoint/2010/main" val="547581966"/>
+        <p14:creationId xmlns:p14="http://schemas.microsoft.com/office/powerpoint/2010/main" val="3608061661"/>
       </p:ext>
     </p:extLst>
   </p:cSld>
@@ -4993,7 +2091,7 @@
           <a:bodyPr/>
           <a:lstStyle/>
           <a:p>
-            <a:endParaRPr lang="ko-KR" altLang="en-US" dirty="0"/>
+            <a:endParaRPr lang="ko-KR" altLang="en-US"/>
           </a:p>
         </p:txBody>
       </p:sp>
@@ -5014,7 +2112,7 @@
           <a:p>
             <a:fld id="{C09E5BFC-1559-42F1-8940-AB342D56BF02}" type="slidenum">
               <a:rPr lang="ko-KR" altLang="en-US" smtClean="0"/>
-              <a:t>29</a:t>
+              <a:t>28</a:t>
             </a:fld>
             <a:endParaRPr lang="ko-KR" altLang="en-US"/>
           </a:p>
@@ -5023,7 +2121,7 @@
     </p:spTree>
     <p:extLst>
       <p:ext uri="{BB962C8B-B14F-4D97-AF65-F5344CB8AC3E}">
-        <p14:creationId xmlns:p14="http://schemas.microsoft.com/office/powerpoint/2010/main" val="968996158"/>
+        <p14:creationId xmlns:p14="http://schemas.microsoft.com/office/powerpoint/2010/main" val="547581966"/>
       </p:ext>
     </p:extLst>
   </p:cSld>
@@ -5077,35 +2175,6 @@
           <a:bodyPr/>
           <a:lstStyle/>
           <a:p>
-            <a:r>
-              <a:rPr lang="ko-KR" altLang="en-US" dirty="0" err="1"/>
-              <a:t>한줄용</a:t>
-            </a:r>
-            <a:r>
-              <a:rPr lang="ko-KR" altLang="en-US" dirty="0"/>
-              <a:t> 주석 </a:t>
-            </a:r>
-            <a:r>
-              <a:rPr lang="en-US" altLang="ko-KR" dirty="0"/>
-              <a:t>//</a:t>
-            </a:r>
-          </a:p>
-          <a:p>
-            <a:endParaRPr lang="en-US" altLang="ko-KR" dirty="0"/>
-          </a:p>
-          <a:p>
-            <a:r>
-              <a:rPr lang="ko-KR" altLang="en-US" dirty="0" err="1"/>
-              <a:t>여러줄용</a:t>
-            </a:r>
-            <a:r>
-              <a:rPr lang="ko-KR" altLang="en-US" dirty="0"/>
-              <a:t> 주석 </a:t>
-            </a:r>
-            <a:r>
-              <a:rPr lang="en-US" altLang="ko-KR" dirty="0"/>
-              <a:t>/* */</a:t>
-            </a:r>
             <a:endParaRPr lang="ko-KR" altLang="en-US" dirty="0"/>
           </a:p>
         </p:txBody>
@@ -5127,7 +2196,7 @@
           <a:p>
             <a:fld id="{C09E5BFC-1559-42F1-8940-AB342D56BF02}" type="slidenum">
               <a:rPr lang="ko-KR" altLang="en-US" smtClean="0"/>
-              <a:t>30</a:t>
+              <a:t>29</a:t>
             </a:fld>
             <a:endParaRPr lang="ko-KR" altLang="en-US"/>
           </a:p>
@@ -5136,7 +2205,7 @@
     </p:spTree>
     <p:extLst>
       <p:ext uri="{BB962C8B-B14F-4D97-AF65-F5344CB8AC3E}">
-        <p14:creationId xmlns:p14="http://schemas.microsoft.com/office/powerpoint/2010/main" val="3802564307"/>
+        <p14:creationId xmlns:p14="http://schemas.microsoft.com/office/powerpoint/2010/main" val="968996158"/>
       </p:ext>
     </p:extLst>
   </p:cSld>
@@ -5191,40 +2260,33 @@
           <a:lstStyle/>
           <a:p>
             <a:r>
+              <a:rPr lang="ko-KR" altLang="en-US" dirty="0" err="1"/>
+              <a:t>한줄용</a:t>
+            </a:r>
+            <a:r>
+              <a:rPr lang="ko-KR" altLang="en-US" dirty="0"/>
+              <a:t> 주석 </a:t>
+            </a:r>
+            <a:r>
               <a:rPr lang="en-US" altLang="ko-KR" dirty="0"/>
-              <a:t>Windows Forms</a:t>
+              <a:t>//</a:t>
+            </a:r>
+          </a:p>
+          <a:p>
+            <a:endParaRPr lang="en-US" altLang="ko-KR" dirty="0"/>
+          </a:p>
+          <a:p>
+            <a:r>
+              <a:rPr lang="ko-KR" altLang="en-US" dirty="0" err="1"/>
+              <a:t>여러줄용</a:t>
             </a:r>
             <a:r>
               <a:rPr lang="ko-KR" altLang="en-US" dirty="0"/>
-              <a:t>의 </a:t>
-            </a:r>
-            <a:r>
-              <a:rPr lang="en-US" altLang="ko-KR" dirty="0" err="1"/>
-              <a:t>TextBox</a:t>
-            </a:r>
-            <a:r>
-              <a:rPr lang="ko-KR" altLang="en-US" dirty="0"/>
-              <a:t>에서는 </a:t>
+              <a:t> 주석 </a:t>
             </a:r>
             <a:r>
               <a:rPr lang="en-US" altLang="ko-KR" dirty="0"/>
-              <a:t>\r\n</a:t>
-            </a:r>
-            <a:r>
-              <a:rPr lang="ko-KR" altLang="en-US" dirty="0"/>
-              <a:t>을 함께 써야 </a:t>
-            </a:r>
-            <a:r>
-              <a:rPr lang="ko-KR" altLang="en-US" dirty="0" err="1"/>
-              <a:t>줄바꿈이</a:t>
-            </a:r>
-            <a:r>
-              <a:rPr lang="ko-KR" altLang="en-US" dirty="0"/>
-              <a:t> 정확하게 동작합니다</a:t>
-            </a:r>
-            <a:r>
-              <a:rPr lang="en-US" altLang="ko-KR" dirty="0"/>
-              <a:t>.</a:t>
+              <a:t>/* */</a:t>
             </a:r>
             <a:endParaRPr lang="ko-KR" altLang="en-US" dirty="0"/>
           </a:p>
@@ -5247,7 +2309,7 @@
           <a:p>
             <a:fld id="{C09E5BFC-1559-42F1-8940-AB342D56BF02}" type="slidenum">
               <a:rPr lang="ko-KR" altLang="en-US" smtClean="0"/>
-              <a:t>31</a:t>
+              <a:t>30</a:t>
             </a:fld>
             <a:endParaRPr lang="ko-KR" altLang="en-US"/>
           </a:p>
@@ -5256,7 +2318,7 @@
     </p:spTree>
     <p:extLst>
       <p:ext uri="{BB962C8B-B14F-4D97-AF65-F5344CB8AC3E}">
-        <p14:creationId xmlns:p14="http://schemas.microsoft.com/office/powerpoint/2010/main" val="1741975947"/>
+        <p14:creationId xmlns:p14="http://schemas.microsoft.com/office/powerpoint/2010/main" val="3802564307"/>
       </p:ext>
     </p:extLst>
   </p:cSld>
@@ -5310,160 +2372,6 @@
           <a:bodyPr/>
           <a:lstStyle/>
           <a:p>
-            <a:r>
-              <a:rPr lang="en-US" altLang="ko-KR" dirty="0"/>
-              <a:t>VS</a:t>
-            </a:r>
-            <a:r>
-              <a:rPr lang="ko-KR" altLang="en-US" dirty="0"/>
-              <a:t>에서 제공하는 대화형 콘솔 환경</a:t>
-            </a:r>
-            <a:r>
-              <a:rPr lang="en-US" altLang="ko-KR" dirty="0"/>
-              <a:t>!</a:t>
-            </a:r>
-          </a:p>
-          <a:p>
-            <a:r>
-              <a:rPr lang="ko-KR" altLang="en-US" dirty="0"/>
-              <a:t>한 줄씩 </a:t>
-            </a:r>
-            <a:r>
-              <a:rPr lang="en-US" altLang="ko-KR" dirty="0"/>
-              <a:t>C# </a:t>
-            </a:r>
-            <a:r>
-              <a:rPr lang="ko-KR" altLang="en-US" dirty="0"/>
-              <a:t>코드를 입력하고 즉시 실행 결과를 확인할 수 있는 도구임</a:t>
-            </a:r>
-            <a:r>
-              <a:rPr lang="en-US" altLang="ko-KR" dirty="0"/>
-              <a:t>.</a:t>
-            </a:r>
-          </a:p>
-          <a:p>
-            <a:endParaRPr lang="ko-KR" altLang="en-US" dirty="0"/>
-          </a:p>
-          <a:p>
-            <a:pPr marL="171450" marR="0" lvl="0" indent="-171450" algn="l" defTabSz="914400" rtl="0" eaLnBrk="1" fontAlgn="auto" latinLnBrk="1" hangingPunct="1">
-              <a:lnSpc>
-                <a:spcPct val="100000"/>
-              </a:lnSpc>
-              <a:spcBef>
-                <a:spcPts val="0"/>
-              </a:spcBef>
-              <a:spcAft>
-                <a:spcPts val="0"/>
-              </a:spcAft>
-              <a:buClrTx/>
-              <a:buSzTx/>
-              <a:buFontTx/>
-              <a:buChar char="-"/>
-              <a:tabLst/>
-              <a:defRPr/>
-            </a:pPr>
-            <a:r>
-              <a:rPr lang="ko-KR" altLang="en-US" dirty="0"/>
-              <a:t>테스트용 </a:t>
-            </a:r>
-            <a:r>
-              <a:rPr lang="en-US" altLang="ko-KR" dirty="0"/>
-              <a:t>(</a:t>
-            </a:r>
-            <a:r>
-              <a:rPr lang="ko-KR" altLang="en-US" dirty="0"/>
-              <a:t>짧은 코드 실험</a:t>
-            </a:r>
-            <a:r>
-              <a:rPr lang="en-US" altLang="ko-KR" dirty="0"/>
-              <a:t>, </a:t>
-            </a:r>
-            <a:r>
-              <a:rPr lang="ko-KR" altLang="en-US" dirty="0"/>
-              <a:t>변수 테스트 등에 좋음</a:t>
-            </a:r>
-            <a:r>
-              <a:rPr lang="en-US" altLang="ko-KR" dirty="0"/>
-              <a:t>)</a:t>
-            </a:r>
-          </a:p>
-          <a:p>
-            <a:pPr marL="171450" indent="-171450">
-              <a:buFontTx/>
-              <a:buChar char="-"/>
-            </a:pPr>
-            <a:r>
-              <a:rPr lang="en-US" altLang="ko-KR" dirty="0"/>
-              <a:t>IME </a:t>
-            </a:r>
-            <a:r>
-              <a:rPr lang="ko-KR" altLang="en-US" dirty="0"/>
-              <a:t>오류가 많음</a:t>
-            </a:r>
-            <a:r>
-              <a:rPr lang="en-US" altLang="ko-KR" dirty="0"/>
-              <a:t>.</a:t>
-            </a:r>
-          </a:p>
-          <a:p>
-            <a:pPr marL="171450" indent="-171450">
-              <a:buFontTx/>
-              <a:buChar char="-"/>
-            </a:pPr>
-            <a:r>
-              <a:rPr lang="en-US" altLang="ko-KR" dirty="0"/>
-              <a:t>C# Interactive</a:t>
-            </a:r>
-            <a:r>
-              <a:rPr lang="ko-KR" altLang="en-US" dirty="0"/>
-              <a:t>가 한글 조합 상태를 지원하지 못함</a:t>
-            </a:r>
-            <a:endParaRPr lang="en-US" altLang="ko-KR" dirty="0"/>
-          </a:p>
-          <a:p>
-            <a:pPr marL="0" indent="0">
-              <a:buFontTx/>
-              <a:buNone/>
-            </a:pPr>
-            <a:r>
-              <a:rPr lang="en-US" altLang="ko-KR" dirty="0"/>
-              <a:t>&gt; </a:t>
-            </a:r>
-            <a:r>
-              <a:rPr lang="ko-KR" altLang="en-US" dirty="0"/>
-              <a:t>메모장</a:t>
-            </a:r>
-            <a:r>
-              <a:rPr lang="en-US" altLang="ko-KR" dirty="0"/>
-              <a:t>/</a:t>
-            </a:r>
-            <a:r>
-              <a:rPr lang="ko-KR" altLang="en-US" dirty="0"/>
-              <a:t>편집기에서 입력 후 복사</a:t>
-            </a:r>
-            <a:r>
-              <a:rPr lang="en-US" altLang="ko-KR" dirty="0"/>
-              <a:t>-</a:t>
-            </a:r>
-            <a:r>
-              <a:rPr lang="ko-KR" altLang="en-US" dirty="0"/>
-              <a:t>붙여넣기</a:t>
-            </a:r>
-            <a:r>
-              <a:rPr lang="en-US" altLang="ko-KR" dirty="0"/>
-              <a:t>, </a:t>
-            </a:r>
-            <a:r>
-              <a:rPr lang="ko-KR" altLang="en-US" dirty="0"/>
-              <a:t>또는 콘솔 앱 사용</a:t>
-            </a:r>
-            <a:endParaRPr lang="en-US" altLang="ko-KR" dirty="0"/>
-          </a:p>
-          <a:p>
-            <a:pPr marL="171450" indent="-171450">
-              <a:buFontTx/>
-              <a:buChar char="-"/>
-            </a:pPr>
             <a:endParaRPr lang="ko-KR" altLang="en-US" dirty="0"/>
           </a:p>
         </p:txBody>
@@ -5485,7 +2393,7 @@
           <a:p>
             <a:fld id="{C09E5BFC-1559-42F1-8940-AB342D56BF02}" type="slidenum">
               <a:rPr lang="ko-KR" altLang="en-US" smtClean="0"/>
-              <a:t>32</a:t>
+              <a:t>31</a:t>
             </a:fld>
             <a:endParaRPr lang="ko-KR" altLang="en-US"/>
           </a:p>
@@ -5494,7 +2402,7 @@
     </p:spTree>
     <p:extLst>
       <p:ext uri="{BB962C8B-B14F-4D97-AF65-F5344CB8AC3E}">
-        <p14:creationId xmlns:p14="http://schemas.microsoft.com/office/powerpoint/2010/main" val="4268995223"/>
+        <p14:creationId xmlns:p14="http://schemas.microsoft.com/office/powerpoint/2010/main" val="1741975947"/>
       </p:ext>
     </p:extLst>
   </p:cSld>
@@ -5566,65 +2474,6 @@
           <a:bodyPr/>
           <a:lstStyle/>
           <a:p>
-            <a:r>
-              <a:rPr lang="en-US" altLang="ko-KR" dirty="0"/>
-              <a:t>C#</a:t>
-            </a:r>
-            <a:r>
-              <a:rPr lang="ko-KR" altLang="en-US" dirty="0"/>
-              <a:t>도 정적 타입의 언어</a:t>
-            </a:r>
-            <a:r>
-              <a:rPr lang="en-US" altLang="ko-KR" dirty="0"/>
-              <a:t>, </a:t>
-            </a:r>
-            <a:r>
-              <a:rPr lang="ko-KR" altLang="en-US" dirty="0"/>
-              <a:t>데이터 타입을 정확하게 명시해주지 않으면 실행도 못하고 오류가 발생</a:t>
-            </a:r>
-            <a:r>
-              <a:rPr lang="en-US" altLang="ko-KR" dirty="0"/>
-              <a:t>.</a:t>
-            </a:r>
-          </a:p>
-          <a:p>
-            <a:endParaRPr lang="en-US" altLang="ko-KR" dirty="0"/>
-          </a:p>
-          <a:p>
-            <a:r>
-              <a:rPr lang="ko-KR" altLang="en-US" dirty="0"/>
-              <a:t>하지만</a:t>
-            </a:r>
-            <a:r>
-              <a:rPr lang="en-US" altLang="ko-KR" dirty="0"/>
-              <a:t>, </a:t>
-            </a:r>
-            <a:r>
-              <a:rPr lang="ko-KR" altLang="en-US" dirty="0"/>
-              <a:t>정적 타입 언어가 한 편으로는 개발에 있어 신뢰성과 직관성이 있기 때문에 자바스크립트에서 파생되어 타입스크립트가 나왔고</a:t>
-            </a:r>
-            <a:endParaRPr lang="en-US" altLang="ko-KR" dirty="0"/>
-          </a:p>
-          <a:p>
-            <a:endParaRPr lang="en-US" altLang="ko-KR" dirty="0"/>
-          </a:p>
-          <a:p>
-            <a:r>
-              <a:rPr lang="ko-KR" altLang="en-US" dirty="0" err="1"/>
-              <a:t>파이썬에서도</a:t>
-            </a:r>
-            <a:r>
-              <a:rPr lang="ko-KR" altLang="en-US" dirty="0"/>
-              <a:t> 데이터 형식을 명시할 수 있는 옵션이 </a:t>
-            </a:r>
-            <a:r>
-              <a:rPr lang="en-US" altLang="ko-KR" dirty="0"/>
-              <a:t>3.5 </a:t>
-            </a:r>
-            <a:r>
-              <a:rPr lang="ko-KR" altLang="en-US" dirty="0"/>
-              <a:t>버전에서 추가되었음</a:t>
-            </a:r>
             <a:endParaRPr lang="en-US" altLang="ko-KR" dirty="0"/>
           </a:p>
         </p:txBody>
@@ -5662,6 +2511,94 @@
     <p:extLst>
       <p:ext uri="{BB962C8B-B14F-4D97-AF65-F5344CB8AC3E}">
         <p14:creationId xmlns:p14="http://schemas.microsoft.com/office/powerpoint/2010/main" val="2152218093"/>
+      </p:ext>
+    </p:extLst>
+  </p:cSld>
+  <p:clrMapOvr>
+    <a:masterClrMapping/>
+  </p:clrMapOvr>
+</p:notes>
+</file>
+
+<file path=ppt/notesSlides/notesSlide30.xml><?xml version="1.0" encoding="utf-8"?>
+<p:notes xmlns:a="http://schemas.openxmlformats.org/drawingml/2006/main" xmlns:r="http://schemas.openxmlformats.org/officeDocument/2006/relationships" xmlns:p="http://schemas.openxmlformats.org/presentationml/2006/main">
+  <p:cSld>
+    <p:spTree>
+      <p:nvGrpSpPr>
+        <p:cNvPr id="1" name=""/>
+        <p:cNvGrpSpPr/>
+        <p:nvPr/>
+      </p:nvGrpSpPr>
+      <p:grpSpPr>
+        <a:xfrm>
+          <a:off x="0" y="0"/>
+          <a:ext cx="0" cy="0"/>
+          <a:chOff x="0" y="0"/>
+          <a:chExt cx="0" cy="0"/>
+        </a:xfrm>
+      </p:grpSpPr>
+      <p:sp>
+        <p:nvSpPr>
+          <p:cNvPr id="2" name="슬라이드 이미지 개체 틀 1"/>
+          <p:cNvSpPr>
+            <a:spLocks noGrp="1" noRot="1" noChangeAspect="1"/>
+          </p:cNvSpPr>
+          <p:nvPr>
+            <p:ph type="sldImg"/>
+          </p:nvPr>
+        </p:nvSpPr>
+        <p:spPr/>
+      </p:sp>
+      <p:sp>
+        <p:nvSpPr>
+          <p:cNvPr id="3" name="슬라이드 노트 개체 틀 2"/>
+          <p:cNvSpPr>
+            <a:spLocks noGrp="1"/>
+          </p:cNvSpPr>
+          <p:nvPr>
+            <p:ph type="body" idx="1"/>
+          </p:nvPr>
+        </p:nvSpPr>
+        <p:spPr/>
+        <p:txBody>
+          <a:bodyPr/>
+          <a:lstStyle/>
+          <a:p>
+            <a:pPr marL="171450" indent="-171450">
+              <a:buFontTx/>
+              <a:buChar char="-"/>
+            </a:pPr>
+            <a:endParaRPr lang="ko-KR" altLang="en-US" dirty="0"/>
+          </a:p>
+        </p:txBody>
+      </p:sp>
+      <p:sp>
+        <p:nvSpPr>
+          <p:cNvPr id="4" name="슬라이드 번호 개체 틀 3"/>
+          <p:cNvSpPr>
+            <a:spLocks noGrp="1"/>
+          </p:cNvSpPr>
+          <p:nvPr>
+            <p:ph type="sldNum" sz="quarter" idx="5"/>
+          </p:nvPr>
+        </p:nvSpPr>
+        <p:spPr/>
+        <p:txBody>
+          <a:bodyPr/>
+          <a:lstStyle/>
+          <a:p>
+            <a:fld id="{C09E5BFC-1559-42F1-8940-AB342D56BF02}" type="slidenum">
+              <a:rPr lang="ko-KR" altLang="en-US" smtClean="0"/>
+              <a:t>32</a:t>
+            </a:fld>
+            <a:endParaRPr lang="ko-KR" altLang="en-US"/>
+          </a:p>
+        </p:txBody>
+      </p:sp>
+    </p:spTree>
+    <p:extLst>
+      <p:ext uri="{BB962C8B-B14F-4D97-AF65-F5344CB8AC3E}">
+        <p14:creationId xmlns:p14="http://schemas.microsoft.com/office/powerpoint/2010/main" val="4268995223"/>
       </p:ext>
     </p:extLst>
   </p:cSld>
@@ -5823,624 +2760,6 @@
           <a:bodyPr/>
           <a:lstStyle/>
           <a:p>
-            <a:r>
-              <a:rPr lang="en-US" altLang="ko-KR" b="0" i="0" dirty="0">
-                <a:solidFill>
-                  <a:srgbClr val="333333"/>
-                </a:solidFill>
-                <a:effectLst/>
-                <a:latin typeface="Malgun Gothic" panose="020B0503020000020004" pitchFamily="50" charset="-127"/>
-                <a:ea typeface="Malgun Gothic" panose="020B0503020000020004" pitchFamily="50" charset="-127"/>
-              </a:rPr>
-              <a:t>C#</a:t>
-            </a:r>
-            <a:r>
-              <a:rPr lang="ko-KR" altLang="en-US" b="0" i="0" dirty="0">
-                <a:solidFill>
-                  <a:srgbClr val="333333"/>
-                </a:solidFill>
-                <a:effectLst/>
-                <a:latin typeface="Malgun Gothic" panose="020B0503020000020004" pitchFamily="50" charset="-127"/>
-                <a:ea typeface="Malgun Gothic" panose="020B0503020000020004" pitchFamily="50" charset="-127"/>
-              </a:rPr>
-              <a:t>을 배우다 보면 반드시 만나게 되는 것이 바로 </a:t>
-            </a:r>
-            <a:r>
-              <a:rPr lang="en-US" altLang="ko-KR" b="0" i="0" dirty="0">
-                <a:solidFill>
-                  <a:srgbClr val="333333"/>
-                </a:solidFill>
-                <a:effectLst/>
-                <a:latin typeface="Malgun Gothic" panose="020B0503020000020004" pitchFamily="50" charset="-127"/>
-                <a:ea typeface="Malgun Gothic" panose="020B0503020000020004" pitchFamily="50" charset="-127"/>
-              </a:rPr>
-              <a:t>.NET (</a:t>
-            </a:r>
-            <a:r>
-              <a:rPr lang="ko-KR" altLang="en-US" b="0" i="0" dirty="0">
-                <a:solidFill>
-                  <a:srgbClr val="333333"/>
-                </a:solidFill>
-                <a:effectLst/>
-                <a:latin typeface="Malgun Gothic" panose="020B0503020000020004" pitchFamily="50" charset="-127"/>
-                <a:ea typeface="Malgun Gothic" panose="020B0503020000020004" pitchFamily="50" charset="-127"/>
-              </a:rPr>
-              <a:t>닷넷</a:t>
-            </a:r>
-            <a:r>
-              <a:rPr lang="en-US" altLang="ko-KR" b="0" i="0" dirty="0">
-                <a:solidFill>
-                  <a:srgbClr val="333333"/>
-                </a:solidFill>
-                <a:effectLst/>
-                <a:latin typeface="Malgun Gothic" panose="020B0503020000020004" pitchFamily="50" charset="-127"/>
-                <a:ea typeface="Malgun Gothic" panose="020B0503020000020004" pitchFamily="50" charset="-127"/>
-              </a:rPr>
-              <a:t>) </a:t>
-            </a:r>
-            <a:r>
-              <a:rPr lang="ko-KR" altLang="en-US" b="0" i="0" dirty="0">
-                <a:solidFill>
-                  <a:srgbClr val="333333"/>
-                </a:solidFill>
-                <a:effectLst/>
-                <a:latin typeface="Malgun Gothic" panose="020B0503020000020004" pitchFamily="50" charset="-127"/>
-                <a:ea typeface="Malgun Gothic" panose="020B0503020000020004" pitchFamily="50" charset="-127"/>
-              </a:rPr>
-              <a:t>이다</a:t>
-            </a:r>
-            <a:r>
-              <a:rPr lang="en-US" altLang="ko-KR" b="0" i="0" dirty="0">
-                <a:solidFill>
-                  <a:srgbClr val="333333"/>
-                </a:solidFill>
-                <a:effectLst/>
-                <a:latin typeface="Malgun Gothic" panose="020B0503020000020004" pitchFamily="50" charset="-127"/>
-                <a:ea typeface="Malgun Gothic" panose="020B0503020000020004" pitchFamily="50" charset="-127"/>
-              </a:rPr>
-              <a:t>.</a:t>
-            </a:r>
-          </a:p>
-          <a:p>
-            <a:pPr marL="171450" indent="-171450">
-              <a:buFontTx/>
-              <a:buChar char="-"/>
-            </a:pPr>
-            <a:r>
-              <a:rPr lang="en-US" altLang="ko-KR" b="0" i="0" dirty="0">
-                <a:solidFill>
-                  <a:srgbClr val="333333"/>
-                </a:solidFill>
-                <a:effectLst/>
-                <a:latin typeface="Malgun Gothic" panose="020B0503020000020004" pitchFamily="50" charset="-127"/>
-                <a:ea typeface="Malgun Gothic" panose="020B0503020000020004" pitchFamily="50" charset="-127"/>
-              </a:rPr>
-              <a:t>C#</a:t>
-            </a:r>
-            <a:r>
-              <a:rPr lang="ko-KR" altLang="en-US" b="0" i="0" dirty="0">
-                <a:solidFill>
-                  <a:srgbClr val="333333"/>
-                </a:solidFill>
-                <a:effectLst/>
-                <a:latin typeface="Malgun Gothic" panose="020B0503020000020004" pitchFamily="50" charset="-127"/>
-                <a:ea typeface="Malgun Gothic" panose="020B0503020000020004" pitchFamily="50" charset="-127"/>
-              </a:rPr>
-              <a:t>을 실제로 실행시켜주는 기반 환경</a:t>
-            </a:r>
-            <a:r>
-              <a:rPr lang="en-US" altLang="ko-KR" b="0" i="0" dirty="0">
-                <a:solidFill>
-                  <a:srgbClr val="333333"/>
-                </a:solidFill>
-                <a:effectLst/>
-                <a:latin typeface="Malgun Gothic" panose="020B0503020000020004" pitchFamily="50" charset="-127"/>
-                <a:ea typeface="Malgun Gothic" panose="020B0503020000020004" pitchFamily="50" charset="-127"/>
-              </a:rPr>
-              <a:t>, </a:t>
-            </a:r>
-            <a:r>
-              <a:rPr lang="ko-KR" altLang="en-US" b="0" i="0" dirty="0">
-                <a:solidFill>
-                  <a:srgbClr val="333333"/>
-                </a:solidFill>
-                <a:effectLst/>
-                <a:latin typeface="Malgun Gothic" panose="020B0503020000020004" pitchFamily="50" charset="-127"/>
-                <a:ea typeface="Malgun Gothic" panose="020B0503020000020004" pitchFamily="50" charset="-127"/>
-              </a:rPr>
-              <a:t>개발자가 다양한 프로그램을 쉽게 만들 수 있도록 도와주는 플랫폼</a:t>
-            </a:r>
-            <a:r>
-              <a:rPr lang="en-US" altLang="ko-KR" b="0" i="0" dirty="0">
-                <a:solidFill>
-                  <a:srgbClr val="333333"/>
-                </a:solidFill>
-                <a:effectLst/>
-                <a:latin typeface="Malgun Gothic" panose="020B0503020000020004" pitchFamily="50" charset="-127"/>
-                <a:ea typeface="Malgun Gothic" panose="020B0503020000020004" pitchFamily="50" charset="-127"/>
-              </a:rPr>
-              <a:t>.</a:t>
-            </a:r>
-          </a:p>
-          <a:p>
-            <a:pPr marL="0" indent="0">
-              <a:buFontTx/>
-              <a:buNone/>
-            </a:pPr>
-            <a:endParaRPr lang="en-US" altLang="ko-KR" b="0" i="0" dirty="0">
-              <a:solidFill>
-                <a:srgbClr val="333333"/>
-              </a:solidFill>
-              <a:effectLst/>
-              <a:latin typeface="Malgun Gothic" panose="020B0503020000020004" pitchFamily="50" charset="-127"/>
-              <a:ea typeface="Malgun Gothic" panose="020B0503020000020004" pitchFamily="50" charset="-127"/>
-            </a:endParaRPr>
-          </a:p>
-          <a:p>
-            <a:pPr marL="0" indent="0">
-              <a:buFontTx/>
-              <a:buNone/>
-            </a:pPr>
-            <a:r>
-              <a:rPr lang="en-US" altLang="ko-KR" b="0" i="0" dirty="0">
-                <a:solidFill>
-                  <a:srgbClr val="333333"/>
-                </a:solidFill>
-                <a:effectLst/>
-                <a:latin typeface="Malgun Gothic" panose="020B0503020000020004" pitchFamily="50" charset="-127"/>
-                <a:ea typeface="Malgun Gothic" panose="020B0503020000020004" pitchFamily="50" charset="-127"/>
-              </a:rPr>
-              <a:t>Microsoft</a:t>
-            </a:r>
-            <a:r>
-              <a:rPr lang="ko-KR" altLang="en-US" b="0" i="0" dirty="0">
-                <a:solidFill>
-                  <a:srgbClr val="333333"/>
-                </a:solidFill>
-                <a:effectLst/>
-                <a:latin typeface="Malgun Gothic" panose="020B0503020000020004" pitchFamily="50" charset="-127"/>
-                <a:ea typeface="Malgun Gothic" panose="020B0503020000020004" pitchFamily="50" charset="-127"/>
-              </a:rPr>
-              <a:t>가 만든 프로그래밍 플랫폼</a:t>
-            </a:r>
-            <a:r>
-              <a:rPr lang="en-US" altLang="ko-KR" b="0" i="0" dirty="0">
-                <a:solidFill>
-                  <a:srgbClr val="333333"/>
-                </a:solidFill>
-                <a:effectLst/>
-                <a:latin typeface="Malgun Gothic" panose="020B0503020000020004" pitchFamily="50" charset="-127"/>
-                <a:ea typeface="Malgun Gothic" panose="020B0503020000020004" pitchFamily="50" charset="-127"/>
-              </a:rPr>
-              <a:t>.</a:t>
-            </a:r>
-          </a:p>
-          <a:p>
-            <a:r>
-              <a:rPr lang="en-US" altLang="ko-KR" b="0" i="0" dirty="0">
-                <a:solidFill>
-                  <a:srgbClr val="333333"/>
-                </a:solidFill>
-                <a:effectLst/>
-                <a:latin typeface="Malgun Gothic" panose="020B0503020000020004" pitchFamily="50" charset="-127"/>
-                <a:ea typeface="Malgun Gothic" panose="020B0503020000020004" pitchFamily="50" charset="-127"/>
-              </a:rPr>
-              <a:t>.NET</a:t>
-            </a:r>
-            <a:r>
-              <a:rPr lang="ko-KR" altLang="en-US" b="0" i="0" dirty="0">
-                <a:solidFill>
-                  <a:srgbClr val="333333"/>
-                </a:solidFill>
-                <a:effectLst/>
-                <a:latin typeface="Malgun Gothic" panose="020B0503020000020004" pitchFamily="50" charset="-127"/>
-                <a:ea typeface="Malgun Gothic" panose="020B0503020000020004" pitchFamily="50" charset="-127"/>
-              </a:rPr>
-              <a:t>은 모든 운영 체제에서 기본적으로 실행할 수 있는 데스크톱</a:t>
-            </a:r>
-            <a:r>
-              <a:rPr lang="en-US" altLang="ko-KR" b="0" i="0" dirty="0">
-                <a:solidFill>
-                  <a:srgbClr val="333333"/>
-                </a:solidFill>
-                <a:effectLst/>
-                <a:latin typeface="Malgun Gothic" panose="020B0503020000020004" pitchFamily="50" charset="-127"/>
-                <a:ea typeface="Malgun Gothic" panose="020B0503020000020004" pitchFamily="50" charset="-127"/>
-              </a:rPr>
-              <a:t>, </a:t>
-            </a:r>
-            <a:r>
-              <a:rPr lang="ko-KR" altLang="en-US" b="0" i="0" dirty="0">
-                <a:solidFill>
-                  <a:srgbClr val="333333"/>
-                </a:solidFill>
-                <a:effectLst/>
-                <a:latin typeface="Malgun Gothic" panose="020B0503020000020004" pitchFamily="50" charset="-127"/>
-                <a:ea typeface="Malgun Gothic" panose="020B0503020000020004" pitchFamily="50" charset="-127"/>
-              </a:rPr>
-              <a:t>웹 및 모바일 애플리케이션 빌드를 위한 오픈 소스 플랫폼입니다</a:t>
-            </a:r>
-            <a:r>
-              <a:rPr lang="en-US" altLang="ko-KR" b="0" i="0" dirty="0">
-                <a:solidFill>
-                  <a:srgbClr val="333333"/>
-                </a:solidFill>
-                <a:effectLst/>
-                <a:latin typeface="Malgun Gothic" panose="020B0503020000020004" pitchFamily="50" charset="-127"/>
-                <a:ea typeface="Malgun Gothic" panose="020B0503020000020004" pitchFamily="50" charset="-127"/>
-              </a:rPr>
-              <a:t>.</a:t>
-            </a:r>
-          </a:p>
-          <a:p>
-            <a:pPr marL="171450" indent="-171450">
-              <a:buFont typeface="Wingdings" panose="05000000000000000000" pitchFamily="2" charset="2"/>
-              <a:buChar char="è"/>
-            </a:pPr>
-            <a:r>
-              <a:rPr lang="en-US" altLang="ko-KR" b="0" i="0" dirty="0">
-                <a:solidFill>
-                  <a:srgbClr val="333333"/>
-                </a:solidFill>
-                <a:effectLst/>
-                <a:latin typeface="Malgun Gothic" panose="020B0503020000020004" pitchFamily="50" charset="-127"/>
-                <a:ea typeface="Malgun Gothic" panose="020B0503020000020004" pitchFamily="50" charset="-127"/>
-              </a:rPr>
-              <a:t>.NET</a:t>
-            </a:r>
-            <a:r>
-              <a:rPr lang="ko-KR" altLang="en-US" b="0" i="0" dirty="0">
-                <a:solidFill>
-                  <a:srgbClr val="333333"/>
-                </a:solidFill>
-                <a:effectLst/>
-                <a:latin typeface="Malgun Gothic" panose="020B0503020000020004" pitchFamily="50" charset="-127"/>
-                <a:ea typeface="Malgun Gothic" panose="020B0503020000020004" pitchFamily="50" charset="-127"/>
-              </a:rPr>
-              <a:t>은 여러 언어를 지원하는 통합 실행 환경이다</a:t>
-            </a:r>
-            <a:r>
-              <a:rPr lang="en-US" altLang="ko-KR" b="0" i="0" dirty="0">
-                <a:solidFill>
-                  <a:srgbClr val="333333"/>
-                </a:solidFill>
-                <a:effectLst/>
-                <a:latin typeface="Malgun Gothic" panose="020B0503020000020004" pitchFamily="50" charset="-127"/>
-                <a:ea typeface="Malgun Gothic" panose="020B0503020000020004" pitchFamily="50" charset="-127"/>
-              </a:rPr>
-              <a:t>.</a:t>
-            </a:r>
-          </a:p>
-          <a:p>
-            <a:pPr marL="0" indent="0">
-              <a:buFont typeface="Wingdings" panose="05000000000000000000" pitchFamily="2" charset="2"/>
-              <a:buNone/>
-            </a:pPr>
-            <a:endParaRPr lang="en-US" altLang="ko-KR" dirty="0" smtClean="0"/>
-          </a:p>
-          <a:p>
-            <a:r>
-              <a:rPr lang="ko-KR" altLang="en-US" dirty="0" smtClean="0"/>
-              <a:t>플랫폼이란</a:t>
-            </a:r>
-            <a:r>
-              <a:rPr lang="en-US" altLang="ko-KR" dirty="0" smtClean="0"/>
-              <a:t>?!</a:t>
-            </a:r>
-          </a:p>
-          <a:p>
-            <a:r>
-              <a:rPr lang="en-US" altLang="ko-KR" dirty="0" smtClean="0"/>
-              <a:t>: </a:t>
-            </a:r>
-            <a:r>
-              <a:rPr lang="ko-KR" altLang="en-US" dirty="0" smtClean="0"/>
-              <a:t>어떤 프로그램을 만들고 실행할 수 있게 도와주는 ‘기반 환경’</a:t>
-            </a:r>
-            <a:endParaRPr lang="en-US" altLang="ko-KR" dirty="0" smtClean="0"/>
-          </a:p>
-          <a:p>
-            <a:r>
-              <a:rPr lang="en-US" altLang="ko-KR" dirty="0" smtClean="0"/>
-              <a:t>: </a:t>
-            </a:r>
-            <a:r>
-              <a:rPr lang="ko-KR" altLang="en-US" dirty="0" smtClean="0"/>
-              <a:t>개발자가 프로그램을 만들 수 있도록 언어</a:t>
-            </a:r>
-            <a:r>
-              <a:rPr lang="en-US" altLang="ko-KR" dirty="0" smtClean="0"/>
-              <a:t>, </a:t>
-            </a:r>
-            <a:r>
-              <a:rPr lang="ko-KR" altLang="en-US" dirty="0" smtClean="0"/>
-              <a:t>도구</a:t>
-            </a:r>
-            <a:r>
-              <a:rPr lang="en-US" altLang="ko-KR" dirty="0" smtClean="0"/>
-              <a:t>, </a:t>
-            </a:r>
-            <a:r>
-              <a:rPr lang="ko-KR" altLang="en-US" dirty="0" smtClean="0"/>
-              <a:t>실행 환경</a:t>
-            </a:r>
-            <a:r>
-              <a:rPr lang="en-US" altLang="ko-KR" dirty="0" smtClean="0"/>
-              <a:t>, </a:t>
-            </a:r>
-            <a:r>
-              <a:rPr lang="ko-KR" altLang="en-US" dirty="0" smtClean="0"/>
-              <a:t>라이브러리 등을 모아놓은 </a:t>
-            </a:r>
-            <a:r>
-              <a:rPr lang="en-US" altLang="ko-KR" dirty="0" smtClean="0"/>
-              <a:t>'</a:t>
-            </a:r>
-            <a:r>
-              <a:rPr lang="ko-KR" altLang="en-US" dirty="0" smtClean="0"/>
-              <a:t>토대</a:t>
-            </a:r>
-            <a:r>
-              <a:rPr lang="en-US" altLang="ko-KR" dirty="0" smtClean="0"/>
-              <a:t>’</a:t>
-            </a:r>
-          </a:p>
-          <a:p>
-            <a:pPr marL="171450" indent="-171450">
-              <a:buFont typeface="Wingdings" panose="05000000000000000000" pitchFamily="2" charset="2"/>
-              <a:buChar char="è"/>
-            </a:pPr>
-            <a:r>
-              <a:rPr lang="ko-KR" altLang="en-US" dirty="0" smtClean="0"/>
-              <a:t>정말 간단하게 설명하자면</a:t>
-            </a:r>
-            <a:r>
-              <a:rPr lang="en-US" altLang="ko-KR" dirty="0" smtClean="0"/>
-              <a:t>, </a:t>
-            </a:r>
-            <a:r>
-              <a:rPr lang="ko-KR" altLang="en-US" dirty="0" smtClean="0"/>
-              <a:t>주방을 </a:t>
-            </a:r>
-            <a:r>
-              <a:rPr lang="ko-KR" altLang="en-US" dirty="0" err="1" smtClean="0"/>
-              <a:t>일컫음</a:t>
-            </a:r>
-            <a:r>
-              <a:rPr lang="en-US" altLang="ko-KR" dirty="0" smtClean="0"/>
-              <a:t>.</a:t>
-            </a:r>
-            <a:r>
-              <a:rPr lang="ko-KR" altLang="en-US" dirty="0" smtClean="0"/>
-              <a:t> 개발자는 요리사</a:t>
-            </a:r>
-            <a:endParaRPr lang="en-US" altLang="ko-KR" dirty="0" smtClean="0"/>
-          </a:p>
-          <a:p>
-            <a:pPr marL="171450" indent="-171450">
-              <a:buFont typeface="Wingdings" panose="05000000000000000000" pitchFamily="2" charset="2"/>
-              <a:buChar char="è"/>
-            </a:pPr>
-            <a:r>
-              <a:rPr lang="ko-KR" altLang="en-US" dirty="0" smtClean="0"/>
-              <a:t>주방은 가스레인지</a:t>
-            </a:r>
-            <a:r>
-              <a:rPr lang="en-US" altLang="ko-KR" dirty="0" smtClean="0"/>
-              <a:t>, </a:t>
-            </a:r>
-            <a:r>
-              <a:rPr lang="ko-KR" altLang="en-US" dirty="0" smtClean="0"/>
-              <a:t>도마</a:t>
-            </a:r>
-            <a:r>
-              <a:rPr lang="en-US" altLang="ko-KR" dirty="0" smtClean="0"/>
-              <a:t>, </a:t>
-            </a:r>
-            <a:r>
-              <a:rPr lang="ko-KR" altLang="en-US" dirty="0" smtClean="0"/>
-              <a:t>칼</a:t>
-            </a:r>
-            <a:r>
-              <a:rPr lang="en-US" altLang="ko-KR" dirty="0" smtClean="0"/>
-              <a:t>, </a:t>
-            </a:r>
-            <a:r>
-              <a:rPr lang="ko-KR" altLang="en-US" dirty="0" smtClean="0"/>
-              <a:t>냄비</a:t>
-            </a:r>
-            <a:r>
-              <a:rPr lang="en-US" altLang="ko-KR" dirty="0" smtClean="0"/>
-              <a:t>, </a:t>
-            </a:r>
-            <a:r>
-              <a:rPr lang="ko-KR" altLang="en-US" dirty="0" smtClean="0"/>
-              <a:t>조리대 등이 잘 갖춰져 있음</a:t>
-            </a:r>
-            <a:r>
-              <a:rPr lang="en-US" altLang="ko-KR" dirty="0" smtClean="0"/>
-              <a:t>.</a:t>
-            </a:r>
-          </a:p>
-          <a:p>
-            <a:pPr marL="628650" lvl="1" indent="-171450">
-              <a:buFont typeface="Wingdings" panose="05000000000000000000" pitchFamily="2" charset="2"/>
-              <a:buChar char="è"/>
-            </a:pPr>
-            <a:r>
-              <a:rPr lang="ko-KR" altLang="en-US" dirty="0" smtClean="0"/>
-              <a:t>이 덕에 요리사는 재료만 있으면 바로 요리가 가능한 것</a:t>
-            </a:r>
-            <a:r>
-              <a:rPr lang="en-US" altLang="ko-KR" dirty="0" smtClean="0"/>
-              <a:t>!</a:t>
-            </a:r>
-          </a:p>
-          <a:p>
-            <a:pPr marL="0" indent="0">
-              <a:buFont typeface="Wingdings" panose="05000000000000000000" pitchFamily="2" charset="2"/>
-              <a:buNone/>
-            </a:pPr>
-            <a:endParaRPr lang="en-US" altLang="ko-KR" dirty="0" smtClean="0"/>
-          </a:p>
-          <a:p>
-            <a:pPr marL="0" indent="0">
-              <a:buFont typeface="Wingdings" panose="05000000000000000000" pitchFamily="2" charset="2"/>
-              <a:buNone/>
-            </a:pPr>
-            <a:endParaRPr lang="en-US" altLang="ko-KR" dirty="0"/>
-          </a:p>
-          <a:p>
-            <a:pPr>
-              <a:buNone/>
-            </a:pPr>
-            <a:r>
-              <a:rPr lang="ko-KR" altLang="en-US" b="1" dirty="0"/>
-              <a:t>🔄 </a:t>
-            </a:r>
-            <a:r>
-              <a:rPr lang="en-US" altLang="ko-KR" b="1" dirty="0"/>
-              <a:t>.NET</a:t>
-            </a:r>
-            <a:r>
-              <a:rPr lang="ko-KR" altLang="en-US" b="1" dirty="0"/>
-              <a:t>에서의 공통 실행 과정</a:t>
-            </a:r>
-          </a:p>
-          <a:p>
-            <a:pPr>
-              <a:buFont typeface="+mj-lt"/>
-              <a:buAutoNum type="arabicPeriod"/>
-            </a:pPr>
-            <a:r>
-              <a:rPr lang="ko-KR" altLang="en-US" dirty="0"/>
-              <a:t>개발자가 </a:t>
-            </a:r>
-            <a:r>
-              <a:rPr lang="en-US" altLang="ko-KR" dirty="0"/>
-              <a:t>C#, F#, VB </a:t>
-            </a:r>
-            <a:r>
-              <a:rPr lang="ko-KR" altLang="en-US" dirty="0"/>
-              <a:t>중 하나로 코드를 작성합니다</a:t>
-            </a:r>
-            <a:r>
-              <a:rPr lang="en-US" altLang="ko-KR" dirty="0"/>
-              <a:t>.</a:t>
-            </a:r>
-          </a:p>
-          <a:p>
-            <a:pPr>
-              <a:buFont typeface="+mj-lt"/>
-              <a:buAutoNum type="arabicPeriod"/>
-            </a:pPr>
-            <a:r>
-              <a:rPr lang="ko-KR" altLang="en-US" dirty="0"/>
-              <a:t>이 코드는 </a:t>
-            </a:r>
-            <a:r>
-              <a:rPr lang="ko-KR" altLang="en-US" b="1" dirty="0" err="1"/>
-              <a:t>컴파일</a:t>
-            </a:r>
-            <a:r>
-              <a:rPr lang="ko-KR" altLang="en-US" dirty="0" err="1"/>
-              <a:t>되어</a:t>
-            </a:r>
-            <a:r>
-              <a:rPr lang="ko-KR" altLang="en-US" dirty="0"/>
-              <a:t> **중간 언어</a:t>
-            </a:r>
-            <a:r>
-              <a:rPr lang="en-US" altLang="ko-KR" dirty="0"/>
-              <a:t>(IL, Intermediate Language)**</a:t>
-            </a:r>
-            <a:r>
-              <a:rPr lang="ko-KR" altLang="en-US" dirty="0"/>
-              <a:t>로 변환됩니다</a:t>
-            </a:r>
-            <a:r>
-              <a:rPr lang="en-US" altLang="ko-KR" dirty="0"/>
-              <a:t>.</a:t>
-            </a:r>
-          </a:p>
-          <a:p>
-            <a:pPr>
-              <a:buFont typeface="+mj-lt"/>
-              <a:buAutoNum type="arabicPeriod"/>
-            </a:pPr>
-            <a:r>
-              <a:rPr lang="ko-KR" altLang="en-US" dirty="0"/>
-              <a:t>이 중간 언어는 </a:t>
-            </a:r>
-            <a:r>
-              <a:rPr lang="en-US" altLang="ko-KR" dirty="0"/>
-              <a:t>.NET </a:t>
-            </a:r>
-            <a:r>
-              <a:rPr lang="ko-KR" altLang="en-US" dirty="0"/>
-              <a:t>안의 **</a:t>
-            </a:r>
-            <a:r>
-              <a:rPr lang="en-US" altLang="ko-KR" dirty="0"/>
-              <a:t>CLR(Common Language Runtime)**</a:t>
-            </a:r>
-            <a:r>
-              <a:rPr lang="ko-KR" altLang="en-US" dirty="0"/>
-              <a:t>이 **실제 실행 가능한 코드</a:t>
-            </a:r>
-            <a:r>
-              <a:rPr lang="en-US" altLang="ko-KR" dirty="0"/>
-              <a:t>(</a:t>
-            </a:r>
-            <a:r>
-              <a:rPr lang="ko-KR" altLang="en-US" dirty="0"/>
-              <a:t>기계어</a:t>
-            </a:r>
-            <a:r>
-              <a:rPr lang="en-US" altLang="ko-KR" dirty="0"/>
-              <a:t>)**</a:t>
-            </a:r>
-            <a:r>
-              <a:rPr lang="ko-KR" altLang="en-US" dirty="0"/>
-              <a:t>로 바꿔 실행합니다</a:t>
-            </a:r>
-            <a:r>
-              <a:rPr lang="en-US" altLang="ko-KR" dirty="0"/>
-              <a:t>.</a:t>
-            </a:r>
-          </a:p>
-          <a:p>
-            <a:pPr>
-              <a:buNone/>
-            </a:pPr>
-            <a:r>
-              <a:rPr lang="ko-KR" altLang="en-US" dirty="0"/>
-              <a:t>즉</a:t>
-            </a:r>
-            <a:r>
-              <a:rPr lang="en-US" altLang="ko-KR" dirty="0"/>
-              <a:t>,</a:t>
-            </a:r>
-          </a:p>
-          <a:p>
-            <a:r>
-              <a:rPr lang="ko-KR" altLang="en-US" dirty="0"/>
-              <a:t>어떤 언어로 개발하든 </a:t>
-            </a:r>
-            <a:r>
-              <a:rPr lang="en-US" altLang="ko-KR" dirty="0"/>
-              <a:t>.NET</a:t>
-            </a:r>
-            <a:r>
-              <a:rPr lang="ko-KR" altLang="en-US" dirty="0"/>
-              <a:t>이라는 같은 엔진에서 돌아간다</a:t>
-            </a:r>
-            <a:r>
-              <a:rPr lang="en-US" altLang="ko-KR" dirty="0"/>
-              <a:t>!</a:t>
-            </a:r>
-          </a:p>
-          <a:p>
             <a:pPr marL="0" indent="0">
               <a:buFont typeface="Wingdings" panose="05000000000000000000" pitchFamily="2" charset="2"/>
               <a:buNone/>
@@ -6529,844 +2848,7 @@
           <a:bodyPr/>
           <a:lstStyle/>
           <a:p>
-            <a:r>
-              <a:rPr lang="ko-KR" altLang="en-US" dirty="0"/>
-              <a:t>해당 이미지는 </a:t>
-            </a:r>
-            <a:r>
-              <a:rPr lang="en-US" altLang="ko-KR" dirty="0"/>
-              <a:t>MS .NET </a:t>
-            </a:r>
-            <a:r>
-              <a:rPr lang="ko-KR" altLang="en-US" dirty="0"/>
-              <a:t>기술 스택 구조를 시각적으로 표현한 아키텍처 다이어그램</a:t>
-            </a:r>
-            <a:r>
-              <a:rPr lang="en-US" altLang="ko-KR" dirty="0"/>
-              <a:t>.</a:t>
-            </a:r>
-          </a:p>
-          <a:p>
             <a:endParaRPr lang="en-US" altLang="ko-KR" dirty="0"/>
-          </a:p>
-          <a:p>
-            <a:r>
-              <a:rPr lang="en-US" altLang="ko-KR" dirty="0"/>
-              <a:t>&lt; </a:t>
-            </a:r>
-            <a:r>
-              <a:rPr lang="ko-KR" altLang="en-US" dirty="0"/>
-              <a:t>전체 구조 개요</a:t>
-            </a:r>
-            <a:r>
-              <a:rPr lang="en-US" altLang="ko-KR" dirty="0"/>
-              <a:t> &gt;</a:t>
-            </a:r>
-          </a:p>
-          <a:p>
-            <a:r>
-              <a:rPr lang="en-US" altLang="ko-KR" dirty="0"/>
-              <a:t>.NET Framework – (</a:t>
-            </a:r>
-            <a:r>
-              <a:rPr lang="ko-KR" altLang="en-US" dirty="0"/>
-              <a:t>파란색</a:t>
-            </a:r>
-            <a:r>
-              <a:rPr lang="en-US" altLang="ko-KR" dirty="0"/>
-              <a:t>)</a:t>
-            </a:r>
-          </a:p>
-          <a:p>
-            <a:r>
-              <a:rPr lang="en-US" altLang="ko-KR" dirty="0"/>
-              <a:t>.NET Core – (</a:t>
-            </a:r>
-            <a:r>
-              <a:rPr lang="ko-KR" altLang="en-US" dirty="0"/>
-              <a:t>초록색</a:t>
-            </a:r>
-            <a:r>
-              <a:rPr lang="en-US" altLang="ko-KR" dirty="0"/>
-              <a:t>)</a:t>
-            </a:r>
-          </a:p>
-          <a:p>
-            <a:r>
-              <a:rPr lang="en-US" altLang="ko-KR" dirty="0"/>
-              <a:t>.Xamarin – (</a:t>
-            </a:r>
-            <a:r>
-              <a:rPr lang="ko-KR" altLang="en-US" dirty="0"/>
-              <a:t>보라색</a:t>
-            </a:r>
-            <a:r>
-              <a:rPr lang="en-US" altLang="ko-KR" dirty="0"/>
-              <a:t>)</a:t>
-            </a:r>
-          </a:p>
-          <a:p>
-            <a:r>
-              <a:rPr lang="ko-KR" altLang="en-US" dirty="0"/>
-              <a:t>이 세 가지 플랫폼은 각각 다양한 운영체제와 환경을 타겟으로 하는 애플리케이션을 만들기 위해 사용됨</a:t>
-            </a:r>
-            <a:r>
-              <a:rPr lang="en-US" altLang="ko-KR" dirty="0"/>
-              <a:t>.</a:t>
-            </a:r>
-          </a:p>
-          <a:p>
-            <a:r>
-              <a:rPr lang="ko-KR" altLang="en-US" dirty="0"/>
-              <a:t>하지만 밑에 공통적으로 </a:t>
-            </a:r>
-            <a:r>
-              <a:rPr lang="en-US" altLang="ko-KR" dirty="0"/>
-              <a:t>.NET Standard Library </a:t>
-            </a:r>
-            <a:r>
-              <a:rPr lang="ko-KR" altLang="en-US" dirty="0"/>
-              <a:t>와 </a:t>
-            </a:r>
-            <a:r>
-              <a:rPr lang="en-US" altLang="ko-KR" dirty="0"/>
-              <a:t>Common Infrastructure </a:t>
-            </a:r>
-            <a:r>
-              <a:rPr lang="ko-KR" altLang="en-US" dirty="0"/>
-              <a:t>를 공유함</a:t>
-            </a:r>
-            <a:r>
-              <a:rPr lang="en-US" altLang="ko-KR" dirty="0"/>
-              <a:t>.</a:t>
-            </a:r>
-          </a:p>
-          <a:p>
-            <a:endParaRPr lang="en-US" altLang="ko-KR" dirty="0"/>
-          </a:p>
-          <a:p>
-            <a:r>
-              <a:rPr lang="en-US" altLang="ko-KR" dirty="0"/>
-              <a:t>&lt; </a:t>
-            </a:r>
-            <a:r>
-              <a:rPr lang="ko-KR" altLang="en-US" dirty="0"/>
-              <a:t>위쪽 </a:t>
-            </a:r>
-            <a:r>
-              <a:rPr lang="en-US" altLang="ko-KR" dirty="0"/>
-              <a:t>&gt; : App Models</a:t>
-            </a:r>
-          </a:p>
-          <a:p>
-            <a:pPr>
-              <a:buNone/>
-            </a:pPr>
-            <a:r>
-              <a:rPr lang="ko-KR" altLang="en-US" dirty="0"/>
-              <a:t>사용자가 실제로 애플리케이션을 만들 때 사용하는 인터페이스</a:t>
-            </a:r>
-            <a:r>
-              <a:rPr lang="en-US" altLang="ko-KR" dirty="0"/>
-              <a:t>, </a:t>
-            </a:r>
-            <a:r>
-              <a:rPr lang="ko-KR" altLang="en-US" dirty="0"/>
-              <a:t>즉 </a:t>
-            </a:r>
-            <a:r>
-              <a:rPr lang="en-US" altLang="ko-KR" dirty="0"/>
-              <a:t>“UI”</a:t>
-            </a:r>
-            <a:r>
-              <a:rPr lang="ko-KR" altLang="en-US" dirty="0"/>
-              <a:t>나 웹 서버 등을 의미함</a:t>
-            </a:r>
-            <a:r>
-              <a:rPr lang="en-US" altLang="ko-KR" dirty="0"/>
-              <a:t>.</a:t>
-            </a:r>
-            <a:br>
-              <a:rPr lang="en-US" altLang="ko-KR" dirty="0"/>
-            </a:br>
-            <a:r>
-              <a:rPr lang="en-US" altLang="ko-KR" b="1" dirty="0"/>
-              <a:t>.NET Framework</a:t>
-            </a:r>
-            <a:r>
-              <a:rPr lang="en-US" altLang="ko-KR" dirty="0"/>
-              <a:t>:</a:t>
-            </a:r>
-          </a:p>
-          <a:p>
-            <a:pPr>
-              <a:buFont typeface="Arial" panose="020B0604020202020204" pitchFamily="34" charset="0"/>
-              <a:buChar char="•"/>
-            </a:pPr>
-            <a:r>
-              <a:rPr lang="en-US" altLang="ko-KR" b="1" dirty="0"/>
-              <a:t>WPF (Windows Presentation Foundation)</a:t>
-            </a:r>
-            <a:r>
-              <a:rPr lang="ko-KR" altLang="en-US" dirty="0"/>
-              <a:t> </a:t>
-            </a:r>
-            <a:r>
-              <a:rPr lang="en-US" altLang="ko-KR" dirty="0"/>
-              <a:t>– </a:t>
-            </a:r>
-            <a:r>
-              <a:rPr lang="ko-KR" altLang="en-US" dirty="0"/>
-              <a:t>데스크탑용 </a:t>
-            </a:r>
-            <a:r>
-              <a:rPr lang="en-US" altLang="ko-KR" dirty="0"/>
-              <a:t>GUI </a:t>
-            </a:r>
-            <a:r>
-              <a:rPr lang="ko-KR" altLang="en-US" dirty="0"/>
-              <a:t>앱 개발</a:t>
-            </a:r>
-          </a:p>
-          <a:p>
-            <a:pPr>
-              <a:buFont typeface="Arial" panose="020B0604020202020204" pitchFamily="34" charset="0"/>
-              <a:buChar char="•"/>
-            </a:pPr>
-            <a:r>
-              <a:rPr lang="en-US" altLang="ko-KR" b="1" dirty="0"/>
-              <a:t>Windows Forms</a:t>
-            </a:r>
-            <a:r>
-              <a:rPr lang="ko-KR" altLang="en-US" dirty="0"/>
-              <a:t> </a:t>
-            </a:r>
-            <a:r>
-              <a:rPr lang="en-US" altLang="ko-KR" dirty="0"/>
-              <a:t>– </a:t>
-            </a:r>
-            <a:r>
-              <a:rPr lang="ko-KR" altLang="en-US" dirty="0"/>
-              <a:t>오래된 </a:t>
-            </a:r>
-            <a:r>
-              <a:rPr lang="en-US" altLang="ko-KR" dirty="0"/>
-              <a:t>GUI </a:t>
-            </a:r>
-            <a:r>
-              <a:rPr lang="ko-KR" altLang="en-US" dirty="0"/>
-              <a:t>앱 방식</a:t>
-            </a:r>
-          </a:p>
-          <a:p>
-            <a:pPr>
-              <a:buFont typeface="Arial" panose="020B0604020202020204" pitchFamily="34" charset="0"/>
-              <a:buChar char="•"/>
-            </a:pPr>
-            <a:r>
-              <a:rPr lang="en-US" altLang="ko-KR" b="1" dirty="0"/>
-              <a:t>ASP.NET</a:t>
-            </a:r>
-            <a:r>
-              <a:rPr lang="ko-KR" altLang="en-US" dirty="0"/>
-              <a:t> </a:t>
-            </a:r>
-            <a:r>
-              <a:rPr lang="en-US" altLang="ko-KR" dirty="0"/>
-              <a:t>– </a:t>
-            </a:r>
-            <a:r>
-              <a:rPr lang="ko-KR" altLang="en-US" dirty="0"/>
-              <a:t>웹 애플리케이션</a:t>
-            </a:r>
-            <a:endParaRPr lang="en-US" altLang="ko-KR" dirty="0"/>
-          </a:p>
-          <a:p>
-            <a:pPr>
-              <a:buFont typeface="Arial" panose="020B0604020202020204" pitchFamily="34" charset="0"/>
-              <a:buNone/>
-            </a:pPr>
-            <a:endParaRPr lang="ko-KR" altLang="en-US" dirty="0"/>
-          </a:p>
-          <a:p>
-            <a:pPr>
-              <a:buNone/>
-            </a:pPr>
-            <a:r>
-              <a:rPr lang="en-US" altLang="ko-KR" b="1" dirty="0"/>
-              <a:t>.NET Core</a:t>
-            </a:r>
-            <a:r>
-              <a:rPr lang="en-US" altLang="ko-KR" dirty="0"/>
-              <a:t>:</a:t>
-            </a:r>
-          </a:p>
-          <a:p>
-            <a:pPr>
-              <a:buFont typeface="Arial" panose="020B0604020202020204" pitchFamily="34" charset="0"/>
-              <a:buChar char="•"/>
-            </a:pPr>
-            <a:r>
-              <a:rPr lang="en-US" altLang="ko-KR" b="1" dirty="0"/>
-              <a:t>UWP (Universal Windows Platform)</a:t>
-            </a:r>
-            <a:r>
-              <a:rPr lang="ko-KR" altLang="en-US" dirty="0"/>
-              <a:t> </a:t>
-            </a:r>
-            <a:r>
-              <a:rPr lang="en-US" altLang="ko-KR" dirty="0"/>
-              <a:t>– </a:t>
-            </a:r>
-            <a:r>
-              <a:rPr lang="ko-KR" altLang="en-US" dirty="0"/>
-              <a:t>윈도우 </a:t>
-            </a:r>
-            <a:r>
-              <a:rPr lang="en-US" altLang="ko-KR" dirty="0"/>
-              <a:t>10</a:t>
-            </a:r>
-            <a:r>
-              <a:rPr lang="ko-KR" altLang="en-US" dirty="0"/>
-              <a:t>용 앱</a:t>
-            </a:r>
-          </a:p>
-          <a:p>
-            <a:pPr>
-              <a:buFont typeface="Arial" panose="020B0604020202020204" pitchFamily="34" charset="0"/>
-              <a:buChar char="•"/>
-            </a:pPr>
-            <a:r>
-              <a:rPr lang="en-US" altLang="ko-KR" b="1" dirty="0"/>
-              <a:t>ASP.NET Core</a:t>
-            </a:r>
-            <a:r>
-              <a:rPr lang="ko-KR" altLang="en-US" dirty="0"/>
-              <a:t> </a:t>
-            </a:r>
-            <a:r>
-              <a:rPr lang="en-US" altLang="ko-KR" dirty="0"/>
-              <a:t>– </a:t>
-            </a:r>
-            <a:r>
-              <a:rPr lang="ko-KR" altLang="en-US" dirty="0"/>
-              <a:t>크로스플랫폼 웹 앱 및 </a:t>
-            </a:r>
-            <a:r>
-              <a:rPr lang="en-US" altLang="ko-KR" dirty="0"/>
-              <a:t>API </a:t>
-            </a:r>
-            <a:r>
-              <a:rPr lang="ko-KR" altLang="en-US" dirty="0"/>
-              <a:t>개발 </a:t>
-            </a:r>
-            <a:r>
-              <a:rPr lang="en-US" altLang="ko-KR" dirty="0"/>
-              <a:t>(</a:t>
-            </a:r>
-            <a:r>
-              <a:rPr lang="ko-KR" altLang="en-US" dirty="0"/>
-              <a:t>빠르고 유연함</a:t>
-            </a:r>
-            <a:r>
-              <a:rPr lang="en-US" altLang="ko-KR" dirty="0"/>
-              <a:t>)</a:t>
-            </a:r>
-          </a:p>
-          <a:p>
-            <a:pPr>
-              <a:buFont typeface="Arial" panose="020B0604020202020204" pitchFamily="34" charset="0"/>
-              <a:buNone/>
-            </a:pPr>
-            <a:endParaRPr lang="en-US" altLang="ko-KR" dirty="0"/>
-          </a:p>
-          <a:p>
-            <a:pPr>
-              <a:buNone/>
-            </a:pPr>
-            <a:r>
-              <a:rPr lang="en-US" altLang="ko-KR" b="1" dirty="0"/>
-              <a:t>Xamarin</a:t>
-            </a:r>
-            <a:r>
-              <a:rPr lang="en-US" altLang="ko-KR" dirty="0"/>
-              <a:t>:</a:t>
-            </a:r>
-          </a:p>
-          <a:p>
-            <a:pPr>
-              <a:buFont typeface="Arial" panose="020B0604020202020204" pitchFamily="34" charset="0"/>
-              <a:buChar char="•"/>
-            </a:pPr>
-            <a:r>
-              <a:rPr lang="en-US" altLang="ko-KR" b="1" dirty="0" err="1"/>
-              <a:t>Xamarin.iOS</a:t>
-            </a:r>
-            <a:r>
-              <a:rPr lang="en-US" altLang="ko-KR" b="1" dirty="0"/>
-              <a:t> / </a:t>
-            </a:r>
-            <a:r>
-              <a:rPr lang="en-US" altLang="ko-KR" b="1" dirty="0" err="1"/>
-              <a:t>Xamarin.Android</a:t>
-            </a:r>
-            <a:r>
-              <a:rPr lang="ko-KR" altLang="en-US" dirty="0"/>
-              <a:t> </a:t>
-            </a:r>
-            <a:r>
-              <a:rPr lang="en-US" altLang="ko-KR" dirty="0"/>
-              <a:t>– </a:t>
-            </a:r>
-            <a:r>
-              <a:rPr lang="ko-KR" altLang="en-US" dirty="0"/>
-              <a:t>네이티브 모바일 앱 개발</a:t>
-            </a:r>
-          </a:p>
-          <a:p>
-            <a:pPr>
-              <a:buFont typeface="Arial" panose="020B0604020202020204" pitchFamily="34" charset="0"/>
-              <a:buChar char="•"/>
-            </a:pPr>
-            <a:r>
-              <a:rPr lang="en-US" altLang="ko-KR" b="1" dirty="0" err="1"/>
-              <a:t>Xamarin.Forms</a:t>
-            </a:r>
-            <a:r>
-              <a:rPr lang="ko-KR" altLang="en-US" dirty="0"/>
-              <a:t> </a:t>
-            </a:r>
-            <a:r>
-              <a:rPr lang="en-US" altLang="ko-KR" dirty="0"/>
-              <a:t>– </a:t>
-            </a:r>
-            <a:r>
-              <a:rPr lang="ko-KR" altLang="en-US" dirty="0"/>
-              <a:t>공통 </a:t>
-            </a:r>
-            <a:r>
-              <a:rPr lang="en-US" altLang="ko-KR" dirty="0"/>
-              <a:t>UI </a:t>
-            </a:r>
-            <a:r>
-              <a:rPr lang="ko-KR" altLang="en-US" dirty="0"/>
-              <a:t>코드를 기반으로 다양한 플랫폼 앱 개발</a:t>
-            </a:r>
-          </a:p>
-          <a:p>
-            <a:pPr>
-              <a:buFont typeface="Arial" panose="020B0604020202020204" pitchFamily="34" charset="0"/>
-              <a:buChar char="•"/>
-            </a:pPr>
-            <a:r>
-              <a:rPr lang="en-US" altLang="ko-KR" b="1" dirty="0" err="1"/>
-              <a:t>Xamarin.Mac</a:t>
-            </a:r>
-            <a:r>
-              <a:rPr lang="ko-KR" altLang="en-US" dirty="0"/>
-              <a:t> </a:t>
-            </a:r>
-            <a:r>
-              <a:rPr lang="en-US" altLang="ko-KR" dirty="0"/>
-              <a:t>– macOS</a:t>
-            </a:r>
-            <a:r>
-              <a:rPr lang="ko-KR" altLang="en-US" dirty="0"/>
-              <a:t>용 앱 개발</a:t>
-            </a:r>
-          </a:p>
-          <a:p>
-            <a:pPr marL="171450" indent="-171450">
-              <a:buFontTx/>
-              <a:buChar char="-"/>
-            </a:pPr>
-            <a:endParaRPr lang="en-US" altLang="ko-KR" dirty="0"/>
-          </a:p>
-          <a:p>
-            <a:pPr marL="0" indent="0">
-              <a:buFontTx/>
-              <a:buNone/>
-            </a:pPr>
-            <a:r>
-              <a:rPr lang="en-US" altLang="ko-KR" dirty="0"/>
-              <a:t>&lt; </a:t>
-            </a:r>
-            <a:r>
-              <a:rPr lang="ko-KR" altLang="en-US" dirty="0"/>
-              <a:t>중간 </a:t>
-            </a:r>
-            <a:r>
-              <a:rPr lang="en-US" altLang="ko-KR" dirty="0"/>
-              <a:t>&gt; : Base Libraries</a:t>
-            </a:r>
-          </a:p>
-          <a:p>
-            <a:pPr marL="171450" indent="-171450">
-              <a:buFontTx/>
-              <a:buChar char="-"/>
-            </a:pPr>
-            <a:r>
-              <a:rPr lang="ko-KR" altLang="en-US" dirty="0"/>
-              <a:t>모든 플랫폼은 각각의 기본 클래스 라이브러리를 가지고 있다</a:t>
-            </a:r>
-            <a:r>
-              <a:rPr lang="en-US" altLang="ko-KR" dirty="0"/>
-              <a:t>.</a:t>
-            </a:r>
-          </a:p>
-          <a:p>
-            <a:pPr marL="171450" indent="-171450">
-              <a:buFontTx/>
-              <a:buChar char="-"/>
-            </a:pPr>
-            <a:r>
-              <a:rPr lang="en-US" altLang="ko-KR" dirty="0"/>
-              <a:t>Ex) </a:t>
-            </a:r>
-            <a:r>
-              <a:rPr lang="ko-KR" altLang="en-US" dirty="0"/>
-              <a:t>문자열 처리</a:t>
-            </a:r>
-            <a:r>
-              <a:rPr lang="en-US" altLang="ko-KR" dirty="0"/>
-              <a:t>, </a:t>
-            </a:r>
-            <a:r>
-              <a:rPr lang="ko-KR" altLang="en-US" dirty="0"/>
-              <a:t>날짜 계산</a:t>
-            </a:r>
-            <a:r>
-              <a:rPr lang="en-US" altLang="ko-KR" dirty="0"/>
-              <a:t>, </a:t>
-            </a:r>
-            <a:r>
-              <a:rPr lang="ko-KR" altLang="en-US" dirty="0"/>
-              <a:t>파일 입출력 같은 기본 기능이 여기에 포함</a:t>
-            </a:r>
-            <a:r>
-              <a:rPr lang="en-US" altLang="ko-KR" dirty="0"/>
-              <a:t>.</a:t>
-            </a:r>
-          </a:p>
-          <a:p>
-            <a:pPr marL="171450" indent="-171450">
-              <a:buFontTx/>
-              <a:buChar char="-"/>
-            </a:pPr>
-            <a:r>
-              <a:rPr lang="ko-KR" altLang="en-US" dirty="0"/>
-              <a:t>이 라이브러리들은 </a:t>
-            </a:r>
-            <a:r>
-              <a:rPr lang="en-US" altLang="ko-KR" dirty="0"/>
-              <a:t>.NET Standard Library</a:t>
-            </a:r>
-            <a:r>
-              <a:rPr lang="ko-KR" altLang="en-US" dirty="0"/>
-              <a:t>를 통해 공통적으로 공유 가능한 </a:t>
-            </a:r>
-            <a:r>
-              <a:rPr lang="en-US" altLang="ko-KR" dirty="0"/>
-              <a:t>API </a:t>
-            </a:r>
-            <a:r>
-              <a:rPr lang="ko-KR" altLang="en-US" dirty="0"/>
-              <a:t>들을 정의</a:t>
-            </a:r>
-            <a:r>
-              <a:rPr lang="en-US" altLang="ko-KR" dirty="0"/>
-              <a:t>.</a:t>
-            </a:r>
-          </a:p>
-          <a:p>
-            <a:pPr marL="171450" indent="-171450">
-              <a:buFontTx/>
-              <a:buChar char="-"/>
-            </a:pPr>
-            <a:endParaRPr lang="en-US" altLang="ko-KR" dirty="0"/>
-          </a:p>
-          <a:p>
-            <a:pPr marL="0" indent="0">
-              <a:buFontTx/>
-              <a:buNone/>
-            </a:pPr>
-            <a:r>
-              <a:rPr lang="en-US" altLang="ko-KR" dirty="0"/>
-              <a:t>&lt; </a:t>
-            </a:r>
-            <a:r>
-              <a:rPr lang="ko-KR" altLang="en-US" dirty="0"/>
-              <a:t>중간 </a:t>
-            </a:r>
-            <a:r>
-              <a:rPr lang="en-US" altLang="ko-KR" dirty="0"/>
-              <a:t>&gt; : .NET Standard Library (.NET</a:t>
-            </a:r>
-            <a:r>
-              <a:rPr lang="ko-KR" altLang="en-US" dirty="0"/>
-              <a:t> 표준 라이브러리</a:t>
-            </a:r>
-            <a:r>
-              <a:rPr lang="en-US" altLang="ko-KR" dirty="0"/>
-              <a:t>)</a:t>
-            </a:r>
-          </a:p>
-          <a:p>
-            <a:pPr marL="171450" indent="-171450">
-              <a:buFontTx/>
-              <a:buChar char="-"/>
-            </a:pPr>
-            <a:r>
-              <a:rPr lang="ko-KR" altLang="en-US" dirty="0"/>
-              <a:t>핵심개념</a:t>
-            </a:r>
-            <a:r>
-              <a:rPr lang="en-US" altLang="ko-KR" dirty="0"/>
-              <a:t>! : .NET Standard</a:t>
-            </a:r>
-            <a:r>
-              <a:rPr lang="ko-KR" altLang="en-US" dirty="0"/>
-              <a:t>는 서로 다른 플랫폼 간에 공통으로 사용할 수 있는 </a:t>
-            </a:r>
-            <a:r>
-              <a:rPr lang="en-US" altLang="ko-KR" dirty="0"/>
-              <a:t>API </a:t>
-            </a:r>
-            <a:r>
-              <a:rPr lang="ko-KR" altLang="en-US" dirty="0"/>
-              <a:t>집합</a:t>
-            </a:r>
-            <a:r>
-              <a:rPr lang="en-US" altLang="ko-KR" dirty="0"/>
-              <a:t>.</a:t>
-            </a:r>
-          </a:p>
-          <a:p>
-            <a:pPr marL="171450" indent="-171450">
-              <a:buFontTx/>
-              <a:buChar char="-"/>
-            </a:pPr>
-            <a:r>
-              <a:rPr lang="ko-KR" altLang="en-US" dirty="0"/>
-              <a:t>즉</a:t>
-            </a:r>
-            <a:r>
-              <a:rPr lang="en-US" altLang="ko-KR" dirty="0"/>
-              <a:t>, </a:t>
-            </a:r>
-            <a:r>
-              <a:rPr lang="ko-KR" altLang="en-US" dirty="0"/>
-              <a:t>하나의 코드가 여러 플랫폼에서 재사용되도록 하는 표준화된 라이브러리 계약</a:t>
-            </a:r>
-            <a:r>
-              <a:rPr lang="en-US" altLang="ko-KR" dirty="0"/>
-              <a:t>.</a:t>
-            </a:r>
-          </a:p>
-          <a:p>
-            <a:pPr marL="171450" indent="-171450">
-              <a:buFontTx/>
-              <a:buChar char="-"/>
-            </a:pPr>
-            <a:r>
-              <a:rPr lang="ko-KR" altLang="en-US" dirty="0"/>
-              <a:t>더 쉽게 말하면</a:t>
-            </a:r>
-            <a:r>
-              <a:rPr lang="en-US" altLang="ko-KR" dirty="0"/>
-              <a:t>, </a:t>
-            </a:r>
-            <a:r>
-              <a:rPr lang="ko-KR" altLang="en-US" dirty="0"/>
-              <a:t>여기 정의된 </a:t>
-            </a:r>
-            <a:r>
-              <a:rPr lang="en-US" altLang="ko-KR" dirty="0"/>
-              <a:t>API</a:t>
-            </a:r>
-            <a:r>
-              <a:rPr lang="ko-KR" altLang="en-US" dirty="0"/>
-              <a:t>들은 모든 </a:t>
-            </a:r>
-            <a:r>
-              <a:rPr lang="en-US" altLang="ko-KR" dirty="0"/>
-              <a:t>.NET </a:t>
-            </a:r>
-            <a:r>
-              <a:rPr lang="ko-KR" altLang="en-US" dirty="0"/>
-              <a:t>플랫폼에서 작동해야 해</a:t>
-            </a:r>
-            <a:r>
-              <a:rPr lang="en-US" altLang="ko-KR" dirty="0"/>
-              <a:t>! </a:t>
-            </a:r>
-            <a:r>
-              <a:rPr lang="ko-KR" altLang="en-US" dirty="0"/>
-              <a:t>라는 약속</a:t>
-            </a:r>
-            <a:r>
-              <a:rPr lang="en-US" altLang="ko-KR" dirty="0"/>
-              <a:t>.</a:t>
-            </a:r>
-          </a:p>
-          <a:p>
-            <a:pPr marL="171450" indent="-171450">
-              <a:buFontTx/>
-              <a:buChar char="-"/>
-            </a:pPr>
-            <a:r>
-              <a:rPr lang="en-US" altLang="ko-KR" dirty="0"/>
-              <a:t>= .NET Framework, .NET Core, Xamarin </a:t>
-            </a:r>
-            <a:r>
-              <a:rPr lang="ko-KR" altLang="en-US" dirty="0"/>
-              <a:t>등 어디서든 사용 가능</a:t>
-            </a:r>
-            <a:r>
-              <a:rPr lang="en-US" altLang="ko-KR" dirty="0"/>
-              <a:t>.</a:t>
-            </a:r>
-          </a:p>
-          <a:p>
-            <a:pPr marL="171450" indent="-171450">
-              <a:buFontTx/>
-              <a:buChar char="-"/>
-            </a:pPr>
-            <a:endParaRPr lang="en-US" altLang="ko-KR" dirty="0"/>
-          </a:p>
-          <a:p>
-            <a:pPr>
-              <a:buNone/>
-            </a:pPr>
-            <a:r>
-              <a:rPr lang="ko-KR" altLang="en-US" dirty="0"/>
-              <a:t>용어 해석</a:t>
-            </a:r>
-            <a:r>
-              <a:rPr lang="en-US" altLang="ko-KR" dirty="0"/>
-              <a:t>:</a:t>
-            </a:r>
-          </a:p>
-          <a:p>
-            <a:pPr>
-              <a:buFont typeface="Arial" panose="020B0604020202020204" pitchFamily="34" charset="0"/>
-              <a:buChar char="•"/>
-            </a:pPr>
-            <a:r>
-              <a:rPr lang="en-US" altLang="ko-KR" b="1" dirty="0"/>
-              <a:t>Platform Agnostic</a:t>
-            </a:r>
-            <a:r>
-              <a:rPr lang="en-US" altLang="ko-KR" dirty="0"/>
-              <a:t>: </a:t>
-            </a:r>
-            <a:r>
-              <a:rPr lang="ko-KR" altLang="en-US" dirty="0"/>
-              <a:t>특정 플랫폼에 종속되지 않는다는 의미입니다</a:t>
-            </a:r>
-            <a:r>
-              <a:rPr lang="en-US" altLang="ko-KR" dirty="0"/>
-              <a:t>.</a:t>
-            </a:r>
-          </a:p>
-          <a:p>
-            <a:pPr>
-              <a:buFont typeface="Arial" panose="020B0604020202020204" pitchFamily="34" charset="0"/>
-              <a:buChar char="•"/>
-            </a:pPr>
-            <a:r>
-              <a:rPr lang="en-US" altLang="ko-KR" b="1" dirty="0"/>
-              <a:t>.NET Platform Standard</a:t>
-            </a:r>
-            <a:r>
-              <a:rPr lang="en-US" altLang="ko-KR" dirty="0"/>
-              <a:t>: .NET Standard</a:t>
-            </a:r>
-            <a:r>
-              <a:rPr lang="ko-KR" altLang="en-US" dirty="0"/>
-              <a:t>의 기술적인 정의 또는 계약</a:t>
-            </a:r>
-            <a:r>
-              <a:rPr lang="en-US" altLang="ko-KR" dirty="0"/>
-              <a:t>(contract)</a:t>
-            </a:r>
-            <a:r>
-              <a:rPr lang="ko-KR" altLang="en-US" dirty="0"/>
-              <a:t>입니다</a:t>
-            </a:r>
-            <a:r>
-              <a:rPr lang="en-US" altLang="ko-KR" dirty="0"/>
-              <a:t>.</a:t>
-            </a:r>
-          </a:p>
-          <a:p>
-            <a:pPr marL="0" indent="0">
-              <a:buFontTx/>
-              <a:buNone/>
-            </a:pPr>
-            <a:endParaRPr lang="en-US" altLang="ko-KR" dirty="0"/>
-          </a:p>
-          <a:p>
-            <a:pPr marL="0" indent="0">
-              <a:buFontTx/>
-              <a:buNone/>
-            </a:pPr>
-            <a:r>
-              <a:rPr lang="en-US" altLang="ko-KR" dirty="0"/>
-              <a:t>&lt; </a:t>
-            </a:r>
-            <a:r>
-              <a:rPr lang="ko-KR" altLang="en-US" dirty="0"/>
-              <a:t>끝 </a:t>
-            </a:r>
-            <a:r>
-              <a:rPr lang="en-US" altLang="ko-KR" dirty="0"/>
-              <a:t>&gt; : Common Infrastructure (</a:t>
-            </a:r>
-            <a:r>
-              <a:rPr lang="ko-KR" altLang="en-US" dirty="0"/>
-              <a:t>공통 인프라</a:t>
-            </a:r>
-            <a:r>
-              <a:rPr lang="en-US" altLang="ko-KR" dirty="0"/>
-              <a:t>)</a:t>
-            </a:r>
-          </a:p>
-          <a:p>
-            <a:pPr marL="0" indent="0">
-              <a:buFontTx/>
-              <a:buNone/>
-            </a:pPr>
-            <a:r>
-              <a:rPr lang="ko-KR" altLang="en-US" dirty="0"/>
-              <a:t>모든 플랫폼이 공통으로 사용하는 기반</a:t>
-            </a:r>
-            <a:r>
-              <a:rPr lang="en-US" altLang="ko-KR" dirty="0"/>
-              <a:t>.</a:t>
-            </a:r>
-          </a:p>
-          <a:p>
-            <a:pPr marL="0" indent="0">
-              <a:buFontTx/>
-              <a:buNone/>
-            </a:pPr>
-            <a:r>
-              <a:rPr lang="ko-KR" altLang="en-US" dirty="0"/>
-              <a:t>개발자가 신경 쓰지 않아도 동작하게끔</a:t>
-            </a:r>
-            <a:r>
-              <a:rPr lang="en-US" altLang="ko-KR" dirty="0"/>
-              <a:t>, .NET</a:t>
-            </a:r>
-            <a:r>
-              <a:rPr lang="ko-KR" altLang="en-US" dirty="0"/>
-              <a:t>이 내부에서 처리함</a:t>
-            </a:r>
-            <a:r>
-              <a:rPr lang="en-US" altLang="ko-KR" dirty="0"/>
-              <a:t>.</a:t>
-            </a:r>
           </a:p>
         </p:txBody>
       </p:sp>
@@ -7450,322 +2932,6 @@
           <a:bodyPr/>
           <a:lstStyle/>
           <a:p>
-            <a:r>
-              <a:rPr lang="nl-NL" altLang="ko-KR" b="1" dirty="0"/>
-              <a:t>.NET Framework : </a:t>
-            </a:r>
-            <a:r>
-              <a:rPr lang="nl-NL" altLang="ko-KR" b="0" dirty="0"/>
-              <a:t>windows </a:t>
-            </a:r>
-            <a:r>
-              <a:rPr lang="ko-KR" altLang="en-US" b="0" dirty="0"/>
-              <a:t>전용 데스크탑 및 웹 애플리케이션 개발 목적</a:t>
-            </a:r>
-            <a:endParaRPr lang="nl-NL" altLang="ko-KR" dirty="0"/>
-          </a:p>
-          <a:p>
-            <a:r>
-              <a:rPr lang="nl-NL" altLang="ko-KR" b="1" dirty="0"/>
-              <a:t>.NET Core : </a:t>
-            </a:r>
-            <a:r>
-              <a:rPr lang="ko-KR" altLang="en-US" b="0" dirty="0"/>
-              <a:t>크로스 </a:t>
-            </a:r>
-            <a:r>
-              <a:rPr lang="ko-KR" altLang="en-US" b="0" dirty="0" smtClean="0"/>
-              <a:t>플랫폼 웹</a:t>
-            </a:r>
-            <a:r>
-              <a:rPr lang="en-US" altLang="ko-KR" b="0" dirty="0" smtClean="0"/>
-              <a:t>/</a:t>
-            </a:r>
-            <a:r>
-              <a:rPr lang="ko-KR" altLang="en-US" b="0" dirty="0" smtClean="0"/>
-              <a:t>콘솔 애플리케이션 개발 </a:t>
-            </a:r>
-            <a:r>
-              <a:rPr lang="en-US" altLang="ko-KR" b="0" dirty="0" smtClean="0"/>
-              <a:t>(</a:t>
-            </a:r>
-            <a:r>
-              <a:rPr lang="ko-KR" altLang="en-US" b="0" dirty="0" smtClean="0"/>
-              <a:t>멀티플랫폼 </a:t>
-            </a:r>
-            <a:r>
-              <a:rPr lang="en-US" altLang="ko-KR" b="0" dirty="0" smtClean="0"/>
-              <a:t>– windows, </a:t>
-            </a:r>
-            <a:r>
-              <a:rPr lang="en-US" altLang="ko-KR" b="0" dirty="0" err="1" smtClean="0"/>
-              <a:t>linux</a:t>
-            </a:r>
-            <a:r>
-              <a:rPr lang="en-US" altLang="ko-KR" b="0" dirty="0" smtClean="0"/>
-              <a:t>,</a:t>
-            </a:r>
-            <a:r>
-              <a:rPr lang="en-US" altLang="ko-KR" b="0" baseline="0" dirty="0" smtClean="0"/>
-              <a:t> </a:t>
-            </a:r>
-            <a:r>
-              <a:rPr lang="en-US" altLang="ko-KR" b="0" baseline="0" dirty="0" err="1" smtClean="0"/>
-              <a:t>macOS</a:t>
-            </a:r>
-            <a:r>
-              <a:rPr lang="en-US" altLang="ko-KR" b="0" baseline="0" dirty="0" smtClean="0"/>
-              <a:t> </a:t>
-            </a:r>
-            <a:r>
-              <a:rPr lang="ko-KR" altLang="en-US" b="0" baseline="0" dirty="0" smtClean="0"/>
-              <a:t>에서 작동</a:t>
-            </a:r>
-            <a:r>
-              <a:rPr lang="en-US" altLang="ko-KR" b="0" baseline="0" dirty="0" smtClean="0"/>
-              <a:t>)</a:t>
-            </a:r>
-            <a:endParaRPr lang="nl-NL" altLang="ko-KR" b="1" dirty="0"/>
-          </a:p>
-          <a:p>
-            <a:r>
-              <a:rPr lang="nl-NL" altLang="ko-KR" b="1" dirty="0"/>
-              <a:t>Xamarin</a:t>
-            </a:r>
-            <a:r>
-              <a:rPr lang="nl-NL" altLang="ko-KR" dirty="0"/>
-              <a:t> : </a:t>
-            </a:r>
-            <a:r>
-              <a:rPr lang="ko-KR" altLang="en-US" dirty="0"/>
-              <a:t>모바일 앱 </a:t>
-            </a:r>
-            <a:r>
-              <a:rPr lang="en-US" altLang="ko-KR" dirty="0"/>
-              <a:t>(</a:t>
-            </a:r>
-            <a:r>
-              <a:rPr lang="ko-KR" altLang="en-US" dirty="0"/>
-              <a:t>안드로이드</a:t>
-            </a:r>
-            <a:r>
-              <a:rPr lang="en-US" altLang="ko-KR" dirty="0"/>
-              <a:t>, iOS) </a:t>
-            </a:r>
-            <a:r>
-              <a:rPr lang="ko-KR" altLang="en-US" dirty="0"/>
-              <a:t>및 일부 </a:t>
-            </a:r>
-            <a:r>
-              <a:rPr lang="en-US" altLang="ko-KR" dirty="0"/>
-              <a:t>Mac </a:t>
-            </a:r>
-            <a:r>
-              <a:rPr lang="ko-KR" altLang="en-US" dirty="0"/>
-              <a:t>앱 개발</a:t>
-            </a:r>
-            <a:endParaRPr lang="en-US" altLang="ko-KR" dirty="0"/>
-          </a:p>
-          <a:p>
-            <a:endParaRPr lang="en-US" altLang="ko-KR" dirty="0"/>
-          </a:p>
-          <a:p>
-            <a:r>
-              <a:rPr lang="ko-KR" altLang="en-US" dirty="0"/>
-              <a:t>쉬운 예시</a:t>
-            </a:r>
-            <a:endParaRPr lang="en-US" altLang="ko-KR" dirty="0"/>
-          </a:p>
-          <a:p>
-            <a:pPr>
-              <a:buNone/>
-            </a:pPr>
-            <a:r>
-              <a:rPr lang="ko-KR" altLang="en-US" dirty="0"/>
-              <a:t>✨ </a:t>
-            </a:r>
-            <a:r>
-              <a:rPr lang="en-US" altLang="ko-KR" dirty="0"/>
-              <a:t>"JavaScript </a:t>
-            </a:r>
-            <a:r>
-              <a:rPr lang="ko-KR" altLang="en-US" dirty="0"/>
-              <a:t>개발을 하려면 </a:t>
-            </a:r>
-            <a:r>
-              <a:rPr lang="en-US" altLang="ko-KR" dirty="0"/>
-              <a:t>Node.js, Express, Babel, NPM, </a:t>
-            </a:r>
-            <a:r>
-              <a:rPr lang="en-US" altLang="ko-KR" dirty="0" err="1"/>
-              <a:t>VSCode</a:t>
-            </a:r>
-            <a:r>
-              <a:rPr lang="en-US" altLang="ko-KR" dirty="0"/>
-              <a:t> </a:t>
-            </a:r>
-            <a:r>
-              <a:rPr lang="ko-KR" altLang="en-US" dirty="0"/>
-              <a:t>등을 설치하죠</a:t>
-            </a:r>
-            <a:r>
-              <a:rPr lang="en-US" altLang="ko-KR" dirty="0"/>
-              <a:t>?"</a:t>
-            </a:r>
-          </a:p>
-          <a:p>
-            <a:pPr>
-              <a:buNone/>
-            </a:pPr>
-            <a:r>
-              <a:rPr lang="en-US" altLang="ko-KR" dirty="0"/>
-              <a:t>.NET</a:t>
-            </a:r>
-            <a:r>
-              <a:rPr lang="ko-KR" altLang="en-US" dirty="0"/>
-              <a:t>은 그 모든 걸 하나로 묶어서</a:t>
-            </a:r>
-            <a:r>
-              <a:rPr lang="en-US" altLang="ko-KR" dirty="0"/>
-              <a:t>,</a:t>
-            </a:r>
-          </a:p>
-          <a:p>
-            <a:r>
-              <a:rPr lang="en-US" altLang="ko-KR" dirty="0"/>
-              <a:t>✨ "C#</a:t>
-            </a:r>
-            <a:r>
-              <a:rPr lang="ko-KR" altLang="en-US" dirty="0"/>
-              <a:t>으로 </a:t>
-            </a:r>
-            <a:r>
-              <a:rPr lang="ko-KR" altLang="en-US" dirty="0" err="1"/>
-              <a:t>웹앱도</a:t>
-            </a:r>
-            <a:r>
-              <a:rPr lang="en-US" altLang="ko-KR" dirty="0"/>
-              <a:t>, </a:t>
-            </a:r>
-            <a:r>
-              <a:rPr lang="ko-KR" altLang="en-US" dirty="0"/>
-              <a:t>데스크탑도</a:t>
-            </a:r>
-            <a:r>
-              <a:rPr lang="en-US" altLang="ko-KR" dirty="0"/>
-              <a:t>, </a:t>
-            </a:r>
-            <a:r>
-              <a:rPr lang="ko-KR" altLang="en-US" dirty="0"/>
-              <a:t>모바일도 만들 수 있도록 다 갖춰진 플랫폼</a:t>
-            </a:r>
-            <a:r>
-              <a:rPr lang="en-US" altLang="ko-KR" dirty="0"/>
-              <a:t>"</a:t>
-            </a:r>
-            <a:r>
-              <a:rPr lang="ko-KR" altLang="en-US" dirty="0"/>
-              <a:t>입니다</a:t>
-            </a:r>
-            <a:r>
-              <a:rPr lang="en-US" altLang="ko-KR" dirty="0"/>
-              <a:t>.</a:t>
-            </a:r>
-          </a:p>
-          <a:p>
-            <a:endParaRPr lang="en-US" altLang="ko-KR" dirty="0"/>
-          </a:p>
-          <a:p>
-            <a:endParaRPr lang="en-US" altLang="ko-KR" dirty="0" smtClean="0"/>
-          </a:p>
-          <a:p>
-            <a:r>
-              <a:rPr lang="en-US" altLang="ko-KR" dirty="0" err="1" smtClean="0"/>
-              <a:t>WinForms</a:t>
-            </a:r>
-            <a:r>
-              <a:rPr lang="en-US" altLang="ko-KR" dirty="0" smtClean="0"/>
-              <a:t>, WPF</a:t>
-            </a:r>
-            <a:r>
-              <a:rPr lang="ko-KR" altLang="en-US" dirty="0" smtClean="0"/>
-              <a:t>는 이제 **</a:t>
-            </a:r>
-            <a:r>
-              <a:rPr lang="en-US" altLang="ko-KR" dirty="0" smtClean="0"/>
-              <a:t>.NET 6 </a:t>
-            </a:r>
-            <a:r>
-              <a:rPr lang="ko-KR" altLang="en-US" dirty="0" smtClean="0"/>
-              <a:t>이상 </a:t>
-            </a:r>
-            <a:r>
-              <a:rPr lang="en-US" altLang="ko-KR" dirty="0" smtClean="0"/>
-              <a:t>(.NET Core </a:t>
-            </a:r>
-            <a:r>
-              <a:rPr lang="ko-KR" altLang="en-US" dirty="0" smtClean="0"/>
-              <a:t>계열</a:t>
-            </a:r>
-            <a:r>
-              <a:rPr lang="en-US" altLang="ko-KR" dirty="0" smtClean="0"/>
-              <a:t>)**</a:t>
-            </a:r>
-            <a:r>
-              <a:rPr lang="ko-KR" altLang="en-US" dirty="0" smtClean="0"/>
-              <a:t>에서도 지원됩니다</a:t>
-            </a:r>
-            <a:r>
-              <a:rPr lang="en-US" altLang="ko-KR" dirty="0" smtClean="0"/>
-              <a:t>.</a:t>
-            </a:r>
-          </a:p>
-          <a:p>
-            <a:r>
-              <a:rPr lang="ko-KR" altLang="en-US" dirty="0" smtClean="0"/>
-              <a:t>다만</a:t>
-            </a:r>
-            <a:r>
-              <a:rPr lang="en-US" altLang="ko-KR" dirty="0" smtClean="0"/>
-              <a:t>, </a:t>
-            </a:r>
-            <a:r>
-              <a:rPr lang="ko-KR" altLang="en-US" b="1" dirty="0" smtClean="0"/>
-              <a:t>기존 </a:t>
-            </a:r>
-            <a:r>
-              <a:rPr lang="ko-KR" altLang="en-US" b="1" dirty="0" err="1" smtClean="0"/>
-              <a:t>레거시</a:t>
-            </a:r>
-            <a:r>
-              <a:rPr lang="ko-KR" altLang="en-US" b="1" dirty="0" smtClean="0"/>
-              <a:t> 시스템과 호환</a:t>
-            </a:r>
-            <a:r>
-              <a:rPr lang="ko-KR" altLang="en-US" dirty="0" smtClean="0"/>
-              <a:t>이 필요한 경우에는 여전히 </a:t>
-            </a:r>
-            <a:r>
-              <a:rPr lang="en-US" altLang="ko-KR" dirty="0" smtClean="0"/>
-              <a:t>.NET Framework</a:t>
-            </a:r>
-            <a:r>
-              <a:rPr lang="ko-KR" altLang="en-US" dirty="0" smtClean="0"/>
-              <a:t>가 편리합니다</a:t>
-            </a:r>
-            <a:r>
-              <a:rPr lang="en-US" altLang="ko-KR" dirty="0" smtClean="0"/>
-              <a:t>.</a:t>
-            </a:r>
-          </a:p>
-          <a:p>
-            <a:endParaRPr lang="en-US" altLang="ko-KR" dirty="0" smtClean="0"/>
-          </a:p>
-          <a:p>
-            <a:r>
-              <a:rPr lang="en-US" altLang="ko-KR" dirty="0" smtClean="0"/>
-              <a:t>https://www.notion.so/NET-vs-NET-Framework-1ded6fe891f280c38714c8af1f62cedc</a:t>
-            </a:r>
             <a:endParaRPr lang="ko-KR" altLang="en-US" dirty="0"/>
           </a:p>
         </p:txBody>
@@ -7850,957 +3016,6 @@
           <a:bodyPr/>
           <a:lstStyle/>
           <a:p>
-            <a:r>
-              <a:rPr lang="ko-KR" altLang="en-US" dirty="0"/>
-              <a:t>해당 이미지는 </a:t>
-            </a:r>
-            <a:r>
-              <a:rPr lang="en-US" altLang="ko-KR" dirty="0"/>
-              <a:t>MS </a:t>
-            </a:r>
-            <a:r>
-              <a:rPr lang="en-US" altLang="ko-KR" b="1" dirty="0">
-                <a:solidFill>
-                  <a:srgbClr val="0070C0"/>
-                </a:solidFill>
-                <a:highlight>
-                  <a:srgbClr val="00FFFF"/>
-                </a:highlight>
-              </a:rPr>
-              <a:t>.NET </a:t>
-            </a:r>
-            <a:r>
-              <a:rPr lang="en-US" altLang="ko-KR" b="1" dirty="0" err="1">
-                <a:solidFill>
-                  <a:srgbClr val="0070C0"/>
-                </a:solidFill>
-                <a:highlight>
-                  <a:srgbClr val="00FFFF"/>
-                </a:highlight>
-              </a:rPr>
-              <a:t>FrameWork</a:t>
-            </a:r>
-            <a:r>
-              <a:rPr lang="ko-KR" altLang="en-US" dirty="0"/>
-              <a:t>의 작동 원리를 시각적으로 설명한 그림</a:t>
-            </a:r>
-            <a:r>
-              <a:rPr lang="en-US" altLang="ko-KR" dirty="0"/>
-              <a:t>!</a:t>
-            </a:r>
-          </a:p>
-          <a:p>
-            <a:pPr marL="171450" indent="-171450">
-              <a:buFont typeface="Wingdings" panose="05000000000000000000" pitchFamily="2" charset="2"/>
-              <a:buChar char="à"/>
-            </a:pPr>
-            <a:r>
-              <a:rPr lang="en-US" altLang="ko-KR" dirty="0">
-                <a:sym typeface="Wingdings" panose="05000000000000000000" pitchFamily="2" charset="2"/>
-              </a:rPr>
-              <a:t>C#,</a:t>
-            </a:r>
-            <a:r>
-              <a:rPr lang="ko-KR" altLang="en-US" dirty="0">
-                <a:sym typeface="Wingdings" panose="05000000000000000000" pitchFamily="2" charset="2"/>
-              </a:rPr>
-              <a:t> </a:t>
-            </a:r>
-            <a:r>
-              <a:rPr lang="en-US" altLang="ko-KR" dirty="0">
-                <a:sym typeface="Wingdings" panose="05000000000000000000" pitchFamily="2" charset="2"/>
-              </a:rPr>
-              <a:t>F#, VB </a:t>
-            </a:r>
-            <a:r>
-              <a:rPr lang="ko-KR" altLang="en-US" dirty="0">
-                <a:sym typeface="Wingdings" panose="05000000000000000000" pitchFamily="2" charset="2"/>
-              </a:rPr>
-              <a:t>등 다양한 언어를 사용하는데도 하나의 닷넷 플랫폼에서 모두 호환되는 이유</a:t>
-            </a:r>
-            <a:r>
-              <a:rPr lang="en-US" altLang="ko-KR" dirty="0">
-                <a:sym typeface="Wingdings" panose="05000000000000000000" pitchFamily="2" charset="2"/>
-              </a:rPr>
-              <a:t>!</a:t>
-            </a:r>
-            <a:r>
-              <a:rPr lang="ko-KR" altLang="en-US" dirty="0">
-                <a:sym typeface="Wingdings" panose="05000000000000000000" pitchFamily="2" charset="2"/>
-              </a:rPr>
-              <a:t>를 보여줌</a:t>
-            </a:r>
-            <a:endParaRPr lang="en-US" altLang="ko-KR" dirty="0">
-              <a:sym typeface="Wingdings" panose="05000000000000000000" pitchFamily="2" charset="2"/>
-            </a:endParaRPr>
-          </a:p>
-          <a:p>
-            <a:pPr marL="0" indent="0">
-              <a:buFont typeface="Wingdings" panose="05000000000000000000" pitchFamily="2" charset="2"/>
-              <a:buNone/>
-            </a:pPr>
-            <a:endParaRPr lang="en-US" altLang="ko-KR" dirty="0">
-              <a:sym typeface="Wingdings" panose="05000000000000000000" pitchFamily="2" charset="2"/>
-            </a:endParaRPr>
-          </a:p>
-          <a:p>
-            <a:pPr marL="0" indent="0">
-              <a:buFont typeface="Wingdings" panose="05000000000000000000" pitchFamily="2" charset="2"/>
-              <a:buNone/>
-            </a:pPr>
-            <a:r>
-              <a:rPr lang="en-US" altLang="ko-KR" dirty="0">
-                <a:sym typeface="Wingdings" panose="05000000000000000000" pitchFamily="2" charset="2"/>
-              </a:rPr>
-              <a:t>*</a:t>
-            </a:r>
-            <a:r>
-              <a:rPr lang="ko-KR" altLang="en-US" dirty="0">
-                <a:sym typeface="Wingdings" panose="05000000000000000000" pitchFamily="2" charset="2"/>
-              </a:rPr>
-              <a:t>큰 구조 흐름</a:t>
-            </a:r>
-            <a:r>
-              <a:rPr lang="en-US" altLang="ko-KR" dirty="0">
-                <a:sym typeface="Wingdings" panose="05000000000000000000" pitchFamily="2" charset="2"/>
-              </a:rPr>
-              <a:t>*</a:t>
-            </a:r>
-          </a:p>
-          <a:p>
-            <a:pPr marL="228600" indent="-228600">
-              <a:buFont typeface="Wingdings" panose="05000000000000000000" pitchFamily="2" charset="2"/>
-              <a:buAutoNum type="arabicPeriod"/>
-            </a:pPr>
-            <a:r>
-              <a:rPr lang="en-US" altLang="ko-KR" dirty="0">
-                <a:sym typeface="Wingdings" panose="05000000000000000000" pitchFamily="2" charset="2"/>
-              </a:rPr>
-              <a:t>C#, F#, VB.NET </a:t>
-            </a:r>
-            <a:r>
-              <a:rPr lang="ko-KR" altLang="en-US" dirty="0">
-                <a:sym typeface="Wingdings" panose="05000000000000000000" pitchFamily="2" charset="2"/>
-              </a:rPr>
-              <a:t>코드 작성</a:t>
-            </a:r>
-            <a:endParaRPr lang="en-US" altLang="ko-KR" dirty="0">
-              <a:sym typeface="Wingdings" panose="05000000000000000000" pitchFamily="2" charset="2"/>
-            </a:endParaRPr>
-          </a:p>
-          <a:p>
-            <a:pPr marL="228600" indent="-228600">
-              <a:buFont typeface="Wingdings" panose="05000000000000000000" pitchFamily="2" charset="2"/>
-              <a:buAutoNum type="arabicPeriod"/>
-            </a:pPr>
-            <a:r>
-              <a:rPr lang="ko-KR" altLang="en-US" dirty="0">
-                <a:sym typeface="Wingdings" panose="05000000000000000000" pitchFamily="2" charset="2"/>
-              </a:rPr>
-              <a:t>각 언어별 컴파일러가 중간 언어</a:t>
-            </a:r>
-            <a:r>
-              <a:rPr lang="en-US" altLang="ko-KR" dirty="0">
-                <a:sym typeface="Wingdings" panose="05000000000000000000" pitchFamily="2" charset="2"/>
-              </a:rPr>
-              <a:t>(CIL)</a:t>
-            </a:r>
-            <a:r>
-              <a:rPr lang="ko-KR" altLang="en-US" dirty="0">
-                <a:sym typeface="Wingdings" panose="05000000000000000000" pitchFamily="2" charset="2"/>
-              </a:rPr>
-              <a:t>로 번역</a:t>
-            </a:r>
-            <a:endParaRPr lang="en-US" altLang="ko-KR" dirty="0">
-              <a:sym typeface="Wingdings" panose="05000000000000000000" pitchFamily="2" charset="2"/>
-            </a:endParaRPr>
-          </a:p>
-          <a:p>
-            <a:pPr marL="228600" indent="-228600">
-              <a:buFont typeface="Wingdings" panose="05000000000000000000" pitchFamily="2" charset="2"/>
-              <a:buAutoNum type="arabicPeriod"/>
-            </a:pPr>
-            <a:r>
-              <a:rPr lang="en-US" altLang="ko-KR" dirty="0">
-                <a:sym typeface="Wingdings" panose="05000000000000000000" pitchFamily="2" charset="2"/>
-              </a:rPr>
-              <a:t>CIL </a:t>
-            </a:r>
-            <a:r>
-              <a:rPr lang="ko-KR" altLang="en-US" dirty="0">
-                <a:sym typeface="Wingdings" panose="05000000000000000000" pitchFamily="2" charset="2"/>
-              </a:rPr>
-              <a:t>코드는 </a:t>
-            </a:r>
-            <a:r>
-              <a:rPr lang="en-US" altLang="ko-KR" dirty="0">
-                <a:sym typeface="Wingdings" panose="05000000000000000000" pitchFamily="2" charset="2"/>
-              </a:rPr>
-              <a:t>CLR</a:t>
-            </a:r>
-            <a:r>
-              <a:rPr lang="ko-KR" altLang="en-US" dirty="0">
-                <a:sym typeface="Wingdings" panose="05000000000000000000" pitchFamily="2" charset="2"/>
-              </a:rPr>
-              <a:t>이 실행</a:t>
-            </a:r>
-            <a:endParaRPr lang="en-US" altLang="ko-KR" dirty="0">
-              <a:sym typeface="Wingdings" panose="05000000000000000000" pitchFamily="2" charset="2"/>
-            </a:endParaRPr>
-          </a:p>
-          <a:p>
-            <a:pPr marL="228600" indent="-228600">
-              <a:buFont typeface="Wingdings" panose="05000000000000000000" pitchFamily="2" charset="2"/>
-              <a:buAutoNum type="arabicPeriod"/>
-            </a:pPr>
-            <a:r>
-              <a:rPr lang="ko-KR" altLang="en-US" dirty="0">
-                <a:sym typeface="Wingdings" panose="05000000000000000000" pitchFamily="2" charset="2"/>
-              </a:rPr>
-              <a:t>최종적으로 머신 코드로 변환되어 </a:t>
-            </a:r>
-            <a:r>
-              <a:rPr lang="en-US" altLang="ko-KR" dirty="0">
-                <a:sym typeface="Wingdings" panose="05000000000000000000" pitchFamily="2" charset="2"/>
-              </a:rPr>
-              <a:t>OS</a:t>
-            </a:r>
-            <a:r>
-              <a:rPr lang="ko-KR" altLang="en-US" dirty="0">
-                <a:sym typeface="Wingdings" panose="05000000000000000000" pitchFamily="2" charset="2"/>
-              </a:rPr>
-              <a:t>에서 실행</a:t>
-            </a:r>
-            <a:endParaRPr lang="en-US" altLang="ko-KR" dirty="0">
-              <a:sym typeface="Wingdings" panose="05000000000000000000" pitchFamily="2" charset="2"/>
-            </a:endParaRPr>
-          </a:p>
-          <a:p>
-            <a:pPr>
-              <a:buNone/>
-            </a:pPr>
-            <a:r>
-              <a:rPr lang="en-US" altLang="ko-KR" dirty="0"/>
-              <a:t/>
-            </a:r>
-            <a:br>
-              <a:rPr lang="en-US" altLang="ko-KR" dirty="0"/>
-            </a:br>
-            <a:r>
-              <a:rPr lang="ko-KR" altLang="en-US" b="1" dirty="0"/>
-              <a:t>📌 주요 용어 설명과 흐름</a:t>
-            </a:r>
-          </a:p>
-          <a:p>
-            <a:pPr>
-              <a:buNone/>
-            </a:pPr>
-            <a:r>
-              <a:rPr lang="en-US" altLang="ko-KR" b="1" dirty="0"/>
-              <a:t>1. C#, F#, Visual Basic (VB.NET)</a:t>
-            </a:r>
-          </a:p>
-          <a:p>
-            <a:pPr>
-              <a:buFont typeface="Arial" panose="020B0604020202020204" pitchFamily="34" charset="0"/>
-              <a:buChar char="•"/>
-            </a:pPr>
-            <a:r>
-              <a:rPr lang="ko-KR" altLang="en-US" dirty="0"/>
-              <a:t>닷넷 프레임워크에서 사용 가능한 언어들입니다</a:t>
-            </a:r>
-            <a:r>
-              <a:rPr lang="en-US" altLang="ko-KR" dirty="0"/>
-              <a:t>.</a:t>
-            </a:r>
-          </a:p>
-          <a:p>
-            <a:pPr>
-              <a:buFont typeface="Arial" panose="020B0604020202020204" pitchFamily="34" charset="0"/>
-              <a:buChar char="•"/>
-            </a:pPr>
-            <a:r>
-              <a:rPr lang="ko-KR" altLang="en-US" dirty="0"/>
-              <a:t>서로 문법은 다르지만</a:t>
-            </a:r>
-            <a:r>
-              <a:rPr lang="en-US" altLang="ko-KR" dirty="0"/>
-              <a:t>, </a:t>
-            </a:r>
-            <a:r>
-              <a:rPr lang="ko-KR" altLang="en-US" dirty="0"/>
-              <a:t>공통된 구조</a:t>
-            </a:r>
-            <a:r>
-              <a:rPr lang="en-US" altLang="ko-KR" dirty="0"/>
-              <a:t>(CIL)</a:t>
-            </a:r>
-            <a:r>
-              <a:rPr lang="ko-KR" altLang="en-US" dirty="0"/>
-              <a:t>로 변환될 수 있기 때문에 </a:t>
-            </a:r>
-            <a:r>
-              <a:rPr lang="ko-KR" altLang="en-US" b="1" dirty="0"/>
-              <a:t>동일한 실행 환경에서 동작</a:t>
-            </a:r>
-            <a:r>
-              <a:rPr lang="ko-KR" altLang="en-US" dirty="0"/>
-              <a:t> 가능합니다</a:t>
-            </a:r>
-            <a:r>
-              <a:rPr lang="en-US" altLang="ko-KR" dirty="0"/>
-              <a:t>.</a:t>
-            </a:r>
-          </a:p>
-          <a:p>
-            <a:pPr>
-              <a:buFont typeface="Arial" panose="020B0604020202020204" pitchFamily="34" charset="0"/>
-              <a:buChar char="•"/>
-            </a:pPr>
-            <a:endParaRPr lang="en-US" altLang="ko-KR" dirty="0"/>
-          </a:p>
-          <a:p>
-            <a:pPr>
-              <a:buNone/>
-            </a:pPr>
-            <a:r>
-              <a:rPr lang="en-US" altLang="ko-KR" b="1" dirty="0"/>
-              <a:t>2. Compiler (</a:t>
-            </a:r>
-            <a:r>
-              <a:rPr lang="ko-KR" altLang="en-US" b="1" dirty="0"/>
-              <a:t>컴파일러</a:t>
-            </a:r>
-            <a:r>
-              <a:rPr lang="en-US" altLang="ko-KR" b="1" dirty="0"/>
-              <a:t>)</a:t>
-            </a:r>
-          </a:p>
-          <a:p>
-            <a:pPr>
-              <a:buFont typeface="Arial" panose="020B0604020202020204" pitchFamily="34" charset="0"/>
-              <a:buChar char="•"/>
-            </a:pPr>
-            <a:r>
-              <a:rPr lang="ko-KR" altLang="en-US" dirty="0"/>
-              <a:t>각 언어별 코드를 </a:t>
-            </a:r>
-            <a:r>
-              <a:rPr lang="en-US" altLang="ko-KR" b="1" dirty="0"/>
-              <a:t>CIL (Common Intermediate Language)</a:t>
-            </a:r>
-            <a:r>
-              <a:rPr lang="ko-KR" altLang="en-US" dirty="0"/>
-              <a:t> 로 번역해주는 역할입니다</a:t>
-            </a:r>
-            <a:r>
-              <a:rPr lang="en-US" altLang="ko-KR" dirty="0"/>
-              <a:t>.</a:t>
-            </a:r>
-          </a:p>
-          <a:p>
-            <a:pPr>
-              <a:buFont typeface="Arial" panose="020B0604020202020204" pitchFamily="34" charset="0"/>
-              <a:buChar char="•"/>
-            </a:pPr>
-            <a:r>
-              <a:rPr lang="ko-KR" altLang="en-US" dirty="0"/>
-              <a:t>예</a:t>
-            </a:r>
-            <a:r>
-              <a:rPr lang="en-US" altLang="ko-KR" dirty="0"/>
-              <a:t>: C# </a:t>
-            </a:r>
-            <a:r>
-              <a:rPr lang="ko-KR" altLang="en-US" dirty="0"/>
-              <a:t>컴파일러는 </a:t>
-            </a:r>
-            <a:r>
-              <a:rPr lang="en-US" altLang="ko-KR" dirty="0"/>
-              <a:t>.cs </a:t>
-            </a:r>
-            <a:r>
-              <a:rPr lang="ko-KR" altLang="en-US" dirty="0"/>
-              <a:t>파일을 </a:t>
-            </a:r>
-            <a:r>
-              <a:rPr lang="en-US" altLang="ko-KR" b="1" dirty="0"/>
-              <a:t>CIL</a:t>
-            </a:r>
-            <a:r>
-              <a:rPr lang="ko-KR" altLang="en-US" b="1" dirty="0"/>
-              <a:t>로 컴파일</a:t>
-            </a:r>
-            <a:r>
-              <a:rPr lang="ko-KR" altLang="en-US" dirty="0"/>
-              <a:t>합니다</a:t>
-            </a:r>
-            <a:r>
-              <a:rPr lang="en-US" altLang="ko-KR" dirty="0"/>
-              <a:t>.</a:t>
-            </a:r>
-          </a:p>
-          <a:p>
-            <a:pPr>
-              <a:buNone/>
-            </a:pPr>
-            <a:r>
-              <a:rPr lang="ko-KR" altLang="en-US" dirty="0"/>
-              <a:t>💡 </a:t>
-            </a:r>
-            <a:r>
-              <a:rPr lang="en-US" altLang="ko-KR" dirty="0"/>
-              <a:t>CIL(Common Intermediate Language):</a:t>
-            </a:r>
-            <a:br>
-              <a:rPr lang="en-US" altLang="ko-KR" dirty="0"/>
-            </a:br>
-            <a:r>
-              <a:rPr lang="ko-KR" altLang="en-US" dirty="0"/>
-              <a:t>닷넷에서 모든 언어가 공통으로 번역되는 </a:t>
-            </a:r>
-            <a:r>
-              <a:rPr lang="ko-KR" altLang="en-US" b="1" dirty="0"/>
-              <a:t>중간 언어</a:t>
-            </a:r>
-            <a:r>
-              <a:rPr lang="ko-KR" altLang="en-US" dirty="0"/>
-              <a:t>입니다</a:t>
-            </a:r>
-            <a:r>
-              <a:rPr lang="en-US" altLang="ko-KR" dirty="0"/>
-              <a:t>.</a:t>
-            </a:r>
-            <a:br>
-              <a:rPr lang="en-US" altLang="ko-KR" dirty="0"/>
-            </a:br>
-            <a:r>
-              <a:rPr lang="en-US" altLang="ko-KR" dirty="0"/>
-              <a:t>JVM</a:t>
-            </a:r>
-            <a:r>
-              <a:rPr lang="ko-KR" altLang="en-US" dirty="0"/>
-              <a:t>의 바이트코드와 비슷한 </a:t>
-            </a:r>
-            <a:r>
-              <a:rPr lang="ko-KR" altLang="en-US" dirty="0" err="1"/>
-              <a:t>역할이에요</a:t>
-            </a:r>
-            <a:r>
-              <a:rPr lang="en-US" altLang="ko-KR" dirty="0"/>
-              <a:t>.</a:t>
-            </a:r>
-          </a:p>
-          <a:p>
-            <a:pPr>
-              <a:buNone/>
-            </a:pPr>
-            <a:endParaRPr lang="en-US" altLang="ko-KR" dirty="0"/>
-          </a:p>
-          <a:p>
-            <a:pPr>
-              <a:buNone/>
-            </a:pPr>
-            <a:r>
-              <a:rPr lang="en-US" altLang="ko-KR" b="1" dirty="0"/>
-              <a:t>3. CLR (Common Language Runtime)</a:t>
-            </a:r>
-          </a:p>
-          <a:p>
-            <a:pPr>
-              <a:buFont typeface="Arial" panose="020B0604020202020204" pitchFamily="34" charset="0"/>
-              <a:buChar char="•"/>
-            </a:pPr>
-            <a:r>
-              <a:rPr lang="en-US" altLang="ko-KR" dirty="0"/>
-              <a:t>.NET</a:t>
-            </a:r>
-            <a:r>
-              <a:rPr lang="ko-KR" altLang="en-US" dirty="0"/>
-              <a:t>의 실행 엔진입니다</a:t>
-            </a:r>
-            <a:r>
-              <a:rPr lang="en-US" altLang="ko-KR" dirty="0"/>
-              <a:t>.</a:t>
-            </a:r>
-          </a:p>
-          <a:p>
-            <a:pPr>
-              <a:buFont typeface="Arial" panose="020B0604020202020204" pitchFamily="34" charset="0"/>
-              <a:buChar char="•"/>
-            </a:pPr>
-            <a:r>
-              <a:rPr lang="en-US" altLang="ko-KR" dirty="0"/>
-              <a:t>**CIL</a:t>
-            </a:r>
-            <a:r>
-              <a:rPr lang="ko-KR" altLang="en-US" dirty="0"/>
-              <a:t>을 최종적으로 머신 코드</a:t>
-            </a:r>
-            <a:r>
-              <a:rPr lang="en-US" altLang="ko-KR" dirty="0"/>
-              <a:t>(</a:t>
-            </a:r>
-            <a:r>
-              <a:rPr lang="ko-KR" altLang="en-US" dirty="0"/>
-              <a:t>기계어</a:t>
-            </a:r>
-            <a:r>
-              <a:rPr lang="en-US" altLang="ko-KR" dirty="0"/>
-              <a:t>)**</a:t>
-            </a:r>
-            <a:r>
-              <a:rPr lang="ko-KR" altLang="en-US" dirty="0"/>
-              <a:t>로 변환하고 실행합니다</a:t>
-            </a:r>
-            <a:r>
-              <a:rPr lang="en-US" altLang="ko-KR" dirty="0"/>
-              <a:t>.</a:t>
-            </a:r>
-          </a:p>
-          <a:p>
-            <a:pPr>
-              <a:buFont typeface="Arial" panose="020B0604020202020204" pitchFamily="34" charset="0"/>
-              <a:buChar char="•"/>
-            </a:pPr>
-            <a:r>
-              <a:rPr lang="ko-KR" altLang="en-US" dirty="0"/>
-              <a:t>또한 메모리 관리</a:t>
-            </a:r>
-            <a:r>
-              <a:rPr lang="en-US" altLang="ko-KR" dirty="0"/>
-              <a:t>, </a:t>
-            </a:r>
-            <a:r>
-              <a:rPr lang="ko-KR" altLang="en-US" dirty="0"/>
-              <a:t>예외 처리</a:t>
-            </a:r>
-            <a:r>
-              <a:rPr lang="en-US" altLang="ko-KR" dirty="0"/>
-              <a:t>, </a:t>
-            </a:r>
-            <a:r>
-              <a:rPr lang="ko-KR" altLang="en-US" dirty="0"/>
-              <a:t>보안 같은 기능도 맡고 있어요</a:t>
-            </a:r>
-            <a:r>
-              <a:rPr lang="en-US" altLang="ko-KR" dirty="0"/>
-              <a:t>.</a:t>
-            </a:r>
-          </a:p>
-          <a:p>
-            <a:pPr>
-              <a:buNone/>
-            </a:pPr>
-            <a:r>
-              <a:rPr lang="ko-KR" altLang="en-US" dirty="0"/>
-              <a:t>💡 </a:t>
-            </a:r>
-            <a:r>
-              <a:rPr lang="en-US" altLang="ko-KR" dirty="0"/>
-              <a:t>CLR</a:t>
-            </a:r>
-            <a:r>
-              <a:rPr lang="ko-KR" altLang="en-US" dirty="0"/>
-              <a:t>은 </a:t>
-            </a:r>
-            <a:r>
-              <a:rPr lang="en-US" altLang="ko-KR" dirty="0"/>
-              <a:t>Java</a:t>
-            </a:r>
-            <a:r>
-              <a:rPr lang="ko-KR" altLang="en-US" dirty="0"/>
-              <a:t>의 </a:t>
-            </a:r>
-            <a:r>
-              <a:rPr lang="en-US" altLang="ko-KR" dirty="0"/>
-              <a:t>JVM(Java Virtual Machine)</a:t>
-            </a:r>
-            <a:r>
-              <a:rPr lang="ko-KR" altLang="en-US" dirty="0"/>
-              <a:t>과 비슷한 개념입니다</a:t>
-            </a:r>
-            <a:r>
-              <a:rPr lang="en-US" altLang="ko-KR" dirty="0"/>
-              <a:t>.</a:t>
-            </a:r>
-          </a:p>
-          <a:p>
-            <a:pPr>
-              <a:buNone/>
-            </a:pPr>
-            <a:endParaRPr lang="en-US" altLang="ko-KR" dirty="0"/>
-          </a:p>
-          <a:p>
-            <a:pPr>
-              <a:buNone/>
-            </a:pPr>
-            <a:r>
-              <a:rPr lang="en-US" altLang="ko-KR" b="1" dirty="0"/>
-              <a:t>4. Machine Code (</a:t>
-            </a:r>
-            <a:r>
-              <a:rPr lang="ko-KR" altLang="en-US" b="1" dirty="0"/>
-              <a:t>기계어</a:t>
-            </a:r>
-            <a:r>
-              <a:rPr lang="en-US" altLang="ko-KR" b="1" dirty="0"/>
-              <a:t>)</a:t>
-            </a:r>
-          </a:p>
-          <a:p>
-            <a:pPr>
-              <a:buFont typeface="Arial" panose="020B0604020202020204" pitchFamily="34" charset="0"/>
-              <a:buChar char="•"/>
-            </a:pPr>
-            <a:r>
-              <a:rPr lang="en-US" altLang="ko-KR" dirty="0"/>
-              <a:t>CPU</a:t>
-            </a:r>
-            <a:r>
-              <a:rPr lang="ko-KR" altLang="en-US" dirty="0"/>
-              <a:t>가 직접 이해할 수 있는 이진 코드입니다</a:t>
-            </a:r>
-            <a:r>
-              <a:rPr lang="en-US" altLang="ko-KR" dirty="0"/>
-              <a:t>.</a:t>
-            </a:r>
-          </a:p>
-          <a:p>
-            <a:pPr>
-              <a:buFont typeface="Arial" panose="020B0604020202020204" pitchFamily="34" charset="0"/>
-              <a:buChar char="•"/>
-            </a:pPr>
-            <a:r>
-              <a:rPr lang="ko-KR" altLang="en-US" dirty="0"/>
-              <a:t>최종적으로 컴퓨터가 실행하는 코드입니다</a:t>
-            </a:r>
-            <a:r>
-              <a:rPr lang="en-US" altLang="ko-KR" dirty="0"/>
-              <a:t>.</a:t>
-            </a:r>
-          </a:p>
-          <a:p>
-            <a:pPr marL="0" indent="0">
-              <a:buFont typeface="Wingdings" panose="05000000000000000000" pitchFamily="2" charset="2"/>
-              <a:buNone/>
-            </a:pPr>
-            <a:endParaRPr lang="en-US" altLang="ko-KR" dirty="0"/>
-          </a:p>
-          <a:p>
-            <a:pPr>
-              <a:buNone/>
-            </a:pPr>
-            <a:r>
-              <a:rPr lang="ko-KR" altLang="en-US" b="1" dirty="0"/>
-              <a:t>🌍 언어 비유로 보면</a:t>
-            </a:r>
-            <a:r>
-              <a:rPr lang="en-US" altLang="ko-KR" b="1" dirty="0"/>
-              <a:t>:</a:t>
-            </a:r>
-          </a:p>
-          <a:p>
-            <a:pPr>
-              <a:buFont typeface="Arial" panose="020B0604020202020204" pitchFamily="34" charset="0"/>
-              <a:buChar char="•"/>
-            </a:pPr>
-            <a:r>
-              <a:rPr lang="ko-KR" altLang="en-US" b="1" dirty="0"/>
-              <a:t>한국어</a:t>
-            </a:r>
-            <a:r>
-              <a:rPr lang="en-US" altLang="ko-KR" b="1" dirty="0"/>
-              <a:t>, </a:t>
-            </a:r>
-            <a:r>
-              <a:rPr lang="ko-KR" altLang="en-US" b="1" dirty="0"/>
-              <a:t>일본어</a:t>
-            </a:r>
-            <a:r>
-              <a:rPr lang="en-US" altLang="ko-KR" b="1" dirty="0"/>
-              <a:t>, </a:t>
-            </a:r>
-            <a:r>
-              <a:rPr lang="ko-KR" altLang="en-US" b="1" dirty="0"/>
-              <a:t>중국어</a:t>
-            </a:r>
-            <a:r>
-              <a:rPr lang="ko-KR" altLang="en-US" dirty="0"/>
-              <a:t> 👉 </a:t>
-            </a:r>
-            <a:r>
-              <a:rPr lang="en-US" altLang="ko-KR" dirty="0"/>
-              <a:t>C#, F#, VB.NET </a:t>
-            </a:r>
-            <a:r>
-              <a:rPr lang="ko-KR" altLang="en-US" dirty="0"/>
-              <a:t>같은 </a:t>
-            </a:r>
-            <a:r>
-              <a:rPr lang="ko-KR" altLang="en-US" b="1" dirty="0"/>
-              <a:t>프로그래밍 언어</a:t>
-            </a:r>
-            <a:endParaRPr lang="ko-KR" altLang="en-US" dirty="0"/>
-          </a:p>
-          <a:p>
-            <a:pPr>
-              <a:buFont typeface="Arial" panose="020B0604020202020204" pitchFamily="34" charset="0"/>
-              <a:buChar char="•"/>
-            </a:pPr>
-            <a:r>
-              <a:rPr lang="ko-KR" altLang="en-US" b="1" dirty="0"/>
-              <a:t>영어</a:t>
-            </a:r>
-            <a:r>
-              <a:rPr lang="ko-KR" altLang="en-US" dirty="0"/>
-              <a:t> 👉 모든 언어가 번역되는 </a:t>
-            </a:r>
-            <a:r>
-              <a:rPr lang="ko-KR" altLang="en-US" b="1" dirty="0"/>
-              <a:t>중간 언어</a:t>
-            </a:r>
-            <a:r>
-              <a:rPr lang="en-US" altLang="ko-KR" b="1" dirty="0"/>
-              <a:t>(CIL)</a:t>
-            </a:r>
-            <a:r>
-              <a:rPr lang="ko-KR" altLang="en-US" dirty="0"/>
-              <a:t/>
-            </a:r>
-            <a:br>
-              <a:rPr lang="ko-KR" altLang="en-US" dirty="0"/>
-            </a:br>
-            <a:r>
-              <a:rPr lang="en-US" altLang="ko-KR" dirty="0"/>
-              <a:t>(→ </a:t>
-            </a:r>
-            <a:r>
-              <a:rPr lang="ko-KR" altLang="en-US" dirty="0"/>
-              <a:t>다 같이 알아들을 수 있는 공통 언어</a:t>
-            </a:r>
-            <a:r>
-              <a:rPr lang="en-US" altLang="ko-KR" dirty="0"/>
-              <a:t>)</a:t>
-            </a:r>
-          </a:p>
-          <a:p>
-            <a:pPr>
-              <a:buFont typeface="Arial" panose="020B0604020202020204" pitchFamily="34" charset="0"/>
-              <a:buChar char="•"/>
-            </a:pPr>
-            <a:r>
-              <a:rPr lang="ko-KR" altLang="en-US" b="1" dirty="0"/>
-              <a:t>통역사</a:t>
-            </a:r>
-            <a:r>
-              <a:rPr lang="ko-KR" altLang="en-US" dirty="0"/>
-              <a:t> 👉 번역된 영어를 듣고 실제로 요리하는 </a:t>
-            </a:r>
-            <a:r>
-              <a:rPr lang="en-US" altLang="ko-KR" b="1" dirty="0"/>
-              <a:t>CLR (</a:t>
-            </a:r>
-            <a:r>
-              <a:rPr lang="ko-KR" altLang="en-US" b="1" dirty="0"/>
-              <a:t>실행 엔진</a:t>
-            </a:r>
-            <a:r>
-              <a:rPr lang="en-US" altLang="ko-KR" b="1" dirty="0"/>
-              <a:t>)</a:t>
-            </a:r>
-            <a:endParaRPr lang="ko-KR" altLang="en-US" dirty="0"/>
-          </a:p>
-          <a:p>
-            <a:pPr>
-              <a:buFont typeface="Arial" panose="020B0604020202020204" pitchFamily="34" charset="0"/>
-              <a:buChar char="•"/>
-            </a:pPr>
-            <a:r>
-              <a:rPr lang="ko-KR" altLang="en-US" b="1" dirty="0"/>
-              <a:t>요리 결과물</a:t>
-            </a:r>
-            <a:r>
-              <a:rPr lang="ko-KR" altLang="en-US" dirty="0"/>
-              <a:t> 👉 </a:t>
-            </a:r>
-            <a:r>
-              <a:rPr lang="en-US" altLang="ko-KR" dirty="0"/>
-              <a:t>CPU</a:t>
-            </a:r>
-            <a:r>
-              <a:rPr lang="ko-KR" altLang="en-US" dirty="0"/>
-              <a:t>가 실행할 수 있는 </a:t>
-            </a:r>
-            <a:r>
-              <a:rPr lang="ko-KR" altLang="en-US" b="1" dirty="0"/>
-              <a:t>기계어</a:t>
-            </a:r>
-            <a:r>
-              <a:rPr lang="en-US" altLang="ko-KR" b="1" dirty="0"/>
-              <a:t>(Machine Code)</a:t>
-            </a:r>
-            <a:endParaRPr lang="ko-KR" altLang="en-US" dirty="0"/>
-          </a:p>
-          <a:p>
-            <a:pPr marL="0" indent="0">
-              <a:buFont typeface="Wingdings" panose="05000000000000000000" pitchFamily="2" charset="2"/>
-              <a:buNone/>
-            </a:pPr>
-            <a:endParaRPr lang="en-US" altLang="ko-KR" dirty="0"/>
-          </a:p>
-          <a:p>
-            <a:pPr marL="0" indent="0">
-              <a:buFont typeface="Wingdings" panose="05000000000000000000" pitchFamily="2" charset="2"/>
-              <a:buNone/>
-            </a:pPr>
-            <a:r>
-              <a:rPr lang="en-US" altLang="ko-KR" dirty="0"/>
-              <a:t/>
-            </a:r>
-            <a:br>
-              <a:rPr lang="en-US" altLang="ko-KR" dirty="0"/>
-            </a:br>
-            <a:r>
-              <a:rPr lang="ko-KR" altLang="en-US" dirty="0"/>
-              <a:t>참고로 닷넷과 닷넷 프레임워크는 다른 것</a:t>
-            </a:r>
-            <a:r>
-              <a:rPr lang="en-US" altLang="ko-KR" dirty="0"/>
-              <a:t>!</a:t>
-            </a:r>
-          </a:p>
-          <a:p>
-            <a:pPr>
-              <a:buNone/>
-            </a:pPr>
-            <a:r>
-              <a:rPr lang="ko-KR" altLang="en-US" b="1" dirty="0"/>
-              <a:t>🧩 </a:t>
-            </a:r>
-            <a:r>
-              <a:rPr lang="en-US" altLang="ko-KR" b="1" dirty="0"/>
-              <a:t>".NET"</a:t>
-            </a:r>
-            <a:r>
-              <a:rPr lang="ko-KR" altLang="en-US" b="1" dirty="0"/>
-              <a:t>은 플랫폼 전체 이름</a:t>
-            </a:r>
-          </a:p>
-          <a:p>
-            <a:pPr>
-              <a:buNone/>
-            </a:pPr>
-            <a:r>
-              <a:rPr lang="ko-KR" altLang="en-US" dirty="0"/>
-              <a:t>여러 기술과 구성요소가 포함된 </a:t>
-            </a:r>
-            <a:r>
-              <a:rPr lang="ko-KR" altLang="en-US" b="1" dirty="0"/>
-              <a:t>우산 개념</a:t>
-            </a:r>
-            <a:r>
-              <a:rPr lang="ko-KR" altLang="en-US" dirty="0"/>
-              <a:t>입니다</a:t>
-            </a:r>
-            <a:r>
-              <a:rPr lang="en-US" altLang="ko-KR" dirty="0"/>
-              <a:t>.</a:t>
-            </a:r>
-          </a:p>
-          <a:p>
-            <a:pPr>
-              <a:buNone/>
-            </a:pPr>
-            <a:r>
-              <a:rPr lang="ko-KR" altLang="en-US" dirty="0"/>
-              <a:t>예</a:t>
-            </a:r>
-            <a:r>
-              <a:rPr lang="en-US" altLang="ko-KR" dirty="0"/>
-              <a:t>:</a:t>
-            </a:r>
-          </a:p>
-          <a:p>
-            <a:pPr>
-              <a:buFont typeface="Arial" panose="020B0604020202020204" pitchFamily="34" charset="0"/>
-              <a:buChar char="•"/>
-            </a:pPr>
-            <a:r>
-              <a:rPr lang="en-US" altLang="ko-KR" dirty="0"/>
-              <a:t>.NET Framework</a:t>
-            </a:r>
-          </a:p>
-          <a:p>
-            <a:pPr>
-              <a:buFont typeface="Arial" panose="020B0604020202020204" pitchFamily="34" charset="0"/>
-              <a:buChar char="•"/>
-            </a:pPr>
-            <a:r>
-              <a:rPr lang="en-US" altLang="ko-KR" dirty="0"/>
-              <a:t>.NET Core</a:t>
-            </a:r>
-          </a:p>
-          <a:p>
-            <a:pPr>
-              <a:buFont typeface="Arial" panose="020B0604020202020204" pitchFamily="34" charset="0"/>
-              <a:buChar char="•"/>
-            </a:pPr>
-            <a:r>
-              <a:rPr lang="en-US" altLang="ko-KR" dirty="0"/>
-              <a:t>Xamarin</a:t>
-            </a:r>
-          </a:p>
-          <a:p>
-            <a:pPr>
-              <a:buFont typeface="Arial" panose="020B0604020202020204" pitchFamily="34" charset="0"/>
-              <a:buChar char="•"/>
-            </a:pPr>
-            <a:r>
-              <a:rPr lang="en-US" altLang="ko-KR" dirty="0"/>
-              <a:t>MAUI</a:t>
-            </a:r>
-          </a:p>
-          <a:p>
-            <a:pPr>
-              <a:buFont typeface="Arial" panose="020B0604020202020204" pitchFamily="34" charset="0"/>
-              <a:buChar char="•"/>
-            </a:pPr>
-            <a:r>
-              <a:rPr lang="en-US" altLang="ko-KR" dirty="0"/>
-              <a:t>ASP.NET Core</a:t>
-            </a:r>
-            <a:br>
-              <a:rPr lang="en-US" altLang="ko-KR" dirty="0"/>
-            </a:br>
-            <a:r>
-              <a:rPr lang="en-US" altLang="ko-KR" dirty="0"/>
-              <a:t>→ </a:t>
-            </a:r>
-            <a:r>
-              <a:rPr lang="ko-KR" altLang="en-US" dirty="0"/>
-              <a:t>이 모두를 통칭해서 </a:t>
-            </a:r>
-            <a:r>
-              <a:rPr lang="en-US" altLang="ko-KR" b="1" dirty="0"/>
-              <a:t>.NET</a:t>
-            </a:r>
-            <a:r>
-              <a:rPr lang="ko-KR" altLang="en-US" dirty="0"/>
-              <a:t>이라고 부릅니다</a:t>
-            </a:r>
-            <a:r>
-              <a:rPr lang="en-US" altLang="ko-KR" dirty="0"/>
-              <a:t>.</a:t>
-            </a:r>
-          </a:p>
-          <a:p>
-            <a:endParaRPr lang="en-US" altLang="ko-KR" dirty="0"/>
-          </a:p>
-          <a:p>
-            <a:endParaRPr lang="en-US" altLang="ko-KR" dirty="0"/>
-          </a:p>
-          <a:p>
             <a:endParaRPr lang="en-US" altLang="ko-KR" dirty="0"/>
           </a:p>
         </p:txBody>
@@ -8885,254 +3100,6 @@
           <a:bodyPr/>
           <a:lstStyle/>
           <a:p>
-            <a:r>
-              <a:rPr lang="ko-KR" altLang="en-US" dirty="0"/>
-              <a:t>프로그램을 작성할 때 미리 객체 단위로 </a:t>
-            </a:r>
-            <a:r>
-              <a:rPr lang="ko-KR" altLang="en-US" dirty="0" smtClean="0"/>
-              <a:t>기능을 구분할 </a:t>
-            </a:r>
-            <a:r>
-              <a:rPr lang="ko-KR" altLang="en-US" dirty="0"/>
-              <a:t>필요가 있음</a:t>
-            </a:r>
-            <a:endParaRPr lang="en-US" altLang="ko-KR" dirty="0"/>
-          </a:p>
-          <a:p>
-            <a:endParaRPr lang="en-US" altLang="ko-KR" dirty="0"/>
-          </a:p>
-          <a:p>
-            <a:pPr>
-              <a:buNone/>
-            </a:pPr>
-            <a:r>
-              <a:rPr lang="ko-KR" altLang="en-US" b="1" dirty="0"/>
-              <a:t>중심</a:t>
-            </a:r>
-            <a:r>
-              <a:rPr lang="ko-KR" altLang="en-US" dirty="0"/>
-              <a:t>에는 </a:t>
-            </a:r>
-            <a:r>
-              <a:rPr lang="en-US" altLang="ko-KR" dirty="0"/>
-              <a:t>C#</a:t>
-            </a:r>
-            <a:r>
-              <a:rPr lang="ko-KR" altLang="en-US" dirty="0"/>
-              <a:t>이 있고</a:t>
-            </a:r>
-            <a:r>
-              <a:rPr lang="en-US" altLang="ko-KR" dirty="0"/>
-              <a:t>,</a:t>
-            </a:r>
-            <a:br>
-              <a:rPr lang="en-US" altLang="ko-KR" dirty="0"/>
-            </a:br>
-            <a:r>
-              <a:rPr lang="ko-KR" altLang="en-US" dirty="0"/>
-              <a:t>그로부터 </a:t>
-            </a:r>
-            <a:r>
-              <a:rPr lang="en-US" altLang="ko-KR" b="1" dirty="0"/>
-              <a:t>6</a:t>
-            </a:r>
-            <a:r>
-              <a:rPr lang="ko-KR" altLang="en-US" b="1" dirty="0"/>
-              <a:t>가지 주요 분야</a:t>
-            </a:r>
-            <a:r>
-              <a:rPr lang="ko-KR" altLang="en-US" dirty="0"/>
-              <a:t>로 갈라지며 각각의 기술로 연결됩니다</a:t>
-            </a:r>
-            <a:r>
-              <a:rPr lang="en-US" altLang="ko-KR" dirty="0"/>
-              <a:t>.</a:t>
-            </a:r>
-          </a:p>
-          <a:p>
-            <a:pPr>
-              <a:buNone/>
-            </a:pPr>
-            <a:r>
-              <a:rPr lang="ko-KR" altLang="en-US" b="1" dirty="0"/>
-              <a:t>🌿 </a:t>
-            </a:r>
-            <a:r>
-              <a:rPr lang="en-US" altLang="ko-KR" b="1" dirty="0"/>
-              <a:t>C# </a:t>
-            </a:r>
-            <a:r>
-              <a:rPr lang="ko-KR" altLang="en-US" b="1" dirty="0"/>
-              <a:t>활용 분야 </a:t>
-            </a:r>
-            <a:r>
-              <a:rPr lang="en-US" altLang="ko-KR" b="1" dirty="0"/>
-              <a:t>6</a:t>
-            </a:r>
-            <a:r>
-              <a:rPr lang="ko-KR" altLang="en-US" b="1" dirty="0"/>
-              <a:t>가지</a:t>
-            </a:r>
-          </a:p>
-          <a:p>
-            <a:pPr>
-              <a:buFont typeface="+mj-lt"/>
-              <a:buAutoNum type="arabicPeriod"/>
-            </a:pPr>
-            <a:r>
-              <a:rPr lang="ko-KR" altLang="en-US" dirty="0"/>
-              <a:t>윈도우 애플리케이션</a:t>
-            </a:r>
-          </a:p>
-          <a:p>
-            <a:pPr>
-              <a:buFont typeface="+mj-lt"/>
-              <a:buAutoNum type="arabicPeriod"/>
-            </a:pPr>
-            <a:r>
-              <a:rPr lang="ko-KR" altLang="en-US" dirty="0"/>
-              <a:t>웹 개발</a:t>
-            </a:r>
-          </a:p>
-          <a:p>
-            <a:pPr>
-              <a:buFont typeface="+mj-lt"/>
-              <a:buAutoNum type="arabicPeriod"/>
-            </a:pPr>
-            <a:r>
-              <a:rPr lang="ko-KR" altLang="en-US" dirty="0"/>
-              <a:t>클라우드</a:t>
-            </a:r>
-          </a:p>
-          <a:p>
-            <a:pPr>
-              <a:buFont typeface="+mj-lt"/>
-              <a:buAutoNum type="arabicPeriod"/>
-            </a:pPr>
-            <a:r>
-              <a:rPr lang="ko-KR" altLang="en-US" dirty="0"/>
-              <a:t>모바일</a:t>
-            </a:r>
-          </a:p>
-          <a:p>
-            <a:pPr>
-              <a:buFont typeface="+mj-lt"/>
-              <a:buAutoNum type="arabicPeriod"/>
-            </a:pPr>
-            <a:r>
-              <a:rPr lang="ko-KR" altLang="en-US" dirty="0"/>
-              <a:t>게임</a:t>
-            </a:r>
-          </a:p>
-          <a:p>
-            <a:pPr>
-              <a:buFont typeface="+mj-lt"/>
-              <a:buAutoNum type="arabicPeriod"/>
-            </a:pPr>
-            <a:r>
-              <a:rPr lang="en-US" altLang="ko-KR" dirty="0"/>
-              <a:t>IoT</a:t>
-            </a:r>
-          </a:p>
-          <a:p>
-            <a:endParaRPr lang="en-US" altLang="ko-KR" dirty="0"/>
-          </a:p>
-          <a:p>
-            <a:r>
-              <a:rPr lang="en-US" altLang="ko-KR" dirty="0"/>
-              <a:t>WPF - Windows Presentation Foundation</a:t>
-            </a:r>
-          </a:p>
-          <a:p>
-            <a:r>
-              <a:rPr lang="ko-KR" altLang="en-US" dirty="0"/>
-              <a:t>고급 데스크탑 </a:t>
-            </a:r>
-            <a:r>
-              <a:rPr lang="en-US" altLang="ko-KR" dirty="0"/>
-              <a:t>UI </a:t>
-            </a:r>
-            <a:r>
-              <a:rPr lang="ko-KR" altLang="en-US" dirty="0"/>
-              <a:t>개발 가능</a:t>
-            </a:r>
-            <a:r>
-              <a:rPr lang="en-US" altLang="ko-KR" dirty="0"/>
-              <a:t>, XAML</a:t>
-            </a:r>
-            <a:r>
-              <a:rPr lang="ko-KR" altLang="en-US" dirty="0"/>
-              <a:t>을 사용하여 </a:t>
-            </a:r>
-            <a:r>
-              <a:rPr lang="en-US" altLang="ko-KR" dirty="0"/>
-              <a:t>UI </a:t>
-            </a:r>
-            <a:r>
-              <a:rPr lang="ko-KR" altLang="en-US" dirty="0"/>
-              <a:t>구성</a:t>
-            </a:r>
-            <a:endParaRPr lang="en-US" altLang="ko-KR" dirty="0"/>
-          </a:p>
-          <a:p>
-            <a:r>
-              <a:rPr lang="ko-KR" altLang="en-US" dirty="0"/>
-              <a:t>→ </a:t>
-            </a:r>
-            <a:r>
-              <a:rPr lang="en-US" altLang="ko-KR" dirty="0"/>
-              <a:t>MVVM </a:t>
-            </a:r>
-            <a:r>
-              <a:rPr lang="ko-KR" altLang="en-US" dirty="0"/>
-              <a:t>패턴과 잘 어울림</a:t>
-            </a:r>
-            <a:endParaRPr lang="en-US" altLang="ko-KR" dirty="0"/>
-          </a:p>
-          <a:p>
-            <a:r>
-              <a:rPr lang="ko-KR" altLang="en-US" dirty="0"/>
-              <a:t>→ 디자인 요소가 많고 복잡한 앱에 적합</a:t>
-            </a:r>
-            <a:endParaRPr lang="en-US" altLang="ko-KR" dirty="0"/>
-          </a:p>
-          <a:p>
-            <a:endParaRPr lang="en-US" altLang="ko-KR" dirty="0"/>
-          </a:p>
-          <a:p>
-            <a:r>
-              <a:rPr lang="ko-KR" altLang="en-US" b="1" dirty="0"/>
-              <a:t>요약</a:t>
-            </a:r>
-            <a:r>
-              <a:rPr lang="en-US" altLang="ko-KR" dirty="0"/>
-              <a:t>: C#</a:t>
-            </a:r>
-            <a:r>
-              <a:rPr lang="ko-KR" altLang="en-US" dirty="0"/>
-              <a:t>으로 </a:t>
-            </a:r>
-            <a:r>
-              <a:rPr lang="en-US" altLang="ko-KR" dirty="0"/>
-              <a:t>Windows </a:t>
-            </a:r>
-            <a:r>
-              <a:rPr lang="ko-KR" altLang="en-US" dirty="0"/>
-              <a:t>앱을 만들려면 보통 </a:t>
-            </a:r>
-            <a:r>
-              <a:rPr lang="en-US" altLang="ko-KR" b="1" dirty="0"/>
-              <a:t>WPF</a:t>
-            </a:r>
-            <a:r>
-              <a:rPr lang="ko-KR" altLang="en-US" b="1" dirty="0"/>
-              <a:t>를 사용함</a:t>
-            </a:r>
-            <a:r>
-              <a:rPr lang="en-US" altLang="ko-KR" b="1" dirty="0"/>
-              <a:t>.</a:t>
-            </a:r>
             <a:endParaRPr lang="ko-KR" altLang="en-US" dirty="0"/>
           </a:p>
         </p:txBody>
@@ -9314,7 +3281,7 @@
           <a:p>
             <a:fld id="{442BEE3F-2E9A-4FD8-8B8A-8619F3E161C0}" type="datetime1">
               <a:rPr lang="ko-KR" altLang="en-US" smtClean="0"/>
-              <a:t>2025-04-25</a:t>
+              <a:t>2025-06-08</a:t>
             </a:fld>
             <a:endParaRPr lang="ko-KR" altLang="en-US"/>
           </a:p>
@@ -9500,7 +3467,7 @@
           <a:p>
             <a:fld id="{2EAE422B-0E68-47B5-84BB-CA2BDA8EE46C}" type="datetime1">
               <a:rPr lang="ko-KR" altLang="en-US" smtClean="0"/>
-              <a:t>2025-04-25</a:t>
+              <a:t>2025-06-08</a:t>
             </a:fld>
             <a:endParaRPr lang="ko-KR" altLang="en-US"/>
           </a:p>
@@ -9708,7 +3675,7 @@
           <a:p>
             <a:fld id="{AF7C623F-179B-417F-99B6-50F6DF228D4B}" type="datetime1">
               <a:rPr lang="ko-KR" altLang="en-US" smtClean="0"/>
-              <a:t>2025-04-25</a:t>
+              <a:t>2025-06-08</a:t>
             </a:fld>
             <a:endParaRPr lang="ko-KR" altLang="en-US"/>
           </a:p>
@@ -9937,7 +3904,7 @@
           <a:p>
             <a:fld id="{0F78D9C4-20C1-4B15-A116-16DC77AD9A1E}" type="datetime1">
               <a:rPr lang="ko-KR" altLang="en-US" smtClean="0"/>
-              <a:t>2025-04-25</a:t>
+              <a:t>2025-06-08</a:t>
             </a:fld>
             <a:endParaRPr lang="ko-KR" altLang="en-US"/>
           </a:p>
@@ -10212,7 +4179,7 @@
           <a:p>
             <a:fld id="{C7F43723-C509-4DEA-8428-B50818F79709}" type="datetime1">
               <a:rPr lang="ko-KR" altLang="en-US" smtClean="0"/>
-              <a:t>2025-04-25</a:t>
+              <a:t>2025-06-08</a:t>
             </a:fld>
             <a:endParaRPr lang="ko-KR" altLang="en-US"/>
           </a:p>
@@ -10477,7 +4444,7 @@
           <a:p>
             <a:fld id="{5D2B7482-EE74-4DBD-97F4-D0DAC0C0E4E5}" type="datetime1">
               <a:rPr lang="ko-KR" altLang="en-US" smtClean="0"/>
-              <a:t>2025-04-25</a:t>
+              <a:t>2025-06-08</a:t>
             </a:fld>
             <a:endParaRPr lang="ko-KR" altLang="en-US"/>
           </a:p>
@@ -10890,7 +4857,7 @@
           <a:p>
             <a:fld id="{051A8C49-CED7-4A86-9B4A-621D7F62EE92}" type="datetime1">
               <a:rPr lang="ko-KR" altLang="en-US" smtClean="0"/>
-              <a:t>2025-04-25</a:t>
+              <a:t>2025-06-08</a:t>
             </a:fld>
             <a:endParaRPr lang="ko-KR" altLang="en-US"/>
           </a:p>
@@ -11042,7 +5009,7 @@
           <a:p>
             <a:fld id="{84082D76-7079-412D-848B-E1B9E7A6A286}" type="datetime1">
               <a:rPr lang="ko-KR" altLang="en-US" smtClean="0"/>
-              <a:t>2025-04-25</a:t>
+              <a:t>2025-06-08</a:t>
             </a:fld>
             <a:endParaRPr lang="ko-KR" altLang="en-US"/>
           </a:p>
@@ -11155,7 +5122,7 @@
           <a:p>
             <a:fld id="{10C5FEB5-5F88-4F49-9108-1795E314F09F}" type="datetime1">
               <a:rPr lang="ko-KR" altLang="en-US" smtClean="0"/>
-              <a:t>2025-04-25</a:t>
+              <a:t>2025-06-08</a:t>
             </a:fld>
             <a:endParaRPr lang="ko-KR" altLang="en-US"/>
           </a:p>
@@ -11466,7 +5433,7 @@
           <a:p>
             <a:fld id="{E37ABBEE-D8D4-48AD-9887-4DC578B8A684}" type="datetime1">
               <a:rPr lang="ko-KR" altLang="en-US" smtClean="0"/>
-              <a:t>2025-04-25</a:t>
+              <a:t>2025-06-08</a:t>
             </a:fld>
             <a:endParaRPr lang="ko-KR" altLang="en-US"/>
           </a:p>
@@ -11757,7 +5724,7 @@
           <a:p>
             <a:fld id="{A2D6A55C-F3DD-45DD-9D50-F8680410167D}" type="datetime1">
               <a:rPr lang="ko-KR" altLang="en-US" smtClean="0"/>
-              <a:t>2025-04-25</a:t>
+              <a:t>2025-06-08</a:t>
             </a:fld>
             <a:endParaRPr lang="ko-KR" altLang="en-US"/>
           </a:p>
@@ -12001,7 +5968,7 @@
             <a:fld id="{7F5E23C3-0E3D-4E4E-8486-D7FB4C073DC1}" type="datetime1">
               <a:rPr lang="ko-KR" altLang="en-US" smtClean="0"/>
               <a:pPr/>
-              <a:t>2025-04-25</a:t>
+              <a:t>2025-06-08</a:t>
             </a:fld>
             <a:endParaRPr lang="ko-KR" altLang="en-US" dirty="0"/>
           </a:p>
@@ -12528,7 +6495,7 @@
           <a:p>
             <a:fld id="{2E2BEDFA-D8AA-4914-9440-7DF713C99FA9}" type="datetime1">
               <a:rPr lang="ko-KR" altLang="en-US" smtClean="0"/>
-              <a:t>2025-04-25</a:t>
+              <a:t>2025-06-08</a:t>
             </a:fld>
             <a:endParaRPr lang="ko-KR" altLang="en-US" dirty="0"/>
           </a:p>
@@ -12616,7 +6583,7 @@
           <a:p>
             <a:fld id="{0F78D9C4-20C1-4B15-A116-16DC77AD9A1E}" type="datetime1">
               <a:rPr lang="ko-KR" altLang="en-US" smtClean="0"/>
-              <a:t>2025-04-25</a:t>
+              <a:t>2025-06-08</a:t>
             </a:fld>
             <a:endParaRPr lang="ko-KR" altLang="en-US"/>
           </a:p>
@@ -12825,7 +6792,7 @@
           <a:p>
             <a:fld id="{2E2BEDFA-D8AA-4914-9440-7DF713C99FA9}" type="datetime1">
               <a:rPr lang="ko-KR" altLang="en-US" smtClean="0"/>
-              <a:t>2025-04-25</a:t>
+              <a:t>2025-06-08</a:t>
             </a:fld>
             <a:endParaRPr lang="ko-KR" altLang="en-US" dirty="0"/>
           </a:p>
@@ -12945,7 +6912,7 @@
           <a:p>
             <a:fld id="{0F78D9C4-20C1-4B15-A116-16DC77AD9A1E}" type="datetime1">
               <a:rPr lang="ko-KR" altLang="en-US" smtClean="0"/>
-              <a:t>2025-04-25</a:t>
+              <a:t>2025-06-08</a:t>
             </a:fld>
             <a:endParaRPr lang="ko-KR" altLang="en-US"/>
           </a:p>
@@ -13215,7 +7182,7 @@
           <a:p>
             <a:fld id="{0F78D9C4-20C1-4B15-A116-16DC77AD9A1E}" type="datetime1">
               <a:rPr lang="ko-KR" altLang="en-US" smtClean="0"/>
-              <a:t>2025-04-25</a:t>
+              <a:t>2025-06-08</a:t>
             </a:fld>
             <a:endParaRPr lang="ko-KR" altLang="en-US"/>
           </a:p>
@@ -13547,7 +7514,7 @@
           <a:p>
             <a:fld id="{0F78D9C4-20C1-4B15-A116-16DC77AD9A1E}" type="datetime1">
               <a:rPr lang="ko-KR" altLang="en-US" smtClean="0"/>
-              <a:t>2025-04-25</a:t>
+              <a:t>2025-06-08</a:t>
             </a:fld>
             <a:endParaRPr lang="ko-KR" altLang="en-US"/>
           </a:p>
@@ -13797,7 +7764,7 @@
           <a:p>
             <a:fld id="{0F78D9C4-20C1-4B15-A116-16DC77AD9A1E}" type="datetime1">
               <a:rPr lang="ko-KR" altLang="en-US" smtClean="0"/>
-              <a:t>2025-04-25</a:t>
+              <a:t>2025-06-08</a:t>
             </a:fld>
             <a:endParaRPr lang="ko-KR" altLang="en-US"/>
           </a:p>
@@ -14023,7 +7990,7 @@
           <a:p>
             <a:fld id="{0F78D9C4-20C1-4B15-A116-16DC77AD9A1E}" type="datetime1">
               <a:rPr lang="ko-KR" altLang="en-US" smtClean="0"/>
-              <a:t>2025-04-25</a:t>
+              <a:t>2025-06-08</a:t>
             </a:fld>
             <a:endParaRPr lang="ko-KR" altLang="en-US"/>
           </a:p>
@@ -14307,7 +8274,7 @@
           <a:p>
             <a:fld id="{0F78D9C4-20C1-4B15-A116-16DC77AD9A1E}" type="datetime1">
               <a:rPr lang="ko-KR" altLang="en-US" smtClean="0"/>
-              <a:t>2025-04-25</a:t>
+              <a:t>2025-06-08</a:t>
             </a:fld>
             <a:endParaRPr lang="ko-KR" altLang="en-US"/>
           </a:p>
@@ -14423,7 +8390,7 @@
           <a:p>
             <a:fld id="{0F78D9C4-20C1-4B15-A116-16DC77AD9A1E}" type="datetime1">
               <a:rPr lang="ko-KR" altLang="en-US" smtClean="0"/>
-              <a:t>2025-04-25</a:t>
+              <a:t>2025-06-08</a:t>
             </a:fld>
             <a:endParaRPr lang="ko-KR" altLang="en-US"/>
           </a:p>
@@ -15099,7 +9066,7 @@
           <a:p>
             <a:fld id="{0F78D9C4-20C1-4B15-A116-16DC77AD9A1E}" type="datetime1">
               <a:rPr lang="ko-KR" altLang="en-US" smtClean="0"/>
-              <a:t>2025-04-25</a:t>
+              <a:t>2025-06-08</a:t>
             </a:fld>
             <a:endParaRPr lang="ko-KR" altLang="en-US"/>
           </a:p>
@@ -15343,7 +9310,7 @@
           <a:p>
             <a:fld id="{0F78D9C4-20C1-4B15-A116-16DC77AD9A1E}" type="datetime1">
               <a:rPr lang="ko-KR" altLang="en-US" smtClean="0"/>
-              <a:t>2025-04-25</a:t>
+              <a:t>2025-06-08</a:t>
             </a:fld>
             <a:endParaRPr lang="ko-KR" altLang="en-US"/>
           </a:p>
@@ -15804,7 +9771,7 @@
           <a:p>
             <a:fld id="{0F78D9C4-20C1-4B15-A116-16DC77AD9A1E}" type="datetime1">
               <a:rPr lang="ko-KR" altLang="en-US" smtClean="0"/>
-              <a:t>2025-04-25</a:t>
+              <a:t>2025-06-08</a:t>
             </a:fld>
             <a:endParaRPr lang="ko-KR" altLang="en-US"/>
           </a:p>
@@ -16017,7 +9984,7 @@
           <a:p>
             <a:fld id="{0F78D9C4-20C1-4B15-A116-16DC77AD9A1E}" type="datetime1">
               <a:rPr lang="ko-KR" altLang="en-US" smtClean="0"/>
-              <a:t>2025-04-25</a:t>
+              <a:t>2025-06-08</a:t>
             </a:fld>
             <a:endParaRPr lang="ko-KR" altLang="en-US"/>
           </a:p>
@@ -16067,7 +10034,7 @@
           <p:nvPr/>
         </p:nvPicPr>
         <p:blipFill>
-          <a:blip r:embed="rId2"/>
+          <a:blip r:embed="rId3"/>
           <a:stretch>
             <a:fillRect/>
           </a:stretch>
@@ -16097,7 +10064,7 @@
           <p:nvPr/>
         </p:nvPicPr>
         <p:blipFill>
-          <a:blip r:embed="rId3"/>
+          <a:blip r:embed="rId4"/>
           <a:stretch>
             <a:fillRect/>
           </a:stretch>
@@ -16339,7 +10306,7 @@
           <a:p>
             <a:fld id="{0F78D9C4-20C1-4B15-A116-16DC77AD9A1E}" type="datetime1">
               <a:rPr lang="ko-KR" altLang="en-US" smtClean="0"/>
-              <a:t>2025-04-25</a:t>
+              <a:t>2025-06-08</a:t>
             </a:fld>
             <a:endParaRPr lang="ko-KR" altLang="en-US"/>
           </a:p>
@@ -16788,7 +10755,7 @@
           <a:p>
             <a:fld id="{0F78D9C4-20C1-4B15-A116-16DC77AD9A1E}" type="datetime1">
               <a:rPr lang="ko-KR" altLang="en-US" smtClean="0"/>
-              <a:t>2025-04-25</a:t>
+              <a:t>2025-06-08</a:t>
             </a:fld>
             <a:endParaRPr lang="ko-KR" altLang="en-US"/>
           </a:p>
@@ -17120,7 +11087,7 @@
           <a:p>
             <a:fld id="{0F78D9C4-20C1-4B15-A116-16DC77AD9A1E}" type="datetime1">
               <a:rPr lang="ko-KR" altLang="en-US" smtClean="0"/>
-              <a:t>2025-04-25</a:t>
+              <a:t>2025-06-08</a:t>
             </a:fld>
             <a:endParaRPr lang="ko-KR" altLang="en-US"/>
           </a:p>
@@ -17606,7 +11573,7 @@
           <a:p>
             <a:fld id="{0F78D9C4-20C1-4B15-A116-16DC77AD9A1E}" type="datetime1">
               <a:rPr lang="ko-KR" altLang="en-US" smtClean="0"/>
-              <a:t>2025-04-25</a:t>
+              <a:t>2025-06-08</a:t>
             </a:fld>
             <a:endParaRPr lang="ko-KR" altLang="en-US"/>
           </a:p>
@@ -18185,7 +12152,7 @@
           <a:p>
             <a:fld id="{0F78D9C4-20C1-4B15-A116-16DC77AD9A1E}" type="datetime1">
               <a:rPr lang="ko-KR" altLang="en-US" smtClean="0"/>
-              <a:t>2025-04-25</a:t>
+              <a:t>2025-06-08</a:t>
             </a:fld>
             <a:endParaRPr lang="ko-KR" altLang="en-US"/>
           </a:p>
@@ -18530,7 +12497,7 @@
           <a:p>
             <a:fld id="{0F78D9C4-20C1-4B15-A116-16DC77AD9A1E}" type="datetime1">
               <a:rPr lang="ko-KR" altLang="en-US" smtClean="0"/>
-              <a:t>2025-04-25</a:t>
+              <a:t>2025-06-08</a:t>
             </a:fld>
             <a:endParaRPr lang="ko-KR" altLang="en-US"/>
           </a:p>
@@ -18873,7 +12840,7 @@
           <a:p>
             <a:fld id="{0F78D9C4-20C1-4B15-A116-16DC77AD9A1E}" type="datetime1">
               <a:rPr lang="ko-KR" altLang="en-US" smtClean="0"/>
-              <a:t>2025-04-25</a:t>
+              <a:t>2025-06-08</a:t>
             </a:fld>
             <a:endParaRPr lang="ko-KR" altLang="en-US"/>
           </a:p>
@@ -19408,7 +13375,7 @@
           <a:p>
             <a:fld id="{0F78D9C4-20C1-4B15-A116-16DC77AD9A1E}" type="datetime1">
               <a:rPr lang="ko-KR" altLang="en-US" smtClean="0"/>
-              <a:t>2025-04-25</a:t>
+              <a:t>2025-06-08</a:t>
             </a:fld>
             <a:endParaRPr lang="ko-KR" altLang="en-US"/>
           </a:p>
@@ -19654,7 +13621,7 @@
           <a:p>
             <a:fld id="{0F78D9C4-20C1-4B15-A116-16DC77AD9A1E}" type="datetime1">
               <a:rPr lang="ko-KR" altLang="en-US" smtClean="0"/>
-              <a:t>2025-04-25</a:t>
+              <a:t>2025-06-08</a:t>
             </a:fld>
             <a:endParaRPr lang="ko-KR" altLang="en-US"/>
           </a:p>
@@ -19969,7 +13936,7 @@
           <a:p>
             <a:fld id="{0F78D9C4-20C1-4B15-A116-16DC77AD9A1E}" type="datetime1">
               <a:rPr lang="ko-KR" altLang="en-US" smtClean="0"/>
-              <a:t>2025-04-25</a:t>
+              <a:t>2025-06-08</a:t>
             </a:fld>
             <a:endParaRPr lang="ko-KR" altLang="en-US"/>
           </a:p>
@@ -20522,7 +14489,7 @@
           <a:p>
             <a:fld id="{0F78D9C4-20C1-4B15-A116-16DC77AD9A1E}" type="datetime1">
               <a:rPr lang="ko-KR" altLang="en-US" smtClean="0"/>
-              <a:t>2025-04-25</a:t>
+              <a:t>2025-06-08</a:t>
             </a:fld>
             <a:endParaRPr lang="ko-KR" altLang="en-US"/>
           </a:p>
@@ -20663,7 +14630,7 @@
           <a:p>
             <a:fld id="{0F78D9C4-20C1-4B15-A116-16DC77AD9A1E}" type="datetime1">
               <a:rPr lang="ko-KR" altLang="en-US" smtClean="0"/>
-              <a:t>2025-04-25</a:t>
+              <a:t>2025-06-08</a:t>
             </a:fld>
             <a:endParaRPr lang="ko-KR" altLang="en-US"/>
           </a:p>
@@ -21000,7 +14967,7 @@
           <a:p>
             <a:fld id="{0F78D9C4-20C1-4B15-A116-16DC77AD9A1E}" type="datetime1">
               <a:rPr lang="ko-KR" altLang="en-US" smtClean="0"/>
-              <a:t>2025-04-25</a:t>
+              <a:t>2025-06-08</a:t>
             </a:fld>
             <a:endParaRPr lang="ko-KR" altLang="en-US"/>
           </a:p>
@@ -21683,7 +15650,7 @@
           <a:p>
             <a:fld id="{0F78D9C4-20C1-4B15-A116-16DC77AD9A1E}" type="datetime1">
               <a:rPr lang="ko-KR" altLang="en-US" smtClean="0"/>
-              <a:t>2025-04-25</a:t>
+              <a:t>2025-06-08</a:t>
             </a:fld>
             <a:endParaRPr lang="ko-KR" altLang="en-US"/>
           </a:p>
@@ -22011,7 +15978,7 @@
           <a:p>
             <a:fld id="{0F78D9C4-20C1-4B15-A116-16DC77AD9A1E}" type="datetime1">
               <a:rPr lang="ko-KR" altLang="en-US" smtClean="0"/>
-              <a:t>2025-04-25</a:t>
+              <a:t>2025-06-08</a:t>
             </a:fld>
             <a:endParaRPr lang="ko-KR" altLang="en-US"/>
           </a:p>
@@ -22187,7 +16154,7 @@
           <a:p>
             <a:fld id="{0F78D9C4-20C1-4B15-A116-16DC77AD9A1E}" type="datetime1">
               <a:rPr lang="ko-KR" altLang="en-US" smtClean="0"/>
-              <a:t>2025-04-25</a:t>
+              <a:t>2025-06-08</a:t>
             </a:fld>
             <a:endParaRPr lang="ko-KR" altLang="en-US"/>
           </a:p>
@@ -22544,7 +16511,7 @@
           <a:p>
             <a:fld id="{0F78D9C4-20C1-4B15-A116-16DC77AD9A1E}" type="datetime1">
               <a:rPr lang="ko-KR" altLang="en-US" smtClean="0"/>
-              <a:t>2025-04-25</a:t>
+              <a:t>2025-06-08</a:t>
             </a:fld>
             <a:endParaRPr lang="ko-KR" altLang="en-US"/>
           </a:p>
@@ -22660,7 +16627,7 @@
           <a:p>
             <a:fld id="{0F78D9C4-20C1-4B15-A116-16DC77AD9A1E}" type="datetime1">
               <a:rPr lang="ko-KR" altLang="en-US" smtClean="0"/>
-              <a:t>2025-04-25</a:t>
+              <a:t>2025-06-08</a:t>
             </a:fld>
             <a:endParaRPr lang="ko-KR" altLang="en-US"/>
           </a:p>
